--- a/reports/sentiment_analysis.pptx
+++ b/reports/sentiment_analysis.pptx
@@ -5,20 +5,22 @@
     <p:sldMasterId id="2147483648" r:id="rId1"/>
   </p:sldMasterIdLst>
   <p:notesMasterIdLst>
-    <p:notesMasterId r:id="rId13"/>
+    <p:notesMasterId r:id="rId15"/>
   </p:notesMasterIdLst>
   <p:sldIdLst>
     <p:sldId id="256" r:id="rId2"/>
     <p:sldId id="257" r:id="rId3"/>
     <p:sldId id="258" r:id="rId4"/>
     <p:sldId id="259" r:id="rId5"/>
-    <p:sldId id="260" r:id="rId6"/>
-    <p:sldId id="261" r:id="rId7"/>
-    <p:sldId id="262" r:id="rId8"/>
-    <p:sldId id="263" r:id="rId9"/>
-    <p:sldId id="264" r:id="rId10"/>
-    <p:sldId id="265" r:id="rId11"/>
-    <p:sldId id="266" r:id="rId12"/>
+    <p:sldId id="267" r:id="rId6"/>
+    <p:sldId id="268" r:id="rId7"/>
+    <p:sldId id="260" r:id="rId8"/>
+    <p:sldId id="261" r:id="rId9"/>
+    <p:sldId id="262" r:id="rId10"/>
+    <p:sldId id="263" r:id="rId11"/>
+    <p:sldId id="264" r:id="rId12"/>
+    <p:sldId id="265" r:id="rId13"/>
+    <p:sldId id="266" r:id="rId14"/>
   </p:sldIdLst>
   <p:sldSz cx="12192000" cy="6858000"/>
   <p:notesSz cx="6858000" cy="9144000"/>
@@ -207,7 +209,7 @@
           <a:p>
             <a:fld id="{766C19B5-481E-BD4D-8D7C-AFD8E16C32D5}" type="datetimeFigureOut">
               <a:rPr lang="en-US" smtClean="0"/>
-              <a:t>2/21/21</a:t>
+              <a:t>2/22/21</a:t>
             </a:fld>
             <a:endParaRPr lang="en-US"/>
           </a:p>
@@ -621,7 +623,7 @@
           <a:p>
             <a:fld id="{EA998409-5AA3-644D-81E8-2F748A072018}" type="datetimeFigureOut">
               <a:rPr lang="en-US" smtClean="0"/>
-              <a:t>2/21/21</a:t>
+              <a:t>2/22/21</a:t>
             </a:fld>
             <a:endParaRPr lang="en-US"/>
           </a:p>
@@ -819,7 +821,7 @@
           <a:p>
             <a:fld id="{EA998409-5AA3-644D-81E8-2F748A072018}" type="datetimeFigureOut">
               <a:rPr lang="en-US" smtClean="0"/>
-              <a:t>2/21/21</a:t>
+              <a:t>2/22/21</a:t>
             </a:fld>
             <a:endParaRPr lang="en-US"/>
           </a:p>
@@ -1027,7 +1029,7 @@
           <a:p>
             <a:fld id="{EA998409-5AA3-644D-81E8-2F748A072018}" type="datetimeFigureOut">
               <a:rPr lang="en-US" smtClean="0"/>
-              <a:t>2/21/21</a:t>
+              <a:t>2/22/21</a:t>
             </a:fld>
             <a:endParaRPr lang="en-US"/>
           </a:p>
@@ -1225,7 +1227,7 @@
           <a:p>
             <a:fld id="{EA998409-5AA3-644D-81E8-2F748A072018}" type="datetimeFigureOut">
               <a:rPr lang="en-US" smtClean="0"/>
-              <a:t>2/21/21</a:t>
+              <a:t>2/22/21</a:t>
             </a:fld>
             <a:endParaRPr lang="en-US"/>
           </a:p>
@@ -1500,7 +1502,7 @@
           <a:p>
             <a:fld id="{EA998409-5AA3-644D-81E8-2F748A072018}" type="datetimeFigureOut">
               <a:rPr lang="en-US" smtClean="0"/>
-              <a:t>2/21/21</a:t>
+              <a:t>2/22/21</a:t>
             </a:fld>
             <a:endParaRPr lang="en-US"/>
           </a:p>
@@ -1765,7 +1767,7 @@
           <a:p>
             <a:fld id="{EA998409-5AA3-644D-81E8-2F748A072018}" type="datetimeFigureOut">
               <a:rPr lang="en-US" smtClean="0"/>
-              <a:t>2/21/21</a:t>
+              <a:t>2/22/21</a:t>
             </a:fld>
             <a:endParaRPr lang="en-US"/>
           </a:p>
@@ -2177,7 +2179,7 @@
           <a:p>
             <a:fld id="{EA998409-5AA3-644D-81E8-2F748A072018}" type="datetimeFigureOut">
               <a:rPr lang="en-US" smtClean="0"/>
-              <a:t>2/21/21</a:t>
+              <a:t>2/22/21</a:t>
             </a:fld>
             <a:endParaRPr lang="en-US"/>
           </a:p>
@@ -2318,7 +2320,7 @@
           <a:p>
             <a:fld id="{EA998409-5AA3-644D-81E8-2F748A072018}" type="datetimeFigureOut">
               <a:rPr lang="en-US" smtClean="0"/>
-              <a:t>2/21/21</a:t>
+              <a:t>2/22/21</a:t>
             </a:fld>
             <a:endParaRPr lang="en-US"/>
           </a:p>
@@ -2431,7 +2433,7 @@
           <a:p>
             <a:fld id="{EA998409-5AA3-644D-81E8-2F748A072018}" type="datetimeFigureOut">
               <a:rPr lang="en-US" smtClean="0"/>
-              <a:t>2/21/21</a:t>
+              <a:t>2/22/21</a:t>
             </a:fld>
             <a:endParaRPr lang="en-US"/>
           </a:p>
@@ -2742,7 +2744,7 @@
           <a:p>
             <a:fld id="{EA998409-5AA3-644D-81E8-2F748A072018}" type="datetimeFigureOut">
               <a:rPr lang="en-US" smtClean="0"/>
-              <a:t>2/21/21</a:t>
+              <a:t>2/22/21</a:t>
             </a:fld>
             <a:endParaRPr lang="en-US"/>
           </a:p>
@@ -3030,7 +3032,7 @@
           <a:p>
             <a:fld id="{EA998409-5AA3-644D-81E8-2F748A072018}" type="datetimeFigureOut">
               <a:rPr lang="en-US" smtClean="0"/>
-              <a:t>2/21/21</a:t>
+              <a:t>2/22/21</a:t>
             </a:fld>
             <a:endParaRPr lang="en-US"/>
           </a:p>
@@ -3271,7 +3273,7 @@
           <a:p>
             <a:fld id="{EA998409-5AA3-644D-81E8-2F748A072018}" type="datetimeFigureOut">
               <a:rPr lang="en-US" smtClean="0"/>
-              <a:t>2/21/21</a:t>
+              <a:t>2/22/21</a:t>
             </a:fld>
             <a:endParaRPr lang="en-US"/>
           </a:p>
@@ -3860,13 +3862,13 @@
         </p:nvSpPr>
         <p:spPr>
           <a:xfrm>
-            <a:off x="609600" y="809033"/>
+            <a:off x="609600" y="437546"/>
             <a:ext cx="9144000" cy="661091"/>
           </a:xfrm>
         </p:spPr>
         <p:txBody>
           <a:bodyPr>
-            <a:normAutofit fontScale="90000"/>
+            <a:normAutofit/>
           </a:bodyPr>
           <a:lstStyle/>
           <a:p>
@@ -3878,7 +3880,7 @@
                 </a:solidFill>
                 <a:latin typeface="Rockwell" panose="02060603020205020403" pitchFamily="18" charset="77"/>
               </a:rPr>
-              <a:t>Synthetic Minority Oversampling Technique (SMOTE)</a:t>
+              <a:t>Supervised Learning Algorithm</a:t>
             </a:r>
           </a:p>
         </p:txBody>
@@ -3979,6 +3981,488 @@
         </p:nvSpPr>
         <p:spPr>
           <a:xfrm>
+            <a:off x="548640" y="1405927"/>
+            <a:ext cx="11033760" cy="4457952"/>
+          </a:xfrm>
+          <a:prstGeom prst="rect">
+            <a:avLst/>
+          </a:prstGeom>
+        </p:spPr>
+        <p:txBody>
+          <a:bodyPr wrap="square">
+            <a:spAutoFit/>
+          </a:bodyPr>
+          <a:lstStyle/>
+          <a:p>
+            <a:pPr marL="342900" indent="-342900">
+              <a:lnSpc>
+                <a:spcPct val="150000"/>
+              </a:lnSpc>
+              <a:buClr>
+                <a:srgbClr val="00B0F0"/>
+              </a:buClr>
+              <a:buSzPct val="80000"/>
+              <a:buFont typeface="System Font Regular"/>
+              <a:buChar char="■"/>
+            </a:pPr>
+            <a:r>
+              <a:rPr lang="en-US" sz="2400" dirty="0">
+                <a:latin typeface="Times New Roman" panose="02020603050405020304" pitchFamily="18" charset="0"/>
+                <a:cs typeface="Times New Roman" panose="02020603050405020304" pitchFamily="18" charset="0"/>
+              </a:rPr>
+              <a:t>In order to quantify the performance of different approaches, I manually hand label about 1000 data. It is of note that only about 300 labels were either positive or negative.</a:t>
+            </a:r>
+          </a:p>
+          <a:p>
+            <a:pPr marL="342900" indent="-342900">
+              <a:lnSpc>
+                <a:spcPct val="150000"/>
+              </a:lnSpc>
+              <a:buClr>
+                <a:srgbClr val="00B0F0"/>
+              </a:buClr>
+              <a:buSzPct val="80000"/>
+              <a:buFont typeface="System Font Regular"/>
+              <a:buChar char="■"/>
+            </a:pPr>
+            <a:r>
+              <a:rPr lang="en-US" sz="2400" dirty="0">
+                <a:latin typeface="Times New Roman" panose="02020603050405020304" pitchFamily="18" charset="0"/>
+                <a:cs typeface="Times New Roman" panose="02020603050405020304" pitchFamily="18" charset="0"/>
+              </a:rPr>
+              <a:t>Due to the ambiguity and sarcasmic nature of tweets, it was very difficult to label tweets as either positive or negative, even by a human observer.</a:t>
+            </a:r>
+          </a:p>
+          <a:p>
+            <a:pPr marL="342900" indent="-342900">
+              <a:lnSpc>
+                <a:spcPct val="150000"/>
+              </a:lnSpc>
+              <a:buClr>
+                <a:srgbClr val="00B0F0"/>
+              </a:buClr>
+              <a:buSzPct val="80000"/>
+              <a:buFont typeface="System Font Regular"/>
+              <a:buChar char="■"/>
+            </a:pPr>
+            <a:r>
+              <a:rPr lang="en-US" sz="2400" dirty="0">
+                <a:latin typeface="Times New Roman" panose="02020603050405020304" pitchFamily="18" charset="0"/>
+                <a:cs typeface="Times New Roman" panose="02020603050405020304" pitchFamily="18" charset="0"/>
+              </a:rPr>
+              <a:t>For better modeling for business application, it is recommended to manually hand label about 2-3K more data. However, in the interest of time efficiency, we refrained from further hand labeling the data.</a:t>
+            </a:r>
+          </a:p>
+        </p:txBody>
+      </p:sp>
+    </p:spTree>
+    <p:extLst>
+      <p:ext uri="{BB962C8B-B14F-4D97-AF65-F5344CB8AC3E}">
+        <p14:creationId xmlns:p14="http://schemas.microsoft.com/office/powerpoint/2010/main" val="1257007451"/>
+      </p:ext>
+    </p:extLst>
+  </p:cSld>
+  <p:clrMapOvr>
+    <a:masterClrMapping/>
+  </p:clrMapOvr>
+</p:sld>
+</file>
+
+<file path=ppt/slides/slide11.xml><?xml version="1.0" encoding="utf-8"?>
+<p:sld xmlns:a="http://schemas.openxmlformats.org/drawingml/2006/main" xmlns:r="http://schemas.openxmlformats.org/officeDocument/2006/relationships" xmlns:p="http://schemas.openxmlformats.org/presentationml/2006/main">
+  <p:cSld>
+    <p:spTree>
+      <p:nvGrpSpPr>
+        <p:cNvPr id="1" name=""/>
+        <p:cNvGrpSpPr/>
+        <p:nvPr/>
+      </p:nvGrpSpPr>
+      <p:grpSpPr>
+        <a:xfrm>
+          <a:off x="0" y="0"/>
+          <a:ext cx="0" cy="0"/>
+          <a:chOff x="0" y="0"/>
+          <a:chExt cx="0" cy="0"/>
+        </a:xfrm>
+      </p:grpSpPr>
+      <p:sp>
+        <p:nvSpPr>
+          <p:cNvPr id="2" name="Title 1">
+            <a:extLst>
+              <a:ext uri="{FF2B5EF4-FFF2-40B4-BE49-F238E27FC236}">
+                <a16:creationId xmlns:a16="http://schemas.microsoft.com/office/drawing/2014/main" id="{D9A47469-9438-1945-94B4-6A4B029B720C}"/>
+              </a:ext>
+            </a:extLst>
+          </p:cNvPr>
+          <p:cNvSpPr>
+            <a:spLocks noGrp="1"/>
+          </p:cNvSpPr>
+          <p:nvPr>
+            <p:ph type="ctrTitle"/>
+          </p:nvPr>
+        </p:nvSpPr>
+        <p:spPr>
+          <a:xfrm>
+            <a:off x="609600" y="437546"/>
+            <a:ext cx="9144000" cy="661091"/>
+          </a:xfrm>
+        </p:spPr>
+        <p:txBody>
+          <a:bodyPr>
+            <a:normAutofit fontScale="90000"/>
+          </a:bodyPr>
+          <a:lstStyle/>
+          <a:p>
+            <a:pPr algn="l"/>
+            <a:r>
+              <a:rPr lang="en-US" sz="3600" dirty="0">
+                <a:solidFill>
+                  <a:srgbClr val="00B0F0"/>
+                </a:solidFill>
+                <a:latin typeface="Rockwell" panose="02060603020205020403" pitchFamily="18" charset="77"/>
+              </a:rPr>
+              <a:t>Weak Supervised Model with Pseudo Labeling</a:t>
+            </a:r>
+          </a:p>
+        </p:txBody>
+      </p:sp>
+      <p:cxnSp>
+        <p:nvCxnSpPr>
+          <p:cNvPr id="5" name="Straight Connector 4">
+            <a:extLst>
+              <a:ext uri="{FF2B5EF4-FFF2-40B4-BE49-F238E27FC236}">
+                <a16:creationId xmlns:a16="http://schemas.microsoft.com/office/drawing/2014/main" id="{9C26EC1A-5618-D846-A862-C14C2EF9DF82}"/>
+              </a:ext>
+            </a:extLst>
+          </p:cNvPr>
+          <p:cNvCxnSpPr>
+            <a:cxnSpLocks/>
+          </p:cNvCxnSpPr>
+          <p:nvPr/>
+        </p:nvCxnSpPr>
+        <p:spPr>
+          <a:xfrm>
+            <a:off x="609600" y="426720"/>
+            <a:ext cx="10972800" cy="0"/>
+          </a:xfrm>
+          <a:prstGeom prst="line">
+            <a:avLst/>
+          </a:prstGeom>
+          <a:ln w="38100"/>
+        </p:spPr>
+        <p:style>
+          <a:lnRef idx="3">
+            <a:schemeClr val="accent3"/>
+          </a:lnRef>
+          <a:fillRef idx="0">
+            <a:schemeClr val="accent3"/>
+          </a:fillRef>
+          <a:effectRef idx="2">
+            <a:schemeClr val="accent3"/>
+          </a:effectRef>
+          <a:fontRef idx="minor">
+            <a:schemeClr val="tx1"/>
+          </a:fontRef>
+        </p:style>
+      </p:cxnSp>
+      <p:sp>
+        <p:nvSpPr>
+          <p:cNvPr id="8" name="TextBox 7">
+            <a:extLst>
+              <a:ext uri="{FF2B5EF4-FFF2-40B4-BE49-F238E27FC236}">
+                <a16:creationId xmlns:a16="http://schemas.microsoft.com/office/drawing/2014/main" id="{21244BD2-DA35-574F-9E27-B16959EACE4F}"/>
+              </a:ext>
+            </a:extLst>
+          </p:cNvPr>
+          <p:cNvSpPr txBox="1"/>
+          <p:nvPr/>
+        </p:nvSpPr>
+        <p:spPr>
+          <a:xfrm>
+            <a:off x="548640" y="72905"/>
+            <a:ext cx="3416769" cy="307777"/>
+          </a:xfrm>
+          <a:prstGeom prst="rect">
+            <a:avLst/>
+          </a:prstGeom>
+          <a:noFill/>
+        </p:spPr>
+        <p:txBody>
+          <a:bodyPr wrap="none" rtlCol="0">
+            <a:spAutoFit/>
+          </a:bodyPr>
+          <a:lstStyle/>
+          <a:p>
+            <a:r>
+              <a:rPr lang="en-US" sz="1400" dirty="0">
+                <a:solidFill>
+                  <a:schemeClr val="accent1">
+                    <a:lumMod val="60000"/>
+                    <a:lumOff val="40000"/>
+                  </a:schemeClr>
+                </a:solidFill>
+                <a:latin typeface="Rockwell" panose="02060603020205020403" pitchFamily="18" charset="77"/>
+              </a:rPr>
+              <a:t>Springboard Capstone Two Presentation</a:t>
+            </a:r>
+          </a:p>
+        </p:txBody>
+      </p:sp>
+      <p:sp>
+        <p:nvSpPr>
+          <p:cNvPr id="11" name="Rectangle 10">
+            <a:extLst>
+              <a:ext uri="{FF2B5EF4-FFF2-40B4-BE49-F238E27FC236}">
+                <a16:creationId xmlns:a16="http://schemas.microsoft.com/office/drawing/2014/main" id="{07DC0434-BCDE-884C-840F-ECEBB701E763}"/>
+              </a:ext>
+            </a:extLst>
+          </p:cNvPr>
+          <p:cNvSpPr/>
+          <p:nvPr/>
+        </p:nvSpPr>
+        <p:spPr>
+          <a:xfrm>
+            <a:off x="548640" y="1405927"/>
+            <a:ext cx="11033760" cy="4457952"/>
+          </a:xfrm>
+          <a:prstGeom prst="rect">
+            <a:avLst/>
+          </a:prstGeom>
+        </p:spPr>
+        <p:txBody>
+          <a:bodyPr wrap="square">
+            <a:spAutoFit/>
+          </a:bodyPr>
+          <a:lstStyle/>
+          <a:p>
+            <a:pPr marL="342900" indent="-342900">
+              <a:lnSpc>
+                <a:spcPct val="150000"/>
+              </a:lnSpc>
+              <a:buClr>
+                <a:srgbClr val="00B0F0"/>
+              </a:buClr>
+              <a:buSzPct val="80000"/>
+              <a:buFont typeface="System Font Regular"/>
+              <a:buChar char="■"/>
+            </a:pPr>
+            <a:r>
+              <a:rPr lang="en-US" sz="2400" dirty="0">
+                <a:latin typeface="Times New Roman" panose="02020603050405020304" pitchFamily="18" charset="0"/>
+                <a:cs typeface="Times New Roman" panose="02020603050405020304" pitchFamily="18" charset="0"/>
+              </a:rPr>
+              <a:t>In order to quantify the performance of different approaches, I manually hand label about 1000 data. It is of note that only about 300 labels were either positive or negative.</a:t>
+            </a:r>
+          </a:p>
+          <a:p>
+            <a:pPr marL="342900" indent="-342900">
+              <a:lnSpc>
+                <a:spcPct val="150000"/>
+              </a:lnSpc>
+              <a:buClr>
+                <a:srgbClr val="00B0F0"/>
+              </a:buClr>
+              <a:buSzPct val="80000"/>
+              <a:buFont typeface="System Font Regular"/>
+              <a:buChar char="■"/>
+            </a:pPr>
+            <a:r>
+              <a:rPr lang="en-US" sz="2400" dirty="0">
+                <a:latin typeface="Times New Roman" panose="02020603050405020304" pitchFamily="18" charset="0"/>
+                <a:cs typeface="Times New Roman" panose="02020603050405020304" pitchFamily="18" charset="0"/>
+              </a:rPr>
+              <a:t>Due to the ambiguity and sarcasmic nature of tweets, it was very difficult to label tweets as either positive or negative, even by a human observer.</a:t>
+            </a:r>
+          </a:p>
+          <a:p>
+            <a:pPr marL="342900" indent="-342900">
+              <a:lnSpc>
+                <a:spcPct val="150000"/>
+              </a:lnSpc>
+              <a:buClr>
+                <a:srgbClr val="00B0F0"/>
+              </a:buClr>
+              <a:buSzPct val="80000"/>
+              <a:buFont typeface="System Font Regular"/>
+              <a:buChar char="■"/>
+            </a:pPr>
+            <a:r>
+              <a:rPr lang="en-US" sz="2400" dirty="0">
+                <a:latin typeface="Times New Roman" panose="02020603050405020304" pitchFamily="18" charset="0"/>
+                <a:cs typeface="Times New Roman" panose="02020603050405020304" pitchFamily="18" charset="0"/>
+              </a:rPr>
+              <a:t>For better modeling for business application, it is recommended to manually hand label about 2-3K more data. However, in the interest of time efficiency, we refrained from further hand labeling the data.</a:t>
+            </a:r>
+          </a:p>
+        </p:txBody>
+      </p:sp>
+    </p:spTree>
+    <p:extLst>
+      <p:ext uri="{BB962C8B-B14F-4D97-AF65-F5344CB8AC3E}">
+        <p14:creationId xmlns:p14="http://schemas.microsoft.com/office/powerpoint/2010/main" val="2555615929"/>
+      </p:ext>
+    </p:extLst>
+  </p:cSld>
+  <p:clrMapOvr>
+    <a:masterClrMapping/>
+  </p:clrMapOvr>
+</p:sld>
+</file>
+
+<file path=ppt/slides/slide12.xml><?xml version="1.0" encoding="utf-8"?>
+<p:sld xmlns:a="http://schemas.openxmlformats.org/drawingml/2006/main" xmlns:r="http://schemas.openxmlformats.org/officeDocument/2006/relationships" xmlns:p="http://schemas.openxmlformats.org/presentationml/2006/main">
+  <p:cSld>
+    <p:spTree>
+      <p:nvGrpSpPr>
+        <p:cNvPr id="1" name=""/>
+        <p:cNvGrpSpPr/>
+        <p:nvPr/>
+      </p:nvGrpSpPr>
+      <p:grpSpPr>
+        <a:xfrm>
+          <a:off x="0" y="0"/>
+          <a:ext cx="0" cy="0"/>
+          <a:chOff x="0" y="0"/>
+          <a:chExt cx="0" cy="0"/>
+        </a:xfrm>
+      </p:grpSpPr>
+      <p:sp>
+        <p:nvSpPr>
+          <p:cNvPr id="2" name="Title 1">
+            <a:extLst>
+              <a:ext uri="{FF2B5EF4-FFF2-40B4-BE49-F238E27FC236}">
+                <a16:creationId xmlns:a16="http://schemas.microsoft.com/office/drawing/2014/main" id="{D9A47469-9438-1945-94B4-6A4B029B720C}"/>
+              </a:ext>
+            </a:extLst>
+          </p:cNvPr>
+          <p:cNvSpPr>
+            <a:spLocks noGrp="1"/>
+          </p:cNvSpPr>
+          <p:nvPr>
+            <p:ph type="ctrTitle"/>
+          </p:nvPr>
+        </p:nvSpPr>
+        <p:spPr>
+          <a:xfrm>
+            <a:off x="609600" y="809033"/>
+            <a:ext cx="9144000" cy="661091"/>
+          </a:xfrm>
+        </p:spPr>
+        <p:txBody>
+          <a:bodyPr>
+            <a:normAutofit fontScale="90000"/>
+          </a:bodyPr>
+          <a:lstStyle/>
+          <a:p>
+            <a:pPr algn="l"/>
+            <a:r>
+              <a:rPr lang="en-US" sz="3600" dirty="0">
+                <a:solidFill>
+                  <a:srgbClr val="00B0F0"/>
+                </a:solidFill>
+                <a:latin typeface="Rockwell" panose="02060603020205020403" pitchFamily="18" charset="77"/>
+              </a:rPr>
+              <a:t>Synthetic Minority Oversampling Technique (SMOTE)</a:t>
+            </a:r>
+          </a:p>
+        </p:txBody>
+      </p:sp>
+      <p:cxnSp>
+        <p:nvCxnSpPr>
+          <p:cNvPr id="5" name="Straight Connector 4">
+            <a:extLst>
+              <a:ext uri="{FF2B5EF4-FFF2-40B4-BE49-F238E27FC236}">
+                <a16:creationId xmlns:a16="http://schemas.microsoft.com/office/drawing/2014/main" id="{9C26EC1A-5618-D846-A862-C14C2EF9DF82}"/>
+              </a:ext>
+            </a:extLst>
+          </p:cNvPr>
+          <p:cNvCxnSpPr>
+            <a:cxnSpLocks/>
+          </p:cNvCxnSpPr>
+          <p:nvPr/>
+        </p:nvCxnSpPr>
+        <p:spPr>
+          <a:xfrm>
+            <a:off x="609600" y="426720"/>
+            <a:ext cx="10972800" cy="0"/>
+          </a:xfrm>
+          <a:prstGeom prst="line">
+            <a:avLst/>
+          </a:prstGeom>
+          <a:ln w="38100"/>
+        </p:spPr>
+        <p:style>
+          <a:lnRef idx="3">
+            <a:schemeClr val="accent3"/>
+          </a:lnRef>
+          <a:fillRef idx="0">
+            <a:schemeClr val="accent3"/>
+          </a:fillRef>
+          <a:effectRef idx="2">
+            <a:schemeClr val="accent3"/>
+          </a:effectRef>
+          <a:fontRef idx="minor">
+            <a:schemeClr val="tx1"/>
+          </a:fontRef>
+        </p:style>
+      </p:cxnSp>
+      <p:sp>
+        <p:nvSpPr>
+          <p:cNvPr id="8" name="TextBox 7">
+            <a:extLst>
+              <a:ext uri="{FF2B5EF4-FFF2-40B4-BE49-F238E27FC236}">
+                <a16:creationId xmlns:a16="http://schemas.microsoft.com/office/drawing/2014/main" id="{21244BD2-DA35-574F-9E27-B16959EACE4F}"/>
+              </a:ext>
+            </a:extLst>
+          </p:cNvPr>
+          <p:cNvSpPr txBox="1"/>
+          <p:nvPr/>
+        </p:nvSpPr>
+        <p:spPr>
+          <a:xfrm>
+            <a:off x="548640" y="72905"/>
+            <a:ext cx="3416769" cy="307777"/>
+          </a:xfrm>
+          <a:prstGeom prst="rect">
+            <a:avLst/>
+          </a:prstGeom>
+          <a:noFill/>
+        </p:spPr>
+        <p:txBody>
+          <a:bodyPr wrap="none" rtlCol="0">
+            <a:spAutoFit/>
+          </a:bodyPr>
+          <a:lstStyle/>
+          <a:p>
+            <a:r>
+              <a:rPr lang="en-US" sz="1400" dirty="0">
+                <a:solidFill>
+                  <a:schemeClr val="accent1">
+                    <a:lumMod val="60000"/>
+                    <a:lumOff val="40000"/>
+                  </a:schemeClr>
+                </a:solidFill>
+                <a:latin typeface="Rockwell" panose="02060603020205020403" pitchFamily="18" charset="77"/>
+              </a:rPr>
+              <a:t>Springboard Capstone Two Presentation</a:t>
+            </a:r>
+          </a:p>
+        </p:txBody>
+      </p:sp>
+      <p:sp>
+        <p:nvSpPr>
+          <p:cNvPr id="11" name="Rectangle 10">
+            <a:extLst>
+              <a:ext uri="{FF2B5EF4-FFF2-40B4-BE49-F238E27FC236}">
+                <a16:creationId xmlns:a16="http://schemas.microsoft.com/office/drawing/2014/main" id="{07DC0434-BCDE-884C-840F-ECEBB701E763}"/>
+              </a:ext>
+            </a:extLst>
+          </p:cNvPr>
+          <p:cNvSpPr/>
+          <p:nvPr/>
+        </p:nvSpPr>
+        <p:spPr>
+          <a:xfrm>
             <a:off x="548640" y="1668574"/>
             <a:ext cx="11033760" cy="4457952"/>
           </a:xfrm>
@@ -4066,7 +4550,7 @@
 </p:sld>
 </file>
 
-<file path=ppt/slides/slide11.xml><?xml version="1.0" encoding="utf-8"?>
+<file path=ppt/slides/slide13.xml><?xml version="1.0" encoding="utf-8"?>
 <p:sld xmlns:a="http://schemas.openxmlformats.org/drawingml/2006/main" xmlns:r="http://schemas.openxmlformats.org/officeDocument/2006/relationships" xmlns:p="http://schemas.openxmlformats.org/presentationml/2006/main">
   <p:cSld>
     <p:spTree>
@@ -4699,7 +5183,7 @@
                 <a:latin typeface="Times New Roman" panose="02020603050405020304" pitchFamily="18" charset="0"/>
                 <a:cs typeface="Times New Roman" panose="02020603050405020304" pitchFamily="18" charset="0"/>
               </a:rPr>
-              <a:t>Collect Twitter data</a:t>
+              <a:t>Collect Twitter Data</a:t>
             </a:r>
           </a:p>
           <a:p>
@@ -4719,7 +5203,7 @@
                 <a:latin typeface="Times New Roman" panose="02020603050405020304" pitchFamily="18" charset="0"/>
                 <a:cs typeface="Times New Roman" panose="02020603050405020304" pitchFamily="18" charset="0"/>
               </a:rPr>
-              <a:t>Manually hand label some data</a:t>
+              <a:t>Data Cleaning and Visualization</a:t>
             </a:r>
           </a:p>
           <a:p>
@@ -4739,7 +5223,7 @@
                 <a:latin typeface="Times New Roman" panose="02020603050405020304" pitchFamily="18" charset="0"/>
                 <a:cs typeface="Times New Roman" panose="02020603050405020304" pitchFamily="18" charset="0"/>
               </a:rPr>
-              <a:t>Analyze the feasibility of pretrained sentiment analyzer </a:t>
+              <a:t>Manually Hand Label Data</a:t>
             </a:r>
           </a:p>
           <a:p>
@@ -4759,7 +5243,7 @@
                 <a:latin typeface="Times New Roman" panose="02020603050405020304" pitchFamily="18" charset="0"/>
                 <a:cs typeface="Times New Roman" panose="02020603050405020304" pitchFamily="18" charset="0"/>
               </a:rPr>
-              <a:t>Unsupervised learning algorithm</a:t>
+              <a:t>Analyze the Feasibility of Pretrained Sentiment Analyzer </a:t>
             </a:r>
           </a:p>
           <a:p>
@@ -4779,7 +5263,7 @@
                 <a:latin typeface="Times New Roman" panose="02020603050405020304" pitchFamily="18" charset="0"/>
                 <a:cs typeface="Times New Roman" panose="02020603050405020304" pitchFamily="18" charset="0"/>
               </a:rPr>
-              <a:t>Supervised learning algorithm</a:t>
+              <a:t>Unsupervised Learning Algorithm</a:t>
             </a:r>
           </a:p>
           <a:p>
@@ -4799,7 +5283,7 @@
                 <a:latin typeface="Times New Roman" panose="02020603050405020304" pitchFamily="18" charset="0"/>
                 <a:cs typeface="Times New Roman" panose="02020603050405020304" pitchFamily="18" charset="0"/>
               </a:rPr>
-              <a:t>Weak supervision model with pseudo labeling</a:t>
+              <a:t>Supervised Learning Algorithm</a:t>
             </a:r>
           </a:p>
           <a:p>
@@ -4819,11 +5303,14 @@
                 <a:latin typeface="Times New Roman" panose="02020603050405020304" pitchFamily="18" charset="0"/>
                 <a:cs typeface="Times New Roman" panose="02020603050405020304" pitchFamily="18" charset="0"/>
               </a:rPr>
-              <a:t>Synthetic minority oversampling technique (SMOTE) to tackle class imbalance </a:t>
+              <a:t>Weak Supervision Model with Pseudo Labeling</a:t>
             </a:r>
           </a:p>
           <a:p>
             <a:pPr marL="342900" indent="-342900" algn="l">
+              <a:lnSpc>
+                <a:spcPct val="150000"/>
+              </a:lnSpc>
               <a:buClr>
                 <a:srgbClr val="00B0F0"/>
               </a:buClr>
@@ -4831,10 +5318,13 @@
               <a:buFont typeface="System Font Regular"/>
               <a:buChar char="■"/>
             </a:pPr>
-            <a:endParaRPr lang="en-US" dirty="0">
-              <a:latin typeface="Times New Roman" panose="02020603050405020304" pitchFamily="18" charset="0"/>
-              <a:cs typeface="Times New Roman" panose="02020603050405020304" pitchFamily="18" charset="0"/>
-            </a:endParaRPr>
+            <a:r>
+              <a:rPr lang="en-US" dirty="0">
+                <a:latin typeface="Times New Roman" panose="02020603050405020304" pitchFamily="18" charset="0"/>
+                <a:cs typeface="Times New Roman" panose="02020603050405020304" pitchFamily="18" charset="0"/>
+              </a:rPr>
+              <a:t>Synthetic Minority Oversampling Technique (SMOTE)</a:t>
+            </a:r>
           </a:p>
           <a:p>
             <a:pPr algn="l">
@@ -5291,7 +5781,7 @@
                 </a:solidFill>
                 <a:latin typeface="Rockwell" panose="02060603020205020403" pitchFamily="18" charset="77"/>
               </a:rPr>
-              <a:t>Manually Hand label data and Problem</a:t>
+              <a:t>Data Cleaning and Visualization</a:t>
             </a:r>
           </a:p>
         </p:txBody>
@@ -5393,7 +5883,7 @@
         <p:spPr>
           <a:xfrm>
             <a:off x="548640" y="1405927"/>
-            <a:ext cx="11033760" cy="4457952"/>
+            <a:ext cx="5764611" cy="3046988"/>
           </a:xfrm>
           <a:prstGeom prst="rect">
             <a:avLst/>
@@ -5405,71 +5895,107 @@
           </a:bodyPr>
           <a:lstStyle/>
           <a:p>
-            <a:pPr marL="342900" indent="-342900">
+            <a:pPr marL="285750" indent="-285750">
               <a:lnSpc>
                 <a:spcPct val="150000"/>
               </a:lnSpc>
-              <a:buClr>
-                <a:srgbClr val="00B0F0"/>
-              </a:buClr>
-              <a:buSzPct val="80000"/>
-              <a:buFont typeface="System Font Regular"/>
-              <a:buChar char="■"/>
+              <a:buFont typeface="Wingdings" pitchFamily="2" charset="2"/>
+              <a:buChar char="§"/>
             </a:pPr>
             <a:r>
               <a:rPr lang="en-US" sz="2400" dirty="0">
+                <a:solidFill>
+                  <a:schemeClr val="accent5">
+                    <a:lumMod val="60000"/>
+                    <a:lumOff val="40000"/>
+                  </a:schemeClr>
+                </a:solidFill>
                 <a:latin typeface="Times New Roman" panose="02020603050405020304" pitchFamily="18" charset="0"/>
                 <a:cs typeface="Times New Roman" panose="02020603050405020304" pitchFamily="18" charset="0"/>
               </a:rPr>
-              <a:t>In order to quantify the performance of different approaches, I manually hand label about 1000 data. It is of note that only about 300 labels were either positive or negative.</a:t>
-            </a:r>
-          </a:p>
-          <a:p>
-            <a:pPr marL="342900" indent="-342900">
+              <a:t>Hashtags (#), URL, emoji, mentions, and numbers were removed using tweet preprocessing python package.</a:t>
+            </a:r>
+          </a:p>
+          <a:p>
+            <a:pPr marL="285750" indent="-285750">
               <a:lnSpc>
                 <a:spcPct val="150000"/>
               </a:lnSpc>
-              <a:buClr>
-                <a:srgbClr val="00B0F0"/>
-              </a:buClr>
-              <a:buSzPct val="80000"/>
-              <a:buFont typeface="System Font Regular"/>
-              <a:buChar char="■"/>
+              <a:buFont typeface="Wingdings" pitchFamily="2" charset="2"/>
+              <a:buChar char="§"/>
             </a:pPr>
             <a:r>
               <a:rPr lang="en-US" sz="2400" dirty="0">
+                <a:solidFill>
+                  <a:schemeClr val="accent5">
+                    <a:lumMod val="60000"/>
+                    <a:lumOff val="40000"/>
+                  </a:schemeClr>
+                </a:solidFill>
                 <a:latin typeface="Times New Roman" panose="02020603050405020304" pitchFamily="18" charset="0"/>
                 <a:cs typeface="Times New Roman" panose="02020603050405020304" pitchFamily="18" charset="0"/>
               </a:rPr>
-              <a:t>Due to the ambiguity and sarcasmic nature of tweets, it was very difficult to label tweets as either positive or negative, even by a human observer.</a:t>
-            </a:r>
-          </a:p>
-          <a:p>
-            <a:pPr marL="342900" indent="-342900">
+              <a:t>All the texts were converted to lowercase and any special characters were removed. </a:t>
+            </a:r>
+          </a:p>
+          <a:p>
+            <a:pPr marL="285750" indent="-285750">
               <a:lnSpc>
                 <a:spcPct val="150000"/>
               </a:lnSpc>
-              <a:buClr>
-                <a:srgbClr val="00B0F0"/>
-              </a:buClr>
-              <a:buSzPct val="80000"/>
-              <a:buFont typeface="System Font Regular"/>
-              <a:buChar char="■"/>
+              <a:buFont typeface="Wingdings" pitchFamily="2" charset="2"/>
+              <a:buChar char="§"/>
             </a:pPr>
             <a:r>
               <a:rPr lang="en-US" sz="2400" dirty="0">
+                <a:solidFill>
+                  <a:schemeClr val="accent5">
+                    <a:lumMod val="60000"/>
+                    <a:lumOff val="40000"/>
+                  </a:schemeClr>
+                </a:solidFill>
                 <a:latin typeface="Times New Roman" panose="02020603050405020304" pitchFamily="18" charset="0"/>
                 <a:cs typeface="Times New Roman" panose="02020603050405020304" pitchFamily="18" charset="0"/>
               </a:rPr>
-              <a:t>For better modeling for business application, it is recommended to manually hand label about 2-3K more data. However, in the interest of time efficiency, we refrained from further hand labeling the data.</a:t>
-            </a:r>
-          </a:p>
-        </p:txBody>
-      </p:sp>
+              <a:t>WordNetLemmatizer and TweetTokenizer from nltk package were used to lemmatize and tokenize the sentences. </a:t>
+            </a:r>
+          </a:p>
+        </p:txBody>
+      </p:sp>
+      <p:pic>
+        <p:nvPicPr>
+          <p:cNvPr id="4" name="Picture 3">
+            <a:extLst>
+              <a:ext uri="{FF2B5EF4-FFF2-40B4-BE49-F238E27FC236}">
+                <a16:creationId xmlns:a16="http://schemas.microsoft.com/office/drawing/2014/main" id="{427A09E5-FA6E-5441-8A9D-8278598FAF53}"/>
+              </a:ext>
+            </a:extLst>
+          </p:cNvPr>
+          <p:cNvPicPr>
+            <a:picLocks noChangeAspect="1"/>
+          </p:cNvPicPr>
+          <p:nvPr/>
+        </p:nvPicPr>
+        <p:blipFill>
+          <a:blip r:embed="rId2"/>
+          <a:stretch>
+            <a:fillRect/>
+          </a:stretch>
+        </p:blipFill>
+        <p:spPr>
+          <a:xfrm>
+            <a:off x="6468083" y="1405927"/>
+            <a:ext cx="5263474" cy="3508983"/>
+          </a:xfrm>
+          <a:prstGeom prst="rect">
+            <a:avLst/>
+          </a:prstGeom>
+        </p:spPr>
+      </p:pic>
     </p:spTree>
     <p:extLst>
       <p:ext uri="{BB962C8B-B14F-4D97-AF65-F5344CB8AC3E}">
-        <p14:creationId xmlns:p14="http://schemas.microsoft.com/office/powerpoint/2010/main" val="129212700"/>
+        <p14:creationId xmlns:p14="http://schemas.microsoft.com/office/powerpoint/2010/main" val="1896394330"/>
       </p:ext>
     </p:extLst>
   </p:cSld>
@@ -5514,13 +6040,13 @@
         </p:nvSpPr>
         <p:spPr>
           <a:xfrm>
-            <a:off x="609600" y="885018"/>
+            <a:off x="609600" y="437546"/>
             <a:ext cx="9144000" cy="661091"/>
           </a:xfrm>
         </p:spPr>
         <p:txBody>
           <a:bodyPr>
-            <a:normAutofit fontScale="90000"/>
+            <a:normAutofit/>
           </a:bodyPr>
           <a:lstStyle/>
           <a:p>
@@ -5532,7 +6058,7 @@
                 </a:solidFill>
                 <a:latin typeface="Rockwell" panose="02060603020205020403" pitchFamily="18" charset="77"/>
               </a:rPr>
-              <a:t>Analyze the Feasibility of Pretrained Sentiment Analyzer</a:t>
+              <a:t>Data Cleaning and Visualization</a:t>
             </a:r>
           </a:p>
         </p:txBody>
@@ -5633,8 +6159,8 @@
         </p:nvSpPr>
         <p:spPr>
           <a:xfrm>
-            <a:off x="548640" y="1746395"/>
-            <a:ext cx="11033760" cy="4457952"/>
+            <a:off x="395590" y="1423720"/>
+            <a:ext cx="5363183" cy="579967"/>
           </a:xfrm>
           <a:prstGeom prst="rect">
             <a:avLst/>
@@ -5646,71 +6172,139 @@
           </a:bodyPr>
           <a:lstStyle/>
           <a:p>
-            <a:pPr marL="342900" indent="-342900">
+            <a:pPr algn="ctr">
               <a:lnSpc>
                 <a:spcPct val="150000"/>
               </a:lnSpc>
-              <a:buClr>
-                <a:srgbClr val="00B0F0"/>
-              </a:buClr>
-              <a:buSzPct val="80000"/>
-              <a:buFont typeface="System Font Regular"/>
-              <a:buChar char="■"/>
             </a:pPr>
             <a:r>
               <a:rPr lang="en-US" sz="2400" dirty="0">
+                <a:solidFill>
+                  <a:schemeClr val="accent5">
+                    <a:lumMod val="60000"/>
+                    <a:lumOff val="40000"/>
+                  </a:schemeClr>
+                </a:solidFill>
                 <a:latin typeface="Times New Roman" panose="02020603050405020304" pitchFamily="18" charset="0"/>
                 <a:cs typeface="Times New Roman" panose="02020603050405020304" pitchFamily="18" charset="0"/>
               </a:rPr>
-              <a:t>In order to quantify the performance of different approaches, I manually hand label about 1000 data. It is of note that only about 300 labels were either positive or negative.</a:t>
-            </a:r>
-          </a:p>
-          <a:p>
-            <a:pPr marL="342900" indent="-342900">
+              <a:t>Word Frequency</a:t>
+            </a:r>
+          </a:p>
+        </p:txBody>
+      </p:sp>
+      <p:pic>
+        <p:nvPicPr>
+          <p:cNvPr id="9" name="Picture 8">
+            <a:extLst>
+              <a:ext uri="{FF2B5EF4-FFF2-40B4-BE49-F238E27FC236}">
+                <a16:creationId xmlns:a16="http://schemas.microsoft.com/office/drawing/2014/main" id="{63A90657-24ED-6B48-B7E0-F1445167AD18}"/>
+              </a:ext>
+            </a:extLst>
+          </p:cNvPr>
+          <p:cNvPicPr>
+            <a:picLocks noChangeAspect="1"/>
+          </p:cNvPicPr>
+          <p:nvPr/>
+        </p:nvPicPr>
+        <p:blipFill>
+          <a:blip r:embed="rId2"/>
+          <a:stretch>
+            <a:fillRect/>
+          </a:stretch>
+        </p:blipFill>
+        <p:spPr>
+          <a:xfrm>
+            <a:off x="395590" y="2217906"/>
+            <a:ext cx="5363183" cy="4469320"/>
+          </a:xfrm>
+          <a:prstGeom prst="rect">
+            <a:avLst/>
+          </a:prstGeom>
+        </p:spPr>
+      </p:pic>
+      <p:sp>
+        <p:nvSpPr>
+          <p:cNvPr id="12" name="Rectangle 11">
+            <a:extLst>
+              <a:ext uri="{FF2B5EF4-FFF2-40B4-BE49-F238E27FC236}">
+                <a16:creationId xmlns:a16="http://schemas.microsoft.com/office/drawing/2014/main" id="{D402290C-E75D-2347-AA7E-6B11783F853C}"/>
+              </a:ext>
+            </a:extLst>
+          </p:cNvPr>
+          <p:cNvSpPr/>
+          <p:nvPr/>
+        </p:nvSpPr>
+        <p:spPr>
+          <a:xfrm>
+            <a:off x="5869020" y="1423719"/>
+            <a:ext cx="5363183" cy="579967"/>
+          </a:xfrm>
+          <a:prstGeom prst="rect">
+            <a:avLst/>
+          </a:prstGeom>
+        </p:spPr>
+        <p:txBody>
+          <a:bodyPr wrap="square">
+            <a:spAutoFit/>
+          </a:bodyPr>
+          <a:lstStyle/>
+          <a:p>
+            <a:pPr algn="ctr">
               <a:lnSpc>
                 <a:spcPct val="150000"/>
               </a:lnSpc>
-              <a:buClr>
-                <a:srgbClr val="00B0F0"/>
-              </a:buClr>
-              <a:buSzPct val="80000"/>
-              <a:buFont typeface="System Font Regular"/>
-              <a:buChar char="■"/>
             </a:pPr>
             <a:r>
               <a:rPr lang="en-US" sz="2400" dirty="0">
+                <a:solidFill>
+                  <a:schemeClr val="accent5">
+                    <a:lumMod val="60000"/>
+                    <a:lumOff val="40000"/>
+                  </a:schemeClr>
+                </a:solidFill>
                 <a:latin typeface="Times New Roman" panose="02020603050405020304" pitchFamily="18" charset="0"/>
                 <a:cs typeface="Times New Roman" panose="02020603050405020304" pitchFamily="18" charset="0"/>
               </a:rPr>
-              <a:t>Due to the ambiguity and sarcasmic nature of tweets, it was very difficult to label tweets as either positive or negative, even by a human observer.</a:t>
-            </a:r>
-          </a:p>
-          <a:p>
-            <a:pPr marL="342900" indent="-342900">
-              <a:lnSpc>
-                <a:spcPct val="150000"/>
-              </a:lnSpc>
-              <a:buClr>
-                <a:srgbClr val="00B0F0"/>
-              </a:buClr>
-              <a:buSzPct val="80000"/>
-              <a:buFont typeface="System Font Regular"/>
-              <a:buChar char="■"/>
-            </a:pPr>
-            <a:r>
-              <a:rPr lang="en-US" sz="2400" dirty="0">
-                <a:latin typeface="Times New Roman" panose="02020603050405020304" pitchFamily="18" charset="0"/>
-                <a:cs typeface="Times New Roman" panose="02020603050405020304" pitchFamily="18" charset="0"/>
-              </a:rPr>
-              <a:t>For better modeling for business application, it is recommended to manually hand label about 2-3K more data. However, in the interest of time efficiency, we refrained from further hand labeling the data.</a:t>
-            </a:r>
-          </a:p>
-        </p:txBody>
-      </p:sp>
+              <a:t>Bigram Frequency</a:t>
+            </a:r>
+          </a:p>
+        </p:txBody>
+      </p:sp>
+      <p:pic>
+        <p:nvPicPr>
+          <p:cNvPr id="13" name="Picture 12">
+            <a:extLst>
+              <a:ext uri="{FF2B5EF4-FFF2-40B4-BE49-F238E27FC236}">
+                <a16:creationId xmlns:a16="http://schemas.microsoft.com/office/drawing/2014/main" id="{D411EF4A-DDB8-9847-811A-F91923C85AC2}"/>
+              </a:ext>
+            </a:extLst>
+          </p:cNvPr>
+          <p:cNvPicPr>
+            <a:picLocks noChangeAspect="1"/>
+          </p:cNvPicPr>
+          <p:nvPr/>
+        </p:nvPicPr>
+        <p:blipFill>
+          <a:blip r:embed="rId3"/>
+          <a:stretch>
+            <a:fillRect/>
+          </a:stretch>
+        </p:blipFill>
+        <p:spPr>
+          <a:xfrm>
+            <a:off x="5984402" y="2217906"/>
+            <a:ext cx="5812008" cy="4469317"/>
+          </a:xfrm>
+          <a:prstGeom prst="rect">
+            <a:avLst/>
+          </a:prstGeom>
+        </p:spPr>
+      </p:pic>
     </p:spTree>
     <p:extLst>
       <p:ext uri="{BB962C8B-B14F-4D97-AF65-F5344CB8AC3E}">
-        <p14:creationId xmlns:p14="http://schemas.microsoft.com/office/powerpoint/2010/main" val="1174499118"/>
+        <p14:creationId xmlns:p14="http://schemas.microsoft.com/office/powerpoint/2010/main" val="257543877"/>
       </p:ext>
     </p:extLst>
   </p:cSld>
@@ -5773,7 +6367,7 @@
                 </a:solidFill>
                 <a:latin typeface="Rockwell" panose="02060603020205020403" pitchFamily="18" charset="77"/>
               </a:rPr>
-              <a:t>Unsupervised Learning Algorithm</a:t>
+              <a:t>Manually Hand Label Data</a:t>
             </a:r>
           </a:p>
         </p:txBody>
@@ -5951,7 +6545,7 @@
     </p:spTree>
     <p:extLst>
       <p:ext uri="{BB962C8B-B14F-4D97-AF65-F5344CB8AC3E}">
-        <p14:creationId xmlns:p14="http://schemas.microsoft.com/office/powerpoint/2010/main" val="1522485720"/>
+        <p14:creationId xmlns:p14="http://schemas.microsoft.com/office/powerpoint/2010/main" val="129212700"/>
       </p:ext>
     </p:extLst>
   </p:cSld>
@@ -5996,13 +6590,13 @@
         </p:nvSpPr>
         <p:spPr>
           <a:xfrm>
-            <a:off x="609600" y="437546"/>
+            <a:off x="609600" y="885018"/>
             <a:ext cx="9144000" cy="661091"/>
           </a:xfrm>
         </p:spPr>
         <p:txBody>
           <a:bodyPr>
-            <a:normAutofit/>
+            <a:normAutofit fontScale="90000"/>
           </a:bodyPr>
           <a:lstStyle/>
           <a:p>
@@ -6014,7 +6608,7 @@
                 </a:solidFill>
                 <a:latin typeface="Rockwell" panose="02060603020205020403" pitchFamily="18" charset="77"/>
               </a:rPr>
-              <a:t>Supervised Learning Algorithm</a:t>
+              <a:t>Analyze the Feasibility of Pretrained Sentiment Analyzer</a:t>
             </a:r>
           </a:p>
         </p:txBody>
@@ -6101,90 +6695,538 @@
           </a:p>
         </p:txBody>
       </p:sp>
-      <p:sp>
-        <p:nvSpPr>
-          <p:cNvPr id="11" name="Rectangle 10">
-            <a:extLst>
-              <a:ext uri="{FF2B5EF4-FFF2-40B4-BE49-F238E27FC236}">
-                <a16:creationId xmlns:a16="http://schemas.microsoft.com/office/drawing/2014/main" id="{07DC0434-BCDE-884C-840F-ECEBB701E763}"/>
-              </a:ext>
-            </a:extLst>
-          </p:cNvPr>
-          <p:cNvSpPr/>
+      <p:pic>
+        <p:nvPicPr>
+          <p:cNvPr id="4" name="Picture 3">
+            <a:extLst>
+              <a:ext uri="{FF2B5EF4-FFF2-40B4-BE49-F238E27FC236}">
+                <a16:creationId xmlns:a16="http://schemas.microsoft.com/office/drawing/2014/main" id="{A22E65D3-E260-044F-BA24-C39BC846B684}"/>
+              </a:ext>
+            </a:extLst>
+          </p:cNvPr>
+          <p:cNvPicPr>
+            <a:picLocks noChangeAspect="1"/>
+          </p:cNvPicPr>
           <p:nvPr/>
-        </p:nvSpPr>
-        <p:spPr>
-          <a:xfrm>
-            <a:off x="548640" y="1405927"/>
-            <a:ext cx="11033760" cy="4457952"/>
+        </p:nvPicPr>
+        <p:blipFill>
+          <a:blip r:embed="rId2"/>
+          <a:stretch>
+            <a:fillRect/>
+          </a:stretch>
+        </p:blipFill>
+        <p:spPr>
+          <a:xfrm>
+            <a:off x="868194" y="4010900"/>
+            <a:ext cx="3657600" cy="1553322"/>
           </a:xfrm>
           <a:prstGeom prst="rect">
             <a:avLst/>
           </a:prstGeom>
         </p:spPr>
+      </p:pic>
+      <p:pic>
+        <p:nvPicPr>
+          <p:cNvPr id="7" name="Picture 6">
+            <a:extLst>
+              <a:ext uri="{FF2B5EF4-FFF2-40B4-BE49-F238E27FC236}">
+                <a16:creationId xmlns:a16="http://schemas.microsoft.com/office/drawing/2014/main" id="{6D43CE36-2288-F245-B290-DD29A810BC8D}"/>
+              </a:ext>
+            </a:extLst>
+          </p:cNvPr>
+          <p:cNvPicPr>
+            <a:picLocks noChangeAspect="1"/>
+          </p:cNvPicPr>
+          <p:nvPr/>
+        </p:nvPicPr>
+        <p:blipFill>
+          <a:blip r:embed="rId3"/>
+          <a:stretch>
+            <a:fillRect/>
+          </a:stretch>
+        </p:blipFill>
+        <p:spPr>
+          <a:xfrm>
+            <a:off x="868194" y="1514131"/>
+            <a:ext cx="3657600" cy="2438400"/>
+          </a:xfrm>
+          <a:prstGeom prst="rect">
+            <a:avLst/>
+          </a:prstGeom>
+        </p:spPr>
+      </p:pic>
+      <p:sp>
+        <p:nvSpPr>
+          <p:cNvPr id="10" name="Rectangle 9">
+            <a:extLst>
+              <a:ext uri="{FF2B5EF4-FFF2-40B4-BE49-F238E27FC236}">
+                <a16:creationId xmlns:a16="http://schemas.microsoft.com/office/drawing/2014/main" id="{BF265573-186C-D445-A3D5-EA1411739AB4}"/>
+              </a:ext>
+            </a:extLst>
+          </p:cNvPr>
+          <p:cNvSpPr/>
+          <p:nvPr/>
+        </p:nvSpPr>
+        <p:spPr>
+          <a:xfrm>
+            <a:off x="868194" y="6128436"/>
+            <a:ext cx="3657600" cy="661207"/>
+          </a:xfrm>
+          <a:prstGeom prst="rect">
+            <a:avLst/>
+          </a:prstGeom>
+          <a:solidFill>
+            <a:schemeClr val="bg1">
+              <a:lumMod val="50000"/>
+              <a:lumOff val="50000"/>
+            </a:schemeClr>
+          </a:solidFill>
+          <a:ln>
+            <a:solidFill>
+              <a:srgbClr val="941651"/>
+            </a:solidFill>
+          </a:ln>
+        </p:spPr>
         <p:txBody>
           <a:bodyPr wrap="square">
             <a:spAutoFit/>
           </a:bodyPr>
           <a:lstStyle/>
           <a:p>
-            <a:pPr marL="342900" indent="-342900">
+            <a:pPr algn="ctr">
               <a:lnSpc>
                 <a:spcPct val="150000"/>
               </a:lnSpc>
-              <a:buClr>
-                <a:srgbClr val="00B0F0"/>
-              </a:buClr>
-              <a:buSzPct val="80000"/>
-              <a:buFont typeface="System Font Regular"/>
-              <a:buChar char="■"/>
             </a:pPr>
             <a:r>
-              <a:rPr lang="en-US" sz="2400" dirty="0">
+              <a:rPr lang="en-US" sz="2800" dirty="0">
+                <a:solidFill>
+                  <a:srgbClr val="002060"/>
+                </a:solidFill>
                 <a:latin typeface="Times New Roman" panose="02020603050405020304" pitchFamily="18" charset="0"/>
                 <a:cs typeface="Times New Roman" panose="02020603050405020304" pitchFamily="18" charset="0"/>
               </a:rPr>
-              <a:t>In order to quantify the performance of different approaches, I manually hand label about 1000 data. It is of note that only about 300 labels were either positive or negative.</a:t>
-            </a:r>
-          </a:p>
-          <a:p>
-            <a:pPr marL="342900" indent="-342900">
+              <a:t>Textblob</a:t>
+            </a:r>
+          </a:p>
+        </p:txBody>
+      </p:sp>
+      <p:pic>
+        <p:nvPicPr>
+          <p:cNvPr id="12" name="Picture 11">
+            <a:extLst>
+              <a:ext uri="{FF2B5EF4-FFF2-40B4-BE49-F238E27FC236}">
+                <a16:creationId xmlns:a16="http://schemas.microsoft.com/office/drawing/2014/main" id="{738B2749-F91C-B04F-BEAC-0547E83A95B7}"/>
+              </a:ext>
+            </a:extLst>
+          </p:cNvPr>
+          <p:cNvPicPr>
+            <a:picLocks noChangeAspect="1"/>
+          </p:cNvPicPr>
+          <p:nvPr/>
+        </p:nvPicPr>
+        <p:blipFill>
+          <a:blip r:embed="rId4"/>
+          <a:stretch>
+            <a:fillRect/>
+          </a:stretch>
+        </p:blipFill>
+        <p:spPr>
+          <a:xfrm>
+            <a:off x="4664547" y="4020627"/>
+            <a:ext cx="3657600" cy="1543595"/>
+          </a:xfrm>
+          <a:prstGeom prst="rect">
+            <a:avLst/>
+          </a:prstGeom>
+        </p:spPr>
+      </p:pic>
+      <p:sp>
+        <p:nvSpPr>
+          <p:cNvPr id="13" name="Rectangle 12">
+            <a:extLst>
+              <a:ext uri="{FF2B5EF4-FFF2-40B4-BE49-F238E27FC236}">
+                <a16:creationId xmlns:a16="http://schemas.microsoft.com/office/drawing/2014/main" id="{2B7B95F8-E797-E44B-9DBD-5DB12863E93F}"/>
+              </a:ext>
+            </a:extLst>
+          </p:cNvPr>
+          <p:cNvSpPr/>
+          <p:nvPr/>
+        </p:nvSpPr>
+        <p:spPr>
+          <a:xfrm>
+            <a:off x="4664547" y="6133414"/>
+            <a:ext cx="3657600" cy="661207"/>
+          </a:xfrm>
+          <a:prstGeom prst="rect">
+            <a:avLst/>
+          </a:prstGeom>
+          <a:solidFill>
+            <a:schemeClr val="bg1">
+              <a:lumMod val="50000"/>
+              <a:lumOff val="50000"/>
+            </a:schemeClr>
+          </a:solidFill>
+          <a:ln>
+            <a:solidFill>
+              <a:srgbClr val="941651"/>
+            </a:solidFill>
+          </a:ln>
+        </p:spPr>
+        <p:txBody>
+          <a:bodyPr wrap="square">
+            <a:spAutoFit/>
+          </a:bodyPr>
+          <a:lstStyle/>
+          <a:p>
+            <a:pPr algn="ctr">
               <a:lnSpc>
                 <a:spcPct val="150000"/>
               </a:lnSpc>
-              <a:buClr>
-                <a:srgbClr val="00B0F0"/>
-              </a:buClr>
-              <a:buSzPct val="80000"/>
-              <a:buFont typeface="System Font Regular"/>
-              <a:buChar char="■"/>
             </a:pPr>
             <a:r>
-              <a:rPr lang="en-US" sz="2400" dirty="0">
+              <a:rPr lang="en-US" sz="2800" dirty="0">
+                <a:solidFill>
+                  <a:srgbClr val="002060"/>
+                </a:solidFill>
                 <a:latin typeface="Times New Roman" panose="02020603050405020304" pitchFamily="18" charset="0"/>
                 <a:cs typeface="Times New Roman" panose="02020603050405020304" pitchFamily="18" charset="0"/>
               </a:rPr>
-              <a:t>Due to the ambiguity and sarcasmic nature of tweets, it was very difficult to label tweets as either positive or negative, even by a human observer.</a:t>
-            </a:r>
-          </a:p>
-          <a:p>
-            <a:pPr marL="342900" indent="-342900">
+              <a:t>Vader</a:t>
+            </a:r>
+            <a:endParaRPr lang="en-US" sz="2400" dirty="0">
+              <a:solidFill>
+                <a:srgbClr val="002060"/>
+              </a:solidFill>
+              <a:latin typeface="Times New Roman" panose="02020603050405020304" pitchFamily="18" charset="0"/>
+              <a:cs typeface="Times New Roman" panose="02020603050405020304" pitchFamily="18" charset="0"/>
+            </a:endParaRPr>
+          </a:p>
+        </p:txBody>
+      </p:sp>
+      <p:sp>
+        <p:nvSpPr>
+          <p:cNvPr id="14" name="Rectangle 13">
+            <a:extLst>
+              <a:ext uri="{FF2B5EF4-FFF2-40B4-BE49-F238E27FC236}">
+                <a16:creationId xmlns:a16="http://schemas.microsoft.com/office/drawing/2014/main" id="{4C9B3AA8-16C9-254D-97B4-98FA9EA965FB}"/>
+              </a:ext>
+            </a:extLst>
+          </p:cNvPr>
+          <p:cNvSpPr/>
+          <p:nvPr/>
+        </p:nvSpPr>
+        <p:spPr>
+          <a:xfrm>
+            <a:off x="8445366" y="6118904"/>
+            <a:ext cx="3657600" cy="661207"/>
+          </a:xfrm>
+          <a:prstGeom prst="rect">
+            <a:avLst/>
+          </a:prstGeom>
+          <a:solidFill>
+            <a:schemeClr val="bg1">
+              <a:lumMod val="50000"/>
+              <a:lumOff val="50000"/>
+            </a:schemeClr>
+          </a:solidFill>
+          <a:ln>
+            <a:solidFill>
+              <a:srgbClr val="941651"/>
+            </a:solidFill>
+          </a:ln>
+        </p:spPr>
+        <p:txBody>
+          <a:bodyPr wrap="square">
+            <a:spAutoFit/>
+          </a:bodyPr>
+          <a:lstStyle/>
+          <a:p>
+            <a:pPr algn="ctr">
               <a:lnSpc>
                 <a:spcPct val="150000"/>
               </a:lnSpc>
-              <a:buClr>
-                <a:srgbClr val="00B0F0"/>
-              </a:buClr>
-              <a:buSzPct val="80000"/>
-              <a:buFont typeface="System Font Regular"/>
-              <a:buChar char="■"/>
             </a:pPr>
             <a:r>
-              <a:rPr lang="en-US" sz="2400" dirty="0">
+              <a:rPr lang="en-US" sz="2800" dirty="0">
+                <a:solidFill>
+                  <a:srgbClr val="002060"/>
+                </a:solidFill>
                 <a:latin typeface="Times New Roman" panose="02020603050405020304" pitchFamily="18" charset="0"/>
                 <a:cs typeface="Times New Roman" panose="02020603050405020304" pitchFamily="18" charset="0"/>
               </a:rPr>
-              <a:t>For better modeling for business application, it is recommended to manually hand label about 2-3K more data. However, in the interest of time efficiency, we refrained from further hand labeling the data.</a:t>
+              <a:t>Flair</a:t>
+            </a:r>
+            <a:endParaRPr lang="en-US" sz="2400" dirty="0">
+              <a:solidFill>
+                <a:srgbClr val="002060"/>
+              </a:solidFill>
+              <a:latin typeface="Times New Roman" panose="02020603050405020304" pitchFamily="18" charset="0"/>
+              <a:cs typeface="Times New Roman" panose="02020603050405020304" pitchFamily="18" charset="0"/>
+            </a:endParaRPr>
+          </a:p>
+        </p:txBody>
+      </p:sp>
+      <p:pic>
+        <p:nvPicPr>
+          <p:cNvPr id="16" name="Picture 15">
+            <a:extLst>
+              <a:ext uri="{FF2B5EF4-FFF2-40B4-BE49-F238E27FC236}">
+                <a16:creationId xmlns:a16="http://schemas.microsoft.com/office/drawing/2014/main" id="{0034770C-9BF6-EF41-9BB6-D488B387C1F9}"/>
+              </a:ext>
+            </a:extLst>
+          </p:cNvPr>
+          <p:cNvPicPr>
+            <a:picLocks noChangeAspect="1"/>
+          </p:cNvPicPr>
+          <p:nvPr/>
+        </p:nvPicPr>
+        <p:blipFill>
+          <a:blip r:embed="rId5"/>
+          <a:stretch>
+            <a:fillRect/>
+          </a:stretch>
+        </p:blipFill>
+        <p:spPr>
+          <a:xfrm>
+            <a:off x="8399982" y="1525494"/>
+            <a:ext cx="3657600" cy="2438400"/>
+          </a:xfrm>
+          <a:prstGeom prst="rect">
+            <a:avLst/>
+          </a:prstGeom>
+        </p:spPr>
+      </p:pic>
+      <p:pic>
+        <p:nvPicPr>
+          <p:cNvPr id="18" name="Picture 17">
+            <a:extLst>
+              <a:ext uri="{FF2B5EF4-FFF2-40B4-BE49-F238E27FC236}">
+                <a16:creationId xmlns:a16="http://schemas.microsoft.com/office/drawing/2014/main" id="{02EE4A94-CB5E-DE4D-AEB2-FA9578449746}"/>
+              </a:ext>
+            </a:extLst>
+          </p:cNvPr>
+          <p:cNvPicPr>
+            <a:picLocks noChangeAspect="1"/>
+          </p:cNvPicPr>
+          <p:nvPr/>
+        </p:nvPicPr>
+        <p:blipFill>
+          <a:blip r:embed="rId6"/>
+          <a:stretch>
+            <a:fillRect/>
+          </a:stretch>
+        </p:blipFill>
+        <p:spPr>
+          <a:xfrm>
+            <a:off x="4664547" y="1520527"/>
+            <a:ext cx="3657600" cy="2438400"/>
+          </a:xfrm>
+          <a:prstGeom prst="rect">
+            <a:avLst/>
+          </a:prstGeom>
+        </p:spPr>
+      </p:pic>
+      <p:pic>
+        <p:nvPicPr>
+          <p:cNvPr id="20" name="Picture 19">
+            <a:extLst>
+              <a:ext uri="{FF2B5EF4-FFF2-40B4-BE49-F238E27FC236}">
+                <a16:creationId xmlns:a16="http://schemas.microsoft.com/office/drawing/2014/main" id="{6286425E-71A0-C143-B2DD-96CD556251CC}"/>
+              </a:ext>
+            </a:extLst>
+          </p:cNvPr>
+          <p:cNvPicPr>
+            <a:picLocks noChangeAspect="1"/>
+          </p:cNvPicPr>
+          <p:nvPr/>
+        </p:nvPicPr>
+        <p:blipFill>
+          <a:blip r:embed="rId7"/>
+          <a:stretch>
+            <a:fillRect/>
+          </a:stretch>
+        </p:blipFill>
+        <p:spPr>
+          <a:xfrm>
+            <a:off x="8409019" y="4020627"/>
+            <a:ext cx="3657600" cy="1553323"/>
+          </a:xfrm>
+          <a:prstGeom prst="rect">
+            <a:avLst/>
+          </a:prstGeom>
+        </p:spPr>
+      </p:pic>
+      <p:sp>
+        <p:nvSpPr>
+          <p:cNvPr id="21" name="Rectangle 20">
+            <a:extLst>
+              <a:ext uri="{FF2B5EF4-FFF2-40B4-BE49-F238E27FC236}">
+                <a16:creationId xmlns:a16="http://schemas.microsoft.com/office/drawing/2014/main" id="{2DE56AC4-CAAC-DA43-A45D-4EBE3E7A1C95}"/>
+              </a:ext>
+            </a:extLst>
+          </p:cNvPr>
+          <p:cNvSpPr/>
+          <p:nvPr/>
+        </p:nvSpPr>
+        <p:spPr>
+          <a:xfrm>
+            <a:off x="884406" y="5590170"/>
+            <a:ext cx="3657600" cy="458011"/>
+          </a:xfrm>
+          <a:prstGeom prst="rect">
+            <a:avLst/>
+          </a:prstGeom>
+          <a:solidFill>
+            <a:schemeClr val="bg2">
+              <a:lumMod val="50000"/>
+            </a:schemeClr>
+          </a:solidFill>
+          <a:ln>
+            <a:solidFill>
+              <a:schemeClr val="bg2"/>
+            </a:solidFill>
+          </a:ln>
+        </p:spPr>
+        <p:txBody>
+          <a:bodyPr wrap="square">
+            <a:spAutoFit/>
+          </a:bodyPr>
+          <a:lstStyle/>
+          <a:p>
+            <a:pPr algn="ctr">
+              <a:lnSpc>
+                <a:spcPct val="150000"/>
+              </a:lnSpc>
+            </a:pPr>
+            <a:r>
+              <a:rPr lang="en-US" dirty="0">
+                <a:solidFill>
+                  <a:schemeClr val="accent4">
+                    <a:lumMod val="40000"/>
+                    <a:lumOff val="60000"/>
+                  </a:schemeClr>
+                </a:solidFill>
+                <a:latin typeface="Times New Roman" panose="02020603050405020304" pitchFamily="18" charset="0"/>
+                <a:cs typeface="Times New Roman" panose="02020603050405020304" pitchFamily="18" charset="0"/>
+              </a:rPr>
+              <a:t>ROC AUC: 0.72</a:t>
+            </a:r>
+          </a:p>
+        </p:txBody>
+      </p:sp>
+      <p:sp>
+        <p:nvSpPr>
+          <p:cNvPr id="22" name="Rectangle 21">
+            <a:extLst>
+              <a:ext uri="{FF2B5EF4-FFF2-40B4-BE49-F238E27FC236}">
+                <a16:creationId xmlns:a16="http://schemas.microsoft.com/office/drawing/2014/main" id="{500C5754-36B7-3E40-B482-5594BC32229A}"/>
+              </a:ext>
+            </a:extLst>
+          </p:cNvPr>
+          <p:cNvSpPr/>
+          <p:nvPr/>
+        </p:nvSpPr>
+        <p:spPr>
+          <a:xfrm>
+            <a:off x="4664547" y="5583678"/>
+            <a:ext cx="3657600" cy="458011"/>
+          </a:xfrm>
+          <a:prstGeom prst="rect">
+            <a:avLst/>
+          </a:prstGeom>
+          <a:solidFill>
+            <a:schemeClr val="bg2">
+              <a:lumMod val="50000"/>
+            </a:schemeClr>
+          </a:solidFill>
+          <a:ln>
+            <a:solidFill>
+              <a:schemeClr val="bg2"/>
+            </a:solidFill>
+          </a:ln>
+        </p:spPr>
+        <p:txBody>
+          <a:bodyPr wrap="square">
+            <a:spAutoFit/>
+          </a:bodyPr>
+          <a:lstStyle/>
+          <a:p>
+            <a:pPr algn="ctr">
+              <a:lnSpc>
+                <a:spcPct val="150000"/>
+              </a:lnSpc>
+            </a:pPr>
+            <a:r>
+              <a:rPr lang="en-US" dirty="0">
+                <a:solidFill>
+                  <a:schemeClr val="accent4">
+                    <a:lumMod val="40000"/>
+                    <a:lumOff val="60000"/>
+                  </a:schemeClr>
+                </a:solidFill>
+                <a:latin typeface="Times New Roman" panose="02020603050405020304" pitchFamily="18" charset="0"/>
+                <a:cs typeface="Times New Roman" panose="02020603050405020304" pitchFamily="18" charset="0"/>
+              </a:rPr>
+              <a:t>ROC AUC: 0.63</a:t>
+            </a:r>
+          </a:p>
+        </p:txBody>
+      </p:sp>
+      <p:sp>
+        <p:nvSpPr>
+          <p:cNvPr id="23" name="Rectangle 22">
+            <a:extLst>
+              <a:ext uri="{FF2B5EF4-FFF2-40B4-BE49-F238E27FC236}">
+                <a16:creationId xmlns:a16="http://schemas.microsoft.com/office/drawing/2014/main" id="{F5E48D38-FEEC-B744-9108-DA47BA2F2D74}"/>
+              </a:ext>
+            </a:extLst>
+          </p:cNvPr>
+          <p:cNvSpPr/>
+          <p:nvPr/>
+        </p:nvSpPr>
+        <p:spPr>
+          <a:xfrm>
+            <a:off x="8409019" y="5573950"/>
+            <a:ext cx="3657600" cy="458011"/>
+          </a:xfrm>
+          <a:prstGeom prst="rect">
+            <a:avLst/>
+          </a:prstGeom>
+          <a:solidFill>
+            <a:schemeClr val="bg2">
+              <a:lumMod val="50000"/>
+            </a:schemeClr>
+          </a:solidFill>
+          <a:ln>
+            <a:solidFill>
+              <a:schemeClr val="bg2"/>
+            </a:solidFill>
+          </a:ln>
+        </p:spPr>
+        <p:txBody>
+          <a:bodyPr wrap="square">
+            <a:spAutoFit/>
+          </a:bodyPr>
+          <a:lstStyle/>
+          <a:p>
+            <a:pPr algn="ctr">
+              <a:lnSpc>
+                <a:spcPct val="150000"/>
+              </a:lnSpc>
+            </a:pPr>
+            <a:r>
+              <a:rPr lang="en-US" dirty="0">
+                <a:solidFill>
+                  <a:schemeClr val="accent4">
+                    <a:lumMod val="40000"/>
+                    <a:lumOff val="60000"/>
+                  </a:schemeClr>
+                </a:solidFill>
+                <a:latin typeface="Times New Roman" panose="02020603050405020304" pitchFamily="18" charset="0"/>
+                <a:cs typeface="Times New Roman" panose="02020603050405020304" pitchFamily="18" charset="0"/>
+              </a:rPr>
+              <a:t>ROC AUC: 0.66</a:t>
             </a:r>
           </a:p>
         </p:txBody>
@@ -6192,7 +7234,7 @@
     </p:spTree>
     <p:extLst>
       <p:ext uri="{BB962C8B-B14F-4D97-AF65-F5344CB8AC3E}">
-        <p14:creationId xmlns:p14="http://schemas.microsoft.com/office/powerpoint/2010/main" val="1257007451"/>
+        <p14:creationId xmlns:p14="http://schemas.microsoft.com/office/powerpoint/2010/main" val="1174499118"/>
       </p:ext>
     </p:extLst>
   </p:cSld>
@@ -6243,7 +7285,7 @@
         </p:spPr>
         <p:txBody>
           <a:bodyPr>
-            <a:normAutofit fontScale="90000"/>
+            <a:normAutofit/>
           </a:bodyPr>
           <a:lstStyle/>
           <a:p>
@@ -6255,7 +7297,7 @@
                 </a:solidFill>
                 <a:latin typeface="Rockwell" panose="02060603020205020403" pitchFamily="18" charset="77"/>
               </a:rPr>
-              <a:t>Weak Supervised Model with Pseudo Labeling</a:t>
+              <a:t>Unsupervised Learning Algorithm</a:t>
             </a:r>
           </a:p>
         </p:txBody>
@@ -6342,34 +7384,270 @@
           </a:p>
         </p:txBody>
       </p:sp>
-      <p:sp>
-        <p:nvSpPr>
-          <p:cNvPr id="11" name="Rectangle 10">
-            <a:extLst>
-              <a:ext uri="{FF2B5EF4-FFF2-40B4-BE49-F238E27FC236}">
-                <a16:creationId xmlns:a16="http://schemas.microsoft.com/office/drawing/2014/main" id="{07DC0434-BCDE-884C-840F-ECEBB701E763}"/>
-              </a:ext>
-            </a:extLst>
-          </p:cNvPr>
-          <p:cNvSpPr/>
+      <p:pic>
+        <p:nvPicPr>
+          <p:cNvPr id="4" name="Picture 3">
+            <a:extLst>
+              <a:ext uri="{FF2B5EF4-FFF2-40B4-BE49-F238E27FC236}">
+                <a16:creationId xmlns:a16="http://schemas.microsoft.com/office/drawing/2014/main" id="{0A7AF83C-FFF2-2A41-B236-D2D91B803D3F}"/>
+              </a:ext>
+            </a:extLst>
+          </p:cNvPr>
+          <p:cNvPicPr>
+            <a:picLocks noChangeAspect="1"/>
+          </p:cNvPicPr>
           <p:nvPr/>
-        </p:nvSpPr>
-        <p:spPr>
-          <a:xfrm>
-            <a:off x="548640" y="1405927"/>
-            <a:ext cx="11033760" cy="4457952"/>
+        </p:nvPicPr>
+        <p:blipFill>
+          <a:blip r:embed="rId2"/>
+          <a:stretch>
+            <a:fillRect/>
+          </a:stretch>
+        </p:blipFill>
+        <p:spPr>
+          <a:xfrm>
+            <a:off x="308043" y="1204143"/>
+            <a:ext cx="4114800" cy="2743200"/>
           </a:xfrm>
           <a:prstGeom prst="rect">
             <a:avLst/>
           </a:prstGeom>
         </p:spPr>
+      </p:pic>
+      <p:pic>
+        <p:nvPicPr>
+          <p:cNvPr id="7" name="Picture 6">
+            <a:extLst>
+              <a:ext uri="{FF2B5EF4-FFF2-40B4-BE49-F238E27FC236}">
+                <a16:creationId xmlns:a16="http://schemas.microsoft.com/office/drawing/2014/main" id="{18C1C282-0E48-BF4B-B878-5175BFEF3F28}"/>
+              </a:ext>
+            </a:extLst>
+          </p:cNvPr>
+          <p:cNvPicPr>
+            <a:picLocks noChangeAspect="1"/>
+          </p:cNvPicPr>
+          <p:nvPr/>
+        </p:nvPicPr>
+        <p:blipFill>
+          <a:blip r:embed="rId3"/>
+          <a:stretch>
+            <a:fillRect/>
+          </a:stretch>
+        </p:blipFill>
+        <p:spPr>
+          <a:xfrm>
+            <a:off x="4675762" y="1191959"/>
+            <a:ext cx="4114800" cy="2743200"/>
+          </a:xfrm>
+          <a:prstGeom prst="rect">
+            <a:avLst/>
+          </a:prstGeom>
+        </p:spPr>
+      </p:pic>
+      <p:pic>
+        <p:nvPicPr>
+          <p:cNvPr id="10" name="Picture 9">
+            <a:extLst>
+              <a:ext uri="{FF2B5EF4-FFF2-40B4-BE49-F238E27FC236}">
+                <a16:creationId xmlns:a16="http://schemas.microsoft.com/office/drawing/2014/main" id="{BAB89DBD-0474-B246-A126-D25C6298655D}"/>
+              </a:ext>
+            </a:extLst>
+          </p:cNvPr>
+          <p:cNvPicPr>
+            <a:picLocks noChangeAspect="1"/>
+          </p:cNvPicPr>
+          <p:nvPr/>
+        </p:nvPicPr>
+        <p:blipFill>
+          <a:blip r:embed="rId4"/>
+          <a:stretch>
+            <a:fillRect/>
+          </a:stretch>
+        </p:blipFill>
+        <p:spPr>
+          <a:xfrm>
+            <a:off x="285112" y="4052849"/>
+            <a:ext cx="4114800" cy="1677962"/>
+          </a:xfrm>
+          <a:prstGeom prst="rect">
+            <a:avLst/>
+          </a:prstGeom>
+        </p:spPr>
+      </p:pic>
+      <p:pic>
+        <p:nvPicPr>
+          <p:cNvPr id="13" name="Picture 12">
+            <a:extLst>
+              <a:ext uri="{FF2B5EF4-FFF2-40B4-BE49-F238E27FC236}">
+                <a16:creationId xmlns:a16="http://schemas.microsoft.com/office/drawing/2014/main" id="{4BCC4D27-1237-F642-85D0-7592E91D4244}"/>
+              </a:ext>
+            </a:extLst>
+          </p:cNvPr>
+          <p:cNvPicPr>
+            <a:picLocks noChangeAspect="1"/>
+          </p:cNvPicPr>
+          <p:nvPr/>
+        </p:nvPicPr>
+        <p:blipFill>
+          <a:blip r:embed="rId5"/>
+          <a:stretch>
+            <a:fillRect/>
+          </a:stretch>
+        </p:blipFill>
+        <p:spPr>
+          <a:xfrm>
+            <a:off x="4675762" y="4052849"/>
+            <a:ext cx="4114800" cy="1714500"/>
+          </a:xfrm>
+          <a:prstGeom prst="rect">
+            <a:avLst/>
+          </a:prstGeom>
+        </p:spPr>
+      </p:pic>
+      <p:sp>
+        <p:nvSpPr>
+          <p:cNvPr id="14" name="Rectangle 13">
+            <a:extLst>
+              <a:ext uri="{FF2B5EF4-FFF2-40B4-BE49-F238E27FC236}">
+                <a16:creationId xmlns:a16="http://schemas.microsoft.com/office/drawing/2014/main" id="{97EDC038-8B00-EC4F-AEAA-91BF44CA63DC}"/>
+              </a:ext>
+            </a:extLst>
+          </p:cNvPr>
+          <p:cNvSpPr/>
+          <p:nvPr/>
+        </p:nvSpPr>
+        <p:spPr>
+          <a:xfrm>
+            <a:off x="285113" y="5869120"/>
+            <a:ext cx="4114799" cy="579967"/>
+          </a:xfrm>
+          <a:prstGeom prst="rect">
+            <a:avLst/>
+          </a:prstGeom>
+          <a:solidFill>
+            <a:schemeClr val="bg2">
+              <a:lumMod val="50000"/>
+            </a:schemeClr>
+          </a:solidFill>
+          <a:ln>
+            <a:solidFill>
+              <a:schemeClr val="bg2"/>
+            </a:solidFill>
+          </a:ln>
+        </p:spPr>
         <p:txBody>
           <a:bodyPr wrap="square">
             <a:spAutoFit/>
           </a:bodyPr>
           <a:lstStyle/>
           <a:p>
-            <a:pPr marL="342900" indent="-342900">
+            <a:pPr algn="ctr">
+              <a:lnSpc>
+                <a:spcPct val="150000"/>
+              </a:lnSpc>
+            </a:pPr>
+            <a:r>
+              <a:rPr lang="en-US" sz="2400" dirty="0">
+                <a:solidFill>
+                  <a:schemeClr val="accent4">
+                    <a:lumMod val="40000"/>
+                    <a:lumOff val="60000"/>
+                  </a:schemeClr>
+                </a:solidFill>
+                <a:latin typeface="Times New Roman" panose="02020603050405020304" pitchFamily="18" charset="0"/>
+                <a:cs typeface="Times New Roman" panose="02020603050405020304" pitchFamily="18" charset="0"/>
+              </a:rPr>
+              <a:t>ROC AUC: 0.33</a:t>
+            </a:r>
+          </a:p>
+        </p:txBody>
+      </p:sp>
+      <p:sp>
+        <p:nvSpPr>
+          <p:cNvPr id="15" name="Rectangle 14">
+            <a:extLst>
+              <a:ext uri="{FF2B5EF4-FFF2-40B4-BE49-F238E27FC236}">
+                <a16:creationId xmlns:a16="http://schemas.microsoft.com/office/drawing/2014/main" id="{8DE4EBAE-12C4-B04A-8B2C-4B5F4139134A}"/>
+              </a:ext>
+            </a:extLst>
+          </p:cNvPr>
+          <p:cNvSpPr/>
+          <p:nvPr/>
+        </p:nvSpPr>
+        <p:spPr>
+          <a:xfrm>
+            <a:off x="4675762" y="5869119"/>
+            <a:ext cx="4114799" cy="579967"/>
+          </a:xfrm>
+          <a:prstGeom prst="rect">
+            <a:avLst/>
+          </a:prstGeom>
+          <a:solidFill>
+            <a:schemeClr val="bg2">
+              <a:lumMod val="50000"/>
+            </a:schemeClr>
+          </a:solidFill>
+          <a:ln>
+            <a:solidFill>
+              <a:schemeClr val="bg2"/>
+            </a:solidFill>
+          </a:ln>
+        </p:spPr>
+        <p:txBody>
+          <a:bodyPr wrap="square">
+            <a:spAutoFit/>
+          </a:bodyPr>
+          <a:lstStyle/>
+          <a:p>
+            <a:pPr algn="ctr">
+              <a:lnSpc>
+                <a:spcPct val="150000"/>
+              </a:lnSpc>
+            </a:pPr>
+            <a:r>
+              <a:rPr lang="en-US" sz="2400" dirty="0">
+                <a:solidFill>
+                  <a:schemeClr val="accent4">
+                    <a:lumMod val="40000"/>
+                    <a:lumOff val="60000"/>
+                  </a:schemeClr>
+                </a:solidFill>
+                <a:latin typeface="Times New Roman" panose="02020603050405020304" pitchFamily="18" charset="0"/>
+                <a:cs typeface="Times New Roman" panose="02020603050405020304" pitchFamily="18" charset="0"/>
+              </a:rPr>
+              <a:t>ROC AUC: 0.51</a:t>
+            </a:r>
+          </a:p>
+        </p:txBody>
+      </p:sp>
+      <p:sp>
+        <p:nvSpPr>
+          <p:cNvPr id="16" name="Rectangle 15">
+            <a:extLst>
+              <a:ext uri="{FF2B5EF4-FFF2-40B4-BE49-F238E27FC236}">
+                <a16:creationId xmlns:a16="http://schemas.microsoft.com/office/drawing/2014/main" id="{95793287-B9B4-B241-86AC-00DA94BEF9B3}"/>
+              </a:ext>
+            </a:extLst>
+          </p:cNvPr>
+          <p:cNvSpPr/>
+          <p:nvPr/>
+        </p:nvSpPr>
+        <p:spPr>
+          <a:xfrm>
+            <a:off x="8939718" y="2114141"/>
+            <a:ext cx="3155005" cy="2795958"/>
+          </a:xfrm>
+          <a:prstGeom prst="rect">
+            <a:avLst/>
+          </a:prstGeom>
+        </p:spPr>
+        <p:txBody>
+          <a:bodyPr wrap="square">
+            <a:spAutoFit/>
+          </a:bodyPr>
+          <a:lstStyle/>
+          <a:p>
+            <a:pPr algn="ctr">
               <a:lnSpc>
                 <a:spcPct val="150000"/>
               </a:lnSpc>
@@ -6377,55 +7655,13 @@
                 <a:srgbClr val="00B0F0"/>
               </a:buClr>
               <a:buSzPct val="80000"/>
-              <a:buFont typeface="System Font Regular"/>
-              <a:buChar char="■"/>
             </a:pPr>
             <a:r>
               <a:rPr lang="en-US" sz="2400" dirty="0">
                 <a:latin typeface="Times New Roman" panose="02020603050405020304" pitchFamily="18" charset="0"/>
                 <a:cs typeface="Times New Roman" panose="02020603050405020304" pitchFamily="18" charset="0"/>
               </a:rPr>
-              <a:t>In order to quantify the performance of different approaches, I manually hand label about 1000 data. It is of note that only about 300 labels were either positive or negative.</a:t>
-            </a:r>
-          </a:p>
-          <a:p>
-            <a:pPr marL="342900" indent="-342900">
-              <a:lnSpc>
-                <a:spcPct val="150000"/>
-              </a:lnSpc>
-              <a:buClr>
-                <a:srgbClr val="00B0F0"/>
-              </a:buClr>
-              <a:buSzPct val="80000"/>
-              <a:buFont typeface="System Font Regular"/>
-              <a:buChar char="■"/>
-            </a:pPr>
-            <a:r>
-              <a:rPr lang="en-US" sz="2400" dirty="0">
-                <a:latin typeface="Times New Roman" panose="02020603050405020304" pitchFamily="18" charset="0"/>
-                <a:cs typeface="Times New Roman" panose="02020603050405020304" pitchFamily="18" charset="0"/>
-              </a:rPr>
-              <a:t>Due to the ambiguity and sarcasmic nature of tweets, it was very difficult to label tweets as either positive or negative, even by a human observer.</a:t>
-            </a:r>
-          </a:p>
-          <a:p>
-            <a:pPr marL="342900" indent="-342900">
-              <a:lnSpc>
-                <a:spcPct val="150000"/>
-              </a:lnSpc>
-              <a:buClr>
-                <a:srgbClr val="00B0F0"/>
-              </a:buClr>
-              <a:buSzPct val="80000"/>
-              <a:buFont typeface="System Font Regular"/>
-              <a:buChar char="■"/>
-            </a:pPr>
-            <a:r>
-              <a:rPr lang="en-US" sz="2400" dirty="0">
-                <a:latin typeface="Times New Roman" panose="02020603050405020304" pitchFamily="18" charset="0"/>
-                <a:cs typeface="Times New Roman" panose="02020603050405020304" pitchFamily="18" charset="0"/>
-              </a:rPr>
-              <a:t>For better modeling for business application, it is recommended to manually hand label about 2-3K more data. However, in the interest of time efficiency, we refrained from further hand labeling the data.</a:t>
+              <a:t>Pretrained Model Performance are inarguably better than the unsupervised learning algorithm.</a:t>
             </a:r>
           </a:p>
         </p:txBody>
@@ -6433,7 +7669,7 @@
     </p:spTree>
     <p:extLst>
       <p:ext uri="{BB962C8B-B14F-4D97-AF65-F5344CB8AC3E}">
-        <p14:creationId xmlns:p14="http://schemas.microsoft.com/office/powerpoint/2010/main" val="2555615929"/>
+        <p14:creationId xmlns:p14="http://schemas.microsoft.com/office/powerpoint/2010/main" val="1522485720"/>
       </p:ext>
     </p:extLst>
   </p:cSld>

--- a/reports/sentiment_analysis.pptx
+++ b/reports/sentiment_analysis.pptx
@@ -5,7 +5,7 @@
     <p:sldMasterId id="2147483648" r:id="rId1"/>
   </p:sldMasterIdLst>
   <p:notesMasterIdLst>
-    <p:notesMasterId r:id="rId15"/>
+    <p:notesMasterId r:id="rId22"/>
   </p:notesMasterIdLst>
   <p:sldIdLst>
     <p:sldId id="256" r:id="rId2"/>
@@ -15,12 +15,19 @@
     <p:sldId id="267" r:id="rId6"/>
     <p:sldId id="268" r:id="rId7"/>
     <p:sldId id="260" r:id="rId8"/>
-    <p:sldId id="261" r:id="rId9"/>
-    <p:sldId id="262" r:id="rId10"/>
-    <p:sldId id="263" r:id="rId11"/>
-    <p:sldId id="264" r:id="rId12"/>
-    <p:sldId id="265" r:id="rId13"/>
-    <p:sldId id="266" r:id="rId14"/>
+    <p:sldId id="269" r:id="rId9"/>
+    <p:sldId id="261" r:id="rId10"/>
+    <p:sldId id="262" r:id="rId11"/>
+    <p:sldId id="263" r:id="rId12"/>
+    <p:sldId id="270" r:id="rId13"/>
+    <p:sldId id="264" r:id="rId14"/>
+    <p:sldId id="271" r:id="rId15"/>
+    <p:sldId id="272" r:id="rId16"/>
+    <p:sldId id="265" r:id="rId17"/>
+    <p:sldId id="273" r:id="rId18"/>
+    <p:sldId id="274" r:id="rId19"/>
+    <p:sldId id="275" r:id="rId20"/>
+    <p:sldId id="266" r:id="rId21"/>
   </p:sldIdLst>
   <p:sldSz cx="12192000" cy="6858000"/>
   <p:notesSz cx="6858000" cy="9144000"/>
@@ -3880,7 +3887,7 @@
                 </a:solidFill>
                 <a:latin typeface="Rockwell" panose="02060603020205020403" pitchFamily="18" charset="77"/>
               </a:rPr>
-              <a:t>Supervised Learning Algorithm</a:t>
+              <a:t>Unsupervised Learning Algorithm</a:t>
             </a:r>
           </a:p>
         </p:txBody>
@@ -3967,12 +3974,132 @@
           </a:p>
         </p:txBody>
       </p:sp>
-      <p:sp>
-        <p:nvSpPr>
-          <p:cNvPr id="11" name="Rectangle 10">
-            <a:extLst>
-              <a:ext uri="{FF2B5EF4-FFF2-40B4-BE49-F238E27FC236}">
-                <a16:creationId xmlns:a16="http://schemas.microsoft.com/office/drawing/2014/main" id="{07DC0434-BCDE-884C-840F-ECEBB701E763}"/>
+      <p:pic>
+        <p:nvPicPr>
+          <p:cNvPr id="4" name="Picture 3">
+            <a:extLst>
+              <a:ext uri="{FF2B5EF4-FFF2-40B4-BE49-F238E27FC236}">
+                <a16:creationId xmlns:a16="http://schemas.microsoft.com/office/drawing/2014/main" id="{0A7AF83C-FFF2-2A41-B236-D2D91B803D3F}"/>
+              </a:ext>
+            </a:extLst>
+          </p:cNvPr>
+          <p:cNvPicPr>
+            <a:picLocks noChangeAspect="1"/>
+          </p:cNvPicPr>
+          <p:nvPr/>
+        </p:nvPicPr>
+        <p:blipFill>
+          <a:blip r:embed="rId2"/>
+          <a:stretch>
+            <a:fillRect/>
+          </a:stretch>
+        </p:blipFill>
+        <p:spPr>
+          <a:xfrm>
+            <a:off x="308043" y="1204143"/>
+            <a:ext cx="4114800" cy="2743200"/>
+          </a:xfrm>
+          <a:prstGeom prst="rect">
+            <a:avLst/>
+          </a:prstGeom>
+        </p:spPr>
+      </p:pic>
+      <p:pic>
+        <p:nvPicPr>
+          <p:cNvPr id="7" name="Picture 6">
+            <a:extLst>
+              <a:ext uri="{FF2B5EF4-FFF2-40B4-BE49-F238E27FC236}">
+                <a16:creationId xmlns:a16="http://schemas.microsoft.com/office/drawing/2014/main" id="{18C1C282-0E48-BF4B-B878-5175BFEF3F28}"/>
+              </a:ext>
+            </a:extLst>
+          </p:cNvPr>
+          <p:cNvPicPr>
+            <a:picLocks noChangeAspect="1"/>
+          </p:cNvPicPr>
+          <p:nvPr/>
+        </p:nvPicPr>
+        <p:blipFill>
+          <a:blip r:embed="rId3"/>
+          <a:stretch>
+            <a:fillRect/>
+          </a:stretch>
+        </p:blipFill>
+        <p:spPr>
+          <a:xfrm>
+            <a:off x="4675762" y="1191959"/>
+            <a:ext cx="4114800" cy="2743200"/>
+          </a:xfrm>
+          <a:prstGeom prst="rect">
+            <a:avLst/>
+          </a:prstGeom>
+        </p:spPr>
+      </p:pic>
+      <p:pic>
+        <p:nvPicPr>
+          <p:cNvPr id="10" name="Picture 9">
+            <a:extLst>
+              <a:ext uri="{FF2B5EF4-FFF2-40B4-BE49-F238E27FC236}">
+                <a16:creationId xmlns:a16="http://schemas.microsoft.com/office/drawing/2014/main" id="{BAB89DBD-0474-B246-A126-D25C6298655D}"/>
+              </a:ext>
+            </a:extLst>
+          </p:cNvPr>
+          <p:cNvPicPr>
+            <a:picLocks noChangeAspect="1"/>
+          </p:cNvPicPr>
+          <p:nvPr/>
+        </p:nvPicPr>
+        <p:blipFill>
+          <a:blip r:embed="rId4"/>
+          <a:stretch>
+            <a:fillRect/>
+          </a:stretch>
+        </p:blipFill>
+        <p:spPr>
+          <a:xfrm>
+            <a:off x="285112" y="4052849"/>
+            <a:ext cx="4114800" cy="1677962"/>
+          </a:xfrm>
+          <a:prstGeom prst="rect">
+            <a:avLst/>
+          </a:prstGeom>
+        </p:spPr>
+      </p:pic>
+      <p:pic>
+        <p:nvPicPr>
+          <p:cNvPr id="13" name="Picture 12">
+            <a:extLst>
+              <a:ext uri="{FF2B5EF4-FFF2-40B4-BE49-F238E27FC236}">
+                <a16:creationId xmlns:a16="http://schemas.microsoft.com/office/drawing/2014/main" id="{4BCC4D27-1237-F642-85D0-7592E91D4244}"/>
+              </a:ext>
+            </a:extLst>
+          </p:cNvPr>
+          <p:cNvPicPr>
+            <a:picLocks noChangeAspect="1"/>
+          </p:cNvPicPr>
+          <p:nvPr/>
+        </p:nvPicPr>
+        <p:blipFill>
+          <a:blip r:embed="rId5"/>
+          <a:stretch>
+            <a:fillRect/>
+          </a:stretch>
+        </p:blipFill>
+        <p:spPr>
+          <a:xfrm>
+            <a:off x="4675762" y="4052849"/>
+            <a:ext cx="4114800" cy="1714500"/>
+          </a:xfrm>
+          <a:prstGeom prst="rect">
+            <a:avLst/>
+          </a:prstGeom>
+        </p:spPr>
+      </p:pic>
+      <p:sp>
+        <p:nvSpPr>
+          <p:cNvPr id="14" name="Rectangle 13">
+            <a:extLst>
+              <a:ext uri="{FF2B5EF4-FFF2-40B4-BE49-F238E27FC236}">
+                <a16:creationId xmlns:a16="http://schemas.microsoft.com/office/drawing/2014/main" id="{97EDC038-8B00-EC4F-AEAA-91BF44CA63DC}"/>
               </a:ext>
             </a:extLst>
           </p:cNvPr>
@@ -3981,12 +4108,22 @@
         </p:nvSpPr>
         <p:spPr>
           <a:xfrm>
-            <a:off x="548640" y="1405927"/>
-            <a:ext cx="11033760" cy="4457952"/>
+            <a:off x="285113" y="5869120"/>
+            <a:ext cx="4114799" cy="579967"/>
           </a:xfrm>
           <a:prstGeom prst="rect">
             <a:avLst/>
           </a:prstGeom>
+          <a:solidFill>
+            <a:schemeClr val="bg2">
+              <a:lumMod val="50000"/>
+            </a:schemeClr>
+          </a:solidFill>
+          <a:ln>
+            <a:solidFill>
+              <a:schemeClr val="bg2"/>
+            </a:solidFill>
+          </a:ln>
         </p:spPr>
         <p:txBody>
           <a:bodyPr wrap="square">
@@ -3994,7 +4131,113 @@
           </a:bodyPr>
           <a:lstStyle/>
           <a:p>
-            <a:pPr marL="342900" indent="-342900">
+            <a:pPr algn="ctr">
+              <a:lnSpc>
+                <a:spcPct val="150000"/>
+              </a:lnSpc>
+            </a:pPr>
+            <a:r>
+              <a:rPr lang="en-US" sz="2400" dirty="0">
+                <a:solidFill>
+                  <a:schemeClr val="accent4">
+                    <a:lumMod val="40000"/>
+                    <a:lumOff val="60000"/>
+                  </a:schemeClr>
+                </a:solidFill>
+                <a:latin typeface="Times New Roman" panose="02020603050405020304" pitchFamily="18" charset="0"/>
+                <a:cs typeface="Times New Roman" panose="02020603050405020304" pitchFamily="18" charset="0"/>
+              </a:rPr>
+              <a:t>ROC AUC: 0.33</a:t>
+            </a:r>
+          </a:p>
+        </p:txBody>
+      </p:sp>
+      <p:sp>
+        <p:nvSpPr>
+          <p:cNvPr id="15" name="Rectangle 14">
+            <a:extLst>
+              <a:ext uri="{FF2B5EF4-FFF2-40B4-BE49-F238E27FC236}">
+                <a16:creationId xmlns:a16="http://schemas.microsoft.com/office/drawing/2014/main" id="{8DE4EBAE-12C4-B04A-8B2C-4B5F4139134A}"/>
+              </a:ext>
+            </a:extLst>
+          </p:cNvPr>
+          <p:cNvSpPr/>
+          <p:nvPr/>
+        </p:nvSpPr>
+        <p:spPr>
+          <a:xfrm>
+            <a:off x="4675762" y="5869119"/>
+            <a:ext cx="4114799" cy="579967"/>
+          </a:xfrm>
+          <a:prstGeom prst="rect">
+            <a:avLst/>
+          </a:prstGeom>
+          <a:solidFill>
+            <a:schemeClr val="bg2">
+              <a:lumMod val="50000"/>
+            </a:schemeClr>
+          </a:solidFill>
+          <a:ln>
+            <a:solidFill>
+              <a:schemeClr val="bg2"/>
+            </a:solidFill>
+          </a:ln>
+        </p:spPr>
+        <p:txBody>
+          <a:bodyPr wrap="square">
+            <a:spAutoFit/>
+          </a:bodyPr>
+          <a:lstStyle/>
+          <a:p>
+            <a:pPr algn="ctr">
+              <a:lnSpc>
+                <a:spcPct val="150000"/>
+              </a:lnSpc>
+            </a:pPr>
+            <a:r>
+              <a:rPr lang="en-US" sz="2400" dirty="0">
+                <a:solidFill>
+                  <a:schemeClr val="accent4">
+                    <a:lumMod val="40000"/>
+                    <a:lumOff val="60000"/>
+                  </a:schemeClr>
+                </a:solidFill>
+                <a:latin typeface="Times New Roman" panose="02020603050405020304" pitchFamily="18" charset="0"/>
+                <a:cs typeface="Times New Roman" panose="02020603050405020304" pitchFamily="18" charset="0"/>
+              </a:rPr>
+              <a:t>ROC AUC: 0.51</a:t>
+            </a:r>
+          </a:p>
+        </p:txBody>
+      </p:sp>
+      <p:sp>
+        <p:nvSpPr>
+          <p:cNvPr id="16" name="Rectangle 15">
+            <a:extLst>
+              <a:ext uri="{FF2B5EF4-FFF2-40B4-BE49-F238E27FC236}">
+                <a16:creationId xmlns:a16="http://schemas.microsoft.com/office/drawing/2014/main" id="{95793287-B9B4-B241-86AC-00DA94BEF9B3}"/>
+              </a:ext>
+            </a:extLst>
+          </p:cNvPr>
+          <p:cNvSpPr/>
+          <p:nvPr/>
+        </p:nvSpPr>
+        <p:spPr>
+          <a:xfrm>
+            <a:off x="8939718" y="2114141"/>
+            <a:ext cx="3155005" cy="2795958"/>
+          </a:xfrm>
+          <a:prstGeom prst="rect">
+            <a:avLst/>
+          </a:prstGeom>
+        </p:spPr>
+        <p:txBody>
+          <a:bodyPr wrap="square">
+            <a:spAutoFit/>
+          </a:bodyPr>
+          <a:lstStyle/>
+          <a:p>
+            <a:pPr algn="ctr">
               <a:lnSpc>
                 <a:spcPct val="150000"/>
               </a:lnSpc>
@@ -4002,55 +4245,13 @@
                 <a:srgbClr val="00B0F0"/>
               </a:buClr>
               <a:buSzPct val="80000"/>
-              <a:buFont typeface="System Font Regular"/>
-              <a:buChar char="■"/>
             </a:pPr>
             <a:r>
               <a:rPr lang="en-US" sz="2400" dirty="0">
                 <a:latin typeface="Times New Roman" panose="02020603050405020304" pitchFamily="18" charset="0"/>
                 <a:cs typeface="Times New Roman" panose="02020603050405020304" pitchFamily="18" charset="0"/>
               </a:rPr>
-              <a:t>In order to quantify the performance of different approaches, I manually hand label about 1000 data. It is of note that only about 300 labels were either positive or negative.</a:t>
-            </a:r>
-          </a:p>
-          <a:p>
-            <a:pPr marL="342900" indent="-342900">
-              <a:lnSpc>
-                <a:spcPct val="150000"/>
-              </a:lnSpc>
-              <a:buClr>
-                <a:srgbClr val="00B0F0"/>
-              </a:buClr>
-              <a:buSzPct val="80000"/>
-              <a:buFont typeface="System Font Regular"/>
-              <a:buChar char="■"/>
-            </a:pPr>
-            <a:r>
-              <a:rPr lang="en-US" sz="2400" dirty="0">
-                <a:latin typeface="Times New Roman" panose="02020603050405020304" pitchFamily="18" charset="0"/>
-                <a:cs typeface="Times New Roman" panose="02020603050405020304" pitchFamily="18" charset="0"/>
-              </a:rPr>
-              <a:t>Due to the ambiguity and sarcasmic nature of tweets, it was very difficult to label tweets as either positive or negative, even by a human observer.</a:t>
-            </a:r>
-          </a:p>
-          <a:p>
-            <a:pPr marL="342900" indent="-342900">
-              <a:lnSpc>
-                <a:spcPct val="150000"/>
-              </a:lnSpc>
-              <a:buClr>
-                <a:srgbClr val="00B0F0"/>
-              </a:buClr>
-              <a:buSzPct val="80000"/>
-              <a:buFont typeface="System Font Regular"/>
-              <a:buChar char="■"/>
-            </a:pPr>
-            <a:r>
-              <a:rPr lang="en-US" sz="2400" dirty="0">
-                <a:latin typeface="Times New Roman" panose="02020603050405020304" pitchFamily="18" charset="0"/>
-                <a:cs typeface="Times New Roman" panose="02020603050405020304" pitchFamily="18" charset="0"/>
-              </a:rPr>
-              <a:t>For better modeling for business application, it is recommended to manually hand label about 2-3K more data. However, in the interest of time efficiency, we refrained from further hand labeling the data.</a:t>
+              <a:t>Pretrained Model Performance are inarguably better than the unsupervised learning algorithm.</a:t>
             </a:r>
           </a:p>
         </p:txBody>
@@ -4058,7 +4259,7 @@
     </p:spTree>
     <p:extLst>
       <p:ext uri="{BB962C8B-B14F-4D97-AF65-F5344CB8AC3E}">
-        <p14:creationId xmlns:p14="http://schemas.microsoft.com/office/powerpoint/2010/main" val="1257007451"/>
+        <p14:creationId xmlns:p14="http://schemas.microsoft.com/office/powerpoint/2010/main" val="1522485720"/>
       </p:ext>
     </p:extLst>
   </p:cSld>
@@ -4103,13 +4304,13 @@
         </p:nvSpPr>
         <p:spPr>
           <a:xfrm>
-            <a:off x="609600" y="437546"/>
-            <a:ext cx="9144000" cy="661091"/>
+            <a:off x="609600" y="546167"/>
+            <a:ext cx="10972800" cy="661091"/>
           </a:xfrm>
         </p:spPr>
         <p:txBody>
           <a:bodyPr>
-            <a:normAutofit fontScale="90000"/>
+            <a:normAutofit/>
           </a:bodyPr>
           <a:lstStyle/>
           <a:p>
@@ -4121,7 +4322,7 @@
                 </a:solidFill>
                 <a:latin typeface="Rockwell" panose="02060603020205020403" pitchFamily="18" charset="77"/>
               </a:rPr>
-              <a:t>Weak Supervised Model with Pseudo Labeling</a:t>
+              <a:t>Supervised Learning Algorithm (Count Vectorizer)</a:t>
             </a:r>
           </a:p>
         </p:txBody>
@@ -4210,10 +4411,10 @@
       </p:sp>
       <p:sp>
         <p:nvSpPr>
-          <p:cNvPr id="11" name="Rectangle 10">
-            <a:extLst>
-              <a:ext uri="{FF2B5EF4-FFF2-40B4-BE49-F238E27FC236}">
-                <a16:creationId xmlns:a16="http://schemas.microsoft.com/office/drawing/2014/main" id="{07DC0434-BCDE-884C-840F-ECEBB701E763}"/>
+          <p:cNvPr id="6" name="Rectangle 5">
+            <a:extLst>
+              <a:ext uri="{FF2B5EF4-FFF2-40B4-BE49-F238E27FC236}">
+                <a16:creationId xmlns:a16="http://schemas.microsoft.com/office/drawing/2014/main" id="{F115166E-FEA4-E84D-91B9-35A7C2B010B4}"/>
               </a:ext>
             </a:extLst>
           </p:cNvPr>
@@ -4222,8 +4423,8 @@
         </p:nvSpPr>
         <p:spPr>
           <a:xfrm>
-            <a:off x="548640" y="1405927"/>
-            <a:ext cx="11033760" cy="4457952"/>
+            <a:off x="609600" y="4417950"/>
+            <a:ext cx="11582400" cy="2241960"/>
           </a:xfrm>
           <a:prstGeom prst="rect">
             <a:avLst/>
@@ -4251,7 +4452,7 @@
                 <a:latin typeface="Times New Roman" panose="02020603050405020304" pitchFamily="18" charset="0"/>
                 <a:cs typeface="Times New Roman" panose="02020603050405020304" pitchFamily="18" charset="0"/>
               </a:rPr>
-              <a:t>In order to quantify the performance of different approaches, I manually hand label about 1000 data. It is of note that only about 300 labels were either positive or negative.</a:t>
+              <a:t>Very high precision and recall for negative sentiment with most of the classifier</a:t>
             </a:r>
           </a:p>
           <a:p>
@@ -4271,7 +4472,7 @@
                 <a:latin typeface="Times New Roman" panose="02020603050405020304" pitchFamily="18" charset="0"/>
                 <a:cs typeface="Times New Roman" panose="02020603050405020304" pitchFamily="18" charset="0"/>
               </a:rPr>
-              <a:t>Due to the ambiguity and sarcasmic nature of tweets, it was very difficult to label tweets as either positive or negative, even by a human observer.</a:t>
+              <a:t>ROC AUC is also reasonably high</a:t>
             </a:r>
           </a:p>
           <a:p>
@@ -4288,18 +4489,71 @@
             </a:pPr>
             <a:r>
               <a:rPr lang="en-US" sz="2400" dirty="0">
+                <a:solidFill>
+                  <a:srgbClr val="FF0000"/>
+                </a:solidFill>
                 <a:latin typeface="Times New Roman" panose="02020603050405020304" pitchFamily="18" charset="0"/>
                 <a:cs typeface="Times New Roman" panose="02020603050405020304" pitchFamily="18" charset="0"/>
               </a:rPr>
-              <a:t>For better modeling for business application, it is recommended to manually hand label about 2-3K more data. However, in the interest of time efficiency, we refrained from further hand labeling the data.</a:t>
-            </a:r>
-          </a:p>
-        </p:txBody>
-      </p:sp>
+              <a:t>Low precision and recall for positive sentiment class; however, </a:t>
+            </a:r>
+            <a:r>
+              <a:rPr lang="en-US" sz="2400" dirty="0" err="1">
+                <a:solidFill>
+                  <a:srgbClr val="FF0000"/>
+                </a:solidFill>
+                <a:latin typeface="Times New Roman" panose="02020603050405020304" pitchFamily="18" charset="0"/>
+                <a:cs typeface="Times New Roman" panose="02020603050405020304" pitchFamily="18" charset="0"/>
+              </a:rPr>
+              <a:t>XGBoost</a:t>
+            </a:r>
+            <a:r>
+              <a:rPr lang="en-US" sz="2400" dirty="0">
+                <a:solidFill>
+                  <a:srgbClr val="FF0000"/>
+                </a:solidFill>
+                <a:latin typeface="Times New Roman" panose="02020603050405020304" pitchFamily="18" charset="0"/>
+                <a:cs typeface="Times New Roman" panose="02020603050405020304" pitchFamily="18" charset="0"/>
+              </a:rPr>
+              <a:t> has high precision and Linear Discriminant Analysis has high recall (need proper cross-validation)</a:t>
+            </a:r>
+          </a:p>
+        </p:txBody>
+      </p:sp>
+      <p:pic>
+        <p:nvPicPr>
+          <p:cNvPr id="12" name="Picture 11">
+            <a:extLst>
+              <a:ext uri="{FF2B5EF4-FFF2-40B4-BE49-F238E27FC236}">
+                <a16:creationId xmlns:a16="http://schemas.microsoft.com/office/drawing/2014/main" id="{AD5ADD1C-B152-9142-99E4-0A21D0AE39FA}"/>
+              </a:ext>
+            </a:extLst>
+          </p:cNvPr>
+          <p:cNvPicPr>
+            <a:picLocks noChangeAspect="1"/>
+          </p:cNvPicPr>
+          <p:nvPr/>
+        </p:nvPicPr>
+        <p:blipFill>
+          <a:blip r:embed="rId2"/>
+          <a:stretch>
+            <a:fillRect/>
+          </a:stretch>
+        </p:blipFill>
+        <p:spPr>
+          <a:xfrm>
+            <a:off x="548640" y="1326704"/>
+            <a:ext cx="10972800" cy="2959856"/>
+          </a:xfrm>
+          <a:prstGeom prst="rect">
+            <a:avLst/>
+          </a:prstGeom>
+        </p:spPr>
+      </p:pic>
     </p:spTree>
     <p:extLst>
       <p:ext uri="{BB962C8B-B14F-4D97-AF65-F5344CB8AC3E}">
-        <p14:creationId xmlns:p14="http://schemas.microsoft.com/office/powerpoint/2010/main" val="2555615929"/>
+        <p14:creationId xmlns:p14="http://schemas.microsoft.com/office/powerpoint/2010/main" val="1257007451"/>
       </p:ext>
     </p:extLst>
   </p:cSld>
@@ -4344,13 +4598,13 @@
         </p:nvSpPr>
         <p:spPr>
           <a:xfrm>
-            <a:off x="609600" y="809033"/>
-            <a:ext cx="9144000" cy="661091"/>
+            <a:off x="609600" y="546167"/>
+            <a:ext cx="10972800" cy="661091"/>
           </a:xfrm>
         </p:spPr>
         <p:txBody>
           <a:bodyPr>
-            <a:normAutofit fontScale="90000"/>
+            <a:normAutofit/>
           </a:bodyPr>
           <a:lstStyle/>
           <a:p>
@@ -4362,7 +4616,7 @@
                 </a:solidFill>
                 <a:latin typeface="Rockwell" panose="02060603020205020403" pitchFamily="18" charset="77"/>
               </a:rPr>
-              <a:t>Synthetic Minority Oversampling Technique (SMOTE)</a:t>
+              <a:t>Supervised Learning Algorithm (Tfidf Vectorizer)</a:t>
             </a:r>
           </a:p>
         </p:txBody>
@@ -4451,10 +4705,10 @@
       </p:sp>
       <p:sp>
         <p:nvSpPr>
-          <p:cNvPr id="11" name="Rectangle 10">
-            <a:extLst>
-              <a:ext uri="{FF2B5EF4-FFF2-40B4-BE49-F238E27FC236}">
-                <a16:creationId xmlns:a16="http://schemas.microsoft.com/office/drawing/2014/main" id="{07DC0434-BCDE-884C-840F-ECEBB701E763}"/>
+          <p:cNvPr id="10" name="Rectangle 9">
+            <a:extLst>
+              <a:ext uri="{FF2B5EF4-FFF2-40B4-BE49-F238E27FC236}">
+                <a16:creationId xmlns:a16="http://schemas.microsoft.com/office/drawing/2014/main" id="{C618D496-C983-EA40-803F-1BDB32999B4B}"/>
               </a:ext>
             </a:extLst>
           </p:cNvPr>
@@ -4463,8 +4717,8 @@
         </p:nvSpPr>
         <p:spPr>
           <a:xfrm>
-            <a:off x="548640" y="1668574"/>
-            <a:ext cx="11033760" cy="4457952"/>
+            <a:off x="609600" y="4417950"/>
+            <a:ext cx="11041626" cy="2241960"/>
           </a:xfrm>
           <a:prstGeom prst="rect">
             <a:avLst/>
@@ -4492,7 +4746,7 @@
                 <a:latin typeface="Times New Roman" panose="02020603050405020304" pitchFamily="18" charset="0"/>
                 <a:cs typeface="Times New Roman" panose="02020603050405020304" pitchFamily="18" charset="0"/>
               </a:rPr>
-              <a:t>In order to quantify the performance of different approaches, I manually hand label about 1000 data. It is of note that only about 300 labels were either positive or negative.</a:t>
+              <a:t>Overall better performance than the count vectorizer</a:t>
             </a:r>
           </a:p>
           <a:p>
@@ -4512,7 +4766,7 @@
                 <a:latin typeface="Times New Roman" panose="02020603050405020304" pitchFamily="18" charset="0"/>
                 <a:cs typeface="Times New Roman" panose="02020603050405020304" pitchFamily="18" charset="0"/>
               </a:rPr>
-              <a:t>Due to the ambiguity and sarcasmic nature of tweets, it was very difficult to label tweets as either positive or negative, even by a human observer.</a:t>
+              <a:t>ROC AUC is also very impressive across the board</a:t>
             </a:r>
           </a:p>
           <a:p>
@@ -4529,18 +4783,51 @@
             </a:pPr>
             <a:r>
               <a:rPr lang="en-US" sz="2400" dirty="0">
+                <a:solidFill>
+                  <a:srgbClr val="FF0000"/>
+                </a:solidFill>
                 <a:latin typeface="Times New Roman" panose="02020603050405020304" pitchFamily="18" charset="0"/>
                 <a:cs typeface="Times New Roman" panose="02020603050405020304" pitchFamily="18" charset="0"/>
               </a:rPr>
-              <a:t>For better modeling for business application, it is recommended to manually hand label about 2-3K more data. However, in the interest of time efficiency, we refrained from further hand labeling the data.</a:t>
-            </a:r>
-          </a:p>
-        </p:txBody>
-      </p:sp>
+              <a:t>Low precision and recall for positive sentiment class (high precision in AdaBoost and high recall in AdaBoost and Linear Discriminant).</a:t>
+            </a:r>
+          </a:p>
+        </p:txBody>
+      </p:sp>
+      <p:pic>
+        <p:nvPicPr>
+          <p:cNvPr id="7" name="Picture 6">
+            <a:extLst>
+              <a:ext uri="{FF2B5EF4-FFF2-40B4-BE49-F238E27FC236}">
+                <a16:creationId xmlns:a16="http://schemas.microsoft.com/office/drawing/2014/main" id="{BB481104-E36F-2E47-AD69-FC265150E332}"/>
+              </a:ext>
+            </a:extLst>
+          </p:cNvPr>
+          <p:cNvPicPr>
+            <a:picLocks noChangeAspect="1"/>
+          </p:cNvPicPr>
+          <p:nvPr/>
+        </p:nvPicPr>
+        <p:blipFill>
+          <a:blip r:embed="rId2"/>
+          <a:stretch>
+            <a:fillRect/>
+          </a:stretch>
+        </p:blipFill>
+        <p:spPr>
+          <a:xfrm>
+            <a:off x="609600" y="1359940"/>
+            <a:ext cx="10972800" cy="2905328"/>
+          </a:xfrm>
+          <a:prstGeom prst="rect">
+            <a:avLst/>
+          </a:prstGeom>
+        </p:spPr>
+      </p:pic>
     </p:spTree>
     <p:extLst>
       <p:ext uri="{BB962C8B-B14F-4D97-AF65-F5344CB8AC3E}">
-        <p14:creationId xmlns:p14="http://schemas.microsoft.com/office/powerpoint/2010/main" val="1880805920"/>
+        <p14:creationId xmlns:p14="http://schemas.microsoft.com/office/powerpoint/2010/main" val="2319751513"/>
       </p:ext>
     </p:extLst>
   </p:cSld>
@@ -4591,7 +4878,7 @@
         </p:spPr>
         <p:txBody>
           <a:bodyPr>
-            <a:normAutofit/>
+            <a:normAutofit fontScale="90000"/>
           </a:bodyPr>
           <a:lstStyle/>
           <a:p>
@@ -4603,7 +4890,7 @@
                 </a:solidFill>
                 <a:latin typeface="Rockwell" panose="02060603020205020403" pitchFamily="18" charset="77"/>
               </a:rPr>
-              <a:t>Conclusion</a:t>
+              <a:t>Weak Supervised Model with Pseudo Labeling</a:t>
             </a:r>
           </a:p>
         </p:txBody>
@@ -4704,8 +4991,8 @@
         </p:nvSpPr>
         <p:spPr>
           <a:xfrm>
-            <a:off x="548640" y="1405927"/>
-            <a:ext cx="11033760" cy="4457952"/>
+            <a:off x="579120" y="1219114"/>
+            <a:ext cx="11033760" cy="2795958"/>
           </a:xfrm>
           <a:prstGeom prst="rect">
             <a:avLst/>
@@ -4733,7 +5020,7 @@
                 <a:latin typeface="Times New Roman" panose="02020603050405020304" pitchFamily="18" charset="0"/>
                 <a:cs typeface="Times New Roman" panose="02020603050405020304" pitchFamily="18" charset="0"/>
               </a:rPr>
-              <a:t>In order to quantify the performance of different approaches, I manually hand label about 1000 data. It is of note that only about 300 labels were either positive or negative.</a:t>
+              <a:t>Snorkel python package was used which is a probabilistic approach to infer the data label given approximate labels</a:t>
             </a:r>
           </a:p>
           <a:p>
@@ -4753,7 +5040,7 @@
                 <a:latin typeface="Times New Roman" panose="02020603050405020304" pitchFamily="18" charset="0"/>
                 <a:cs typeface="Times New Roman" panose="02020603050405020304" pitchFamily="18" charset="0"/>
               </a:rPr>
-              <a:t>Due to the ambiguity and sarcasmic nature of tweets, it was very difficult to label tweets as either positive or negative, even by a human observer.</a:t>
+              <a:t>Requires expensive MCMC sampling  </a:t>
             </a:r>
           </a:p>
           <a:p>
@@ -4773,15 +5060,2022 @@
                 <a:latin typeface="Times New Roman" panose="02020603050405020304" pitchFamily="18" charset="0"/>
                 <a:cs typeface="Times New Roman" panose="02020603050405020304" pitchFamily="18" charset="0"/>
               </a:rPr>
-              <a:t>For better modeling for business application, it is recommended to manually hand label about 2-3K more data. However, in the interest of time efficiency, we refrained from further hand labeling the data.</a:t>
-            </a:r>
-          </a:p>
-        </p:txBody>
-      </p:sp>
+              <a:t>Once the generative model is trained and labels are generated, a discriminator based on traditional ML algorithm can be trained to decouple expensive generator model</a:t>
+            </a:r>
+          </a:p>
+        </p:txBody>
+      </p:sp>
+      <p:sp>
+        <p:nvSpPr>
+          <p:cNvPr id="7" name="Rectangle 6">
+            <a:extLst>
+              <a:ext uri="{FF2B5EF4-FFF2-40B4-BE49-F238E27FC236}">
+                <a16:creationId xmlns:a16="http://schemas.microsoft.com/office/drawing/2014/main" id="{70AFC140-AB39-1149-AF51-77CDB68AE523}"/>
+              </a:ext>
+            </a:extLst>
+          </p:cNvPr>
+          <p:cNvSpPr/>
+          <p:nvPr/>
+        </p:nvSpPr>
+        <p:spPr>
+          <a:xfrm>
+            <a:off x="6274931" y="6415570"/>
+            <a:ext cx="5917069" cy="369332"/>
+          </a:xfrm>
+          <a:prstGeom prst="rect">
+            <a:avLst/>
+          </a:prstGeom>
+        </p:spPr>
+        <p:txBody>
+          <a:bodyPr wrap="none">
+            <a:spAutoFit/>
+          </a:bodyPr>
+          <a:lstStyle/>
+          <a:p>
+            <a:r>
+              <a:rPr lang="en-US" dirty="0">
+                <a:solidFill>
+                  <a:schemeClr val="tx1">
+                    <a:lumMod val="50000"/>
+                  </a:schemeClr>
+                </a:solidFill>
+                <a:latin typeface="Times New Roman" panose="02020603050405020304" pitchFamily="18" charset="0"/>
+                <a:cs typeface="Times New Roman" panose="02020603050405020304" pitchFamily="18" charset="0"/>
+              </a:rPr>
+              <a:t>Image credit: https://</a:t>
+            </a:r>
+            <a:r>
+              <a:rPr lang="en-US" dirty="0" err="1">
+                <a:solidFill>
+                  <a:schemeClr val="tx1">
+                    <a:lumMod val="50000"/>
+                  </a:schemeClr>
+                </a:solidFill>
+                <a:latin typeface="Times New Roman" panose="02020603050405020304" pitchFamily="18" charset="0"/>
+                <a:cs typeface="Times New Roman" panose="02020603050405020304" pitchFamily="18" charset="0"/>
+              </a:rPr>
+              <a:t>www.snorkel.org</a:t>
+            </a:r>
+            <a:r>
+              <a:rPr lang="en-US" dirty="0">
+                <a:solidFill>
+                  <a:schemeClr val="tx1">
+                    <a:lumMod val="50000"/>
+                  </a:schemeClr>
+                </a:solidFill>
+                <a:latin typeface="Times New Roman" panose="02020603050405020304" pitchFamily="18" charset="0"/>
+                <a:cs typeface="Times New Roman" panose="02020603050405020304" pitchFamily="18" charset="0"/>
+              </a:rPr>
+              <a:t>/blog/weak-supervision </a:t>
+            </a:r>
+            <a:endParaRPr lang="en-US" dirty="0">
+              <a:solidFill>
+                <a:schemeClr val="tx1">
+                  <a:lumMod val="50000"/>
+                </a:schemeClr>
+              </a:solidFill>
+            </a:endParaRPr>
+          </a:p>
+        </p:txBody>
+      </p:sp>
+      <p:pic>
+        <p:nvPicPr>
+          <p:cNvPr id="10" name="Picture 9">
+            <a:extLst>
+              <a:ext uri="{FF2B5EF4-FFF2-40B4-BE49-F238E27FC236}">
+                <a16:creationId xmlns:a16="http://schemas.microsoft.com/office/drawing/2014/main" id="{C3C6F101-3FBB-5A4C-A621-A2774D76D67B}"/>
+              </a:ext>
+            </a:extLst>
+          </p:cNvPr>
+          <p:cNvPicPr>
+            <a:picLocks noChangeAspect="1"/>
+          </p:cNvPicPr>
+          <p:nvPr/>
+        </p:nvPicPr>
+        <p:blipFill>
+          <a:blip r:embed="rId2"/>
+          <a:stretch>
+            <a:fillRect/>
+          </a:stretch>
+        </p:blipFill>
+        <p:spPr>
+          <a:xfrm>
+            <a:off x="823862" y="4135549"/>
+            <a:ext cx="5370461" cy="2528876"/>
+          </a:xfrm>
+          <a:prstGeom prst="rect">
+            <a:avLst/>
+          </a:prstGeom>
+        </p:spPr>
+      </p:pic>
     </p:spTree>
     <p:extLst>
       <p:ext uri="{BB962C8B-B14F-4D97-AF65-F5344CB8AC3E}">
-        <p14:creationId xmlns:p14="http://schemas.microsoft.com/office/powerpoint/2010/main" val="2680607238"/>
+        <p14:creationId xmlns:p14="http://schemas.microsoft.com/office/powerpoint/2010/main" val="2555615929"/>
+      </p:ext>
+    </p:extLst>
+  </p:cSld>
+  <p:clrMapOvr>
+    <a:masterClrMapping/>
+  </p:clrMapOvr>
+</p:sld>
+</file>
+
+<file path=ppt/slides/slide14.xml><?xml version="1.0" encoding="utf-8"?>
+<p:sld xmlns:a="http://schemas.openxmlformats.org/drawingml/2006/main" xmlns:r="http://schemas.openxmlformats.org/officeDocument/2006/relationships" xmlns:p="http://schemas.openxmlformats.org/presentationml/2006/main">
+  <p:cSld>
+    <p:spTree>
+      <p:nvGrpSpPr>
+        <p:cNvPr id="1" name=""/>
+        <p:cNvGrpSpPr/>
+        <p:nvPr/>
+      </p:nvGrpSpPr>
+      <p:grpSpPr>
+        <a:xfrm>
+          <a:off x="0" y="0"/>
+          <a:ext cx="0" cy="0"/>
+          <a:chOff x="0" y="0"/>
+          <a:chExt cx="0" cy="0"/>
+        </a:xfrm>
+      </p:grpSpPr>
+      <p:sp>
+        <p:nvSpPr>
+          <p:cNvPr id="2" name="Title 1">
+            <a:extLst>
+              <a:ext uri="{FF2B5EF4-FFF2-40B4-BE49-F238E27FC236}">
+                <a16:creationId xmlns:a16="http://schemas.microsoft.com/office/drawing/2014/main" id="{D9A47469-9438-1945-94B4-6A4B029B720C}"/>
+              </a:ext>
+            </a:extLst>
+          </p:cNvPr>
+          <p:cNvSpPr>
+            <a:spLocks noGrp="1"/>
+          </p:cNvSpPr>
+          <p:nvPr>
+            <p:ph type="ctrTitle"/>
+          </p:nvPr>
+        </p:nvSpPr>
+        <p:spPr>
+          <a:xfrm>
+            <a:off x="609600" y="437546"/>
+            <a:ext cx="9144000" cy="661091"/>
+          </a:xfrm>
+        </p:spPr>
+        <p:txBody>
+          <a:bodyPr>
+            <a:normAutofit/>
+          </a:bodyPr>
+          <a:lstStyle/>
+          <a:p>
+            <a:pPr algn="l"/>
+            <a:r>
+              <a:rPr lang="en-US" sz="3600" dirty="0">
+                <a:solidFill>
+                  <a:srgbClr val="00B0F0"/>
+                </a:solidFill>
+                <a:latin typeface="Rockwell" panose="02060603020205020403" pitchFamily="18" charset="77"/>
+              </a:rPr>
+              <a:t>Labeling Function</a:t>
+            </a:r>
+          </a:p>
+        </p:txBody>
+      </p:sp>
+      <p:cxnSp>
+        <p:nvCxnSpPr>
+          <p:cNvPr id="5" name="Straight Connector 4">
+            <a:extLst>
+              <a:ext uri="{FF2B5EF4-FFF2-40B4-BE49-F238E27FC236}">
+                <a16:creationId xmlns:a16="http://schemas.microsoft.com/office/drawing/2014/main" id="{9C26EC1A-5618-D846-A862-C14C2EF9DF82}"/>
+              </a:ext>
+            </a:extLst>
+          </p:cNvPr>
+          <p:cNvCxnSpPr>
+            <a:cxnSpLocks/>
+          </p:cNvCxnSpPr>
+          <p:nvPr/>
+        </p:nvCxnSpPr>
+        <p:spPr>
+          <a:xfrm>
+            <a:off x="609600" y="426720"/>
+            <a:ext cx="10972800" cy="0"/>
+          </a:xfrm>
+          <a:prstGeom prst="line">
+            <a:avLst/>
+          </a:prstGeom>
+          <a:ln w="38100"/>
+        </p:spPr>
+        <p:style>
+          <a:lnRef idx="3">
+            <a:schemeClr val="accent3"/>
+          </a:lnRef>
+          <a:fillRef idx="0">
+            <a:schemeClr val="accent3"/>
+          </a:fillRef>
+          <a:effectRef idx="2">
+            <a:schemeClr val="accent3"/>
+          </a:effectRef>
+          <a:fontRef idx="minor">
+            <a:schemeClr val="tx1"/>
+          </a:fontRef>
+        </p:style>
+      </p:cxnSp>
+      <p:sp>
+        <p:nvSpPr>
+          <p:cNvPr id="8" name="TextBox 7">
+            <a:extLst>
+              <a:ext uri="{FF2B5EF4-FFF2-40B4-BE49-F238E27FC236}">
+                <a16:creationId xmlns:a16="http://schemas.microsoft.com/office/drawing/2014/main" id="{21244BD2-DA35-574F-9E27-B16959EACE4F}"/>
+              </a:ext>
+            </a:extLst>
+          </p:cNvPr>
+          <p:cNvSpPr txBox="1"/>
+          <p:nvPr/>
+        </p:nvSpPr>
+        <p:spPr>
+          <a:xfrm>
+            <a:off x="548640" y="72905"/>
+            <a:ext cx="3416769" cy="307777"/>
+          </a:xfrm>
+          <a:prstGeom prst="rect">
+            <a:avLst/>
+          </a:prstGeom>
+          <a:noFill/>
+        </p:spPr>
+        <p:txBody>
+          <a:bodyPr wrap="none" rtlCol="0">
+            <a:spAutoFit/>
+          </a:bodyPr>
+          <a:lstStyle/>
+          <a:p>
+            <a:r>
+              <a:rPr lang="en-US" sz="1400" dirty="0">
+                <a:solidFill>
+                  <a:schemeClr val="accent1">
+                    <a:lumMod val="60000"/>
+                    <a:lumOff val="40000"/>
+                  </a:schemeClr>
+                </a:solidFill>
+                <a:latin typeface="Rockwell" panose="02060603020205020403" pitchFamily="18" charset="77"/>
+              </a:rPr>
+              <a:t>Springboard Capstone Two Presentation</a:t>
+            </a:r>
+          </a:p>
+        </p:txBody>
+      </p:sp>
+      <p:sp>
+        <p:nvSpPr>
+          <p:cNvPr id="11" name="Rectangle 10">
+            <a:extLst>
+              <a:ext uri="{FF2B5EF4-FFF2-40B4-BE49-F238E27FC236}">
+                <a16:creationId xmlns:a16="http://schemas.microsoft.com/office/drawing/2014/main" id="{07DC0434-BCDE-884C-840F-ECEBB701E763}"/>
+              </a:ext>
+            </a:extLst>
+          </p:cNvPr>
+          <p:cNvSpPr/>
+          <p:nvPr/>
+        </p:nvSpPr>
+        <p:spPr>
+          <a:xfrm>
+            <a:off x="579120" y="1219114"/>
+            <a:ext cx="7080209" cy="2241960"/>
+          </a:xfrm>
+          <a:prstGeom prst="rect">
+            <a:avLst/>
+          </a:prstGeom>
+        </p:spPr>
+        <p:txBody>
+          <a:bodyPr wrap="square">
+            <a:spAutoFit/>
+          </a:bodyPr>
+          <a:lstStyle/>
+          <a:p>
+            <a:pPr marL="342900" indent="-342900">
+              <a:lnSpc>
+                <a:spcPct val="150000"/>
+              </a:lnSpc>
+              <a:buClr>
+                <a:srgbClr val="00B0F0"/>
+              </a:buClr>
+              <a:buSzPct val="80000"/>
+              <a:buFont typeface="System Font Regular"/>
+              <a:buChar char="■"/>
+            </a:pPr>
+            <a:r>
+              <a:rPr lang="en-US" sz="2400" dirty="0">
+                <a:latin typeface="Times New Roman" panose="02020603050405020304" pitchFamily="18" charset="0"/>
+                <a:cs typeface="Times New Roman" panose="02020603050405020304" pitchFamily="18" charset="0"/>
+              </a:rPr>
+              <a:t>Label based on presence and absence of certain keyword or phrases in the tweet</a:t>
+            </a:r>
+          </a:p>
+          <a:p>
+            <a:pPr marL="342900" indent="-342900">
+              <a:lnSpc>
+                <a:spcPct val="150000"/>
+              </a:lnSpc>
+              <a:buClr>
+                <a:srgbClr val="00B0F0"/>
+              </a:buClr>
+              <a:buSzPct val="80000"/>
+              <a:buFont typeface="System Font Regular"/>
+              <a:buChar char="■"/>
+            </a:pPr>
+            <a:r>
+              <a:rPr lang="en-US" sz="2400" dirty="0">
+                <a:latin typeface="Times New Roman" panose="02020603050405020304" pitchFamily="18" charset="0"/>
+                <a:cs typeface="Times New Roman" panose="02020603050405020304" pitchFamily="18" charset="0"/>
+              </a:rPr>
+              <a:t>Learned labels from the previously discussed supervised model. </a:t>
+            </a:r>
+          </a:p>
+        </p:txBody>
+      </p:sp>
+      <p:sp>
+        <p:nvSpPr>
+          <p:cNvPr id="9" name="Rectangle 8">
+            <a:extLst>
+              <a:ext uri="{FF2B5EF4-FFF2-40B4-BE49-F238E27FC236}">
+                <a16:creationId xmlns:a16="http://schemas.microsoft.com/office/drawing/2014/main" id="{73F2ED46-B18B-E24F-8376-096BE048EDBD}"/>
+              </a:ext>
+            </a:extLst>
+          </p:cNvPr>
+          <p:cNvSpPr/>
+          <p:nvPr/>
+        </p:nvSpPr>
+        <p:spPr>
+          <a:xfrm>
+            <a:off x="294968" y="3635322"/>
+            <a:ext cx="4679746" cy="2795958"/>
+          </a:xfrm>
+          <a:prstGeom prst="rect">
+            <a:avLst/>
+          </a:prstGeom>
+        </p:spPr>
+        <p:txBody>
+          <a:bodyPr wrap="square">
+            <a:spAutoFit/>
+          </a:bodyPr>
+          <a:lstStyle/>
+          <a:p>
+            <a:pPr algn="ctr">
+              <a:lnSpc>
+                <a:spcPct val="150000"/>
+              </a:lnSpc>
+              <a:buClr>
+                <a:srgbClr val="00B0F0"/>
+              </a:buClr>
+              <a:buSzPct val="80000"/>
+            </a:pPr>
+            <a:r>
+              <a:rPr lang="en-US" sz="2400" dirty="0">
+                <a:solidFill>
+                  <a:schemeClr val="accent6">
+                    <a:lumMod val="60000"/>
+                    <a:lumOff val="40000"/>
+                  </a:schemeClr>
+                </a:solidFill>
+                <a:latin typeface="Times New Roman" panose="02020603050405020304" pitchFamily="18" charset="0"/>
+                <a:cs typeface="Times New Roman" panose="02020603050405020304" pitchFamily="18" charset="0"/>
+              </a:rPr>
+              <a:t>The rational for using supervised model learned labels is that a team from Google and CMU reported significant improvement of performance with this approach  </a:t>
+            </a:r>
+          </a:p>
+        </p:txBody>
+      </p:sp>
+      <p:pic>
+        <p:nvPicPr>
+          <p:cNvPr id="7" name="Picture 6">
+            <a:extLst>
+              <a:ext uri="{FF2B5EF4-FFF2-40B4-BE49-F238E27FC236}">
+                <a16:creationId xmlns:a16="http://schemas.microsoft.com/office/drawing/2014/main" id="{7D00B3CD-6BDF-4946-A253-FB9F96BC75DD}"/>
+              </a:ext>
+            </a:extLst>
+          </p:cNvPr>
+          <p:cNvPicPr>
+            <a:picLocks noChangeAspect="1"/>
+          </p:cNvPicPr>
+          <p:nvPr/>
+        </p:nvPicPr>
+        <p:blipFill>
+          <a:blip r:embed="rId2"/>
+          <a:stretch>
+            <a:fillRect/>
+          </a:stretch>
+        </p:blipFill>
+        <p:spPr>
+          <a:xfrm>
+            <a:off x="7557318" y="1504166"/>
+            <a:ext cx="3430267" cy="1419421"/>
+          </a:xfrm>
+          <a:prstGeom prst="rect">
+            <a:avLst/>
+          </a:prstGeom>
+        </p:spPr>
+      </p:pic>
+      <p:pic>
+        <p:nvPicPr>
+          <p:cNvPr id="12" name="Picture 11">
+            <a:extLst>
+              <a:ext uri="{FF2B5EF4-FFF2-40B4-BE49-F238E27FC236}">
+                <a16:creationId xmlns:a16="http://schemas.microsoft.com/office/drawing/2014/main" id="{F7C085EA-B387-5549-AD62-C61F938AFB89}"/>
+              </a:ext>
+            </a:extLst>
+          </p:cNvPr>
+          <p:cNvPicPr>
+            <a:picLocks noChangeAspect="1"/>
+          </p:cNvPicPr>
+          <p:nvPr/>
+        </p:nvPicPr>
+        <p:blipFill>
+          <a:blip r:embed="rId3"/>
+          <a:stretch>
+            <a:fillRect/>
+          </a:stretch>
+        </p:blipFill>
+        <p:spPr>
+          <a:xfrm>
+            <a:off x="5289346" y="4001032"/>
+            <a:ext cx="6735506" cy="1974200"/>
+          </a:xfrm>
+          <a:prstGeom prst="rect">
+            <a:avLst/>
+          </a:prstGeom>
+        </p:spPr>
+      </p:pic>
+    </p:spTree>
+    <p:extLst>
+      <p:ext uri="{BB962C8B-B14F-4D97-AF65-F5344CB8AC3E}">
+        <p14:creationId xmlns:p14="http://schemas.microsoft.com/office/powerpoint/2010/main" val="860762274"/>
+      </p:ext>
+    </p:extLst>
+  </p:cSld>
+  <p:clrMapOvr>
+    <a:masterClrMapping/>
+  </p:clrMapOvr>
+</p:sld>
+</file>
+
+<file path=ppt/slides/slide15.xml><?xml version="1.0" encoding="utf-8"?>
+<p:sld xmlns:a="http://schemas.openxmlformats.org/drawingml/2006/main" xmlns:r="http://schemas.openxmlformats.org/officeDocument/2006/relationships" xmlns:p="http://schemas.openxmlformats.org/presentationml/2006/main">
+  <p:cSld>
+    <p:spTree>
+      <p:nvGrpSpPr>
+        <p:cNvPr id="1" name=""/>
+        <p:cNvGrpSpPr/>
+        <p:nvPr/>
+      </p:nvGrpSpPr>
+      <p:grpSpPr>
+        <a:xfrm>
+          <a:off x="0" y="0"/>
+          <a:ext cx="0" cy="0"/>
+          <a:chOff x="0" y="0"/>
+          <a:chExt cx="0" cy="0"/>
+        </a:xfrm>
+      </p:grpSpPr>
+      <p:sp>
+        <p:nvSpPr>
+          <p:cNvPr id="2" name="Title 1">
+            <a:extLst>
+              <a:ext uri="{FF2B5EF4-FFF2-40B4-BE49-F238E27FC236}">
+                <a16:creationId xmlns:a16="http://schemas.microsoft.com/office/drawing/2014/main" id="{D9A47469-9438-1945-94B4-6A4B029B720C}"/>
+              </a:ext>
+            </a:extLst>
+          </p:cNvPr>
+          <p:cNvSpPr>
+            <a:spLocks noGrp="1"/>
+          </p:cNvSpPr>
+          <p:nvPr>
+            <p:ph type="ctrTitle"/>
+          </p:nvPr>
+        </p:nvSpPr>
+        <p:spPr>
+          <a:xfrm>
+            <a:off x="609600" y="437546"/>
+            <a:ext cx="9144000" cy="661091"/>
+          </a:xfrm>
+        </p:spPr>
+        <p:txBody>
+          <a:bodyPr>
+            <a:normAutofit fontScale="90000"/>
+          </a:bodyPr>
+          <a:lstStyle/>
+          <a:p>
+            <a:pPr algn="l"/>
+            <a:r>
+              <a:rPr lang="en-US" sz="3600" dirty="0">
+                <a:solidFill>
+                  <a:srgbClr val="00B0F0"/>
+                </a:solidFill>
+                <a:latin typeface="Rockwell" panose="02060603020205020403" pitchFamily="18" charset="77"/>
+              </a:rPr>
+              <a:t>Weak Supervised Model with Pseudo Labeling</a:t>
+            </a:r>
+          </a:p>
+        </p:txBody>
+      </p:sp>
+      <p:cxnSp>
+        <p:nvCxnSpPr>
+          <p:cNvPr id="5" name="Straight Connector 4">
+            <a:extLst>
+              <a:ext uri="{FF2B5EF4-FFF2-40B4-BE49-F238E27FC236}">
+                <a16:creationId xmlns:a16="http://schemas.microsoft.com/office/drawing/2014/main" id="{9C26EC1A-5618-D846-A862-C14C2EF9DF82}"/>
+              </a:ext>
+            </a:extLst>
+          </p:cNvPr>
+          <p:cNvCxnSpPr>
+            <a:cxnSpLocks/>
+          </p:cNvCxnSpPr>
+          <p:nvPr/>
+        </p:nvCxnSpPr>
+        <p:spPr>
+          <a:xfrm>
+            <a:off x="609600" y="426720"/>
+            <a:ext cx="10972800" cy="0"/>
+          </a:xfrm>
+          <a:prstGeom prst="line">
+            <a:avLst/>
+          </a:prstGeom>
+          <a:ln w="38100"/>
+        </p:spPr>
+        <p:style>
+          <a:lnRef idx="3">
+            <a:schemeClr val="accent3"/>
+          </a:lnRef>
+          <a:fillRef idx="0">
+            <a:schemeClr val="accent3"/>
+          </a:fillRef>
+          <a:effectRef idx="2">
+            <a:schemeClr val="accent3"/>
+          </a:effectRef>
+          <a:fontRef idx="minor">
+            <a:schemeClr val="tx1"/>
+          </a:fontRef>
+        </p:style>
+      </p:cxnSp>
+      <p:sp>
+        <p:nvSpPr>
+          <p:cNvPr id="8" name="TextBox 7">
+            <a:extLst>
+              <a:ext uri="{FF2B5EF4-FFF2-40B4-BE49-F238E27FC236}">
+                <a16:creationId xmlns:a16="http://schemas.microsoft.com/office/drawing/2014/main" id="{21244BD2-DA35-574F-9E27-B16959EACE4F}"/>
+              </a:ext>
+            </a:extLst>
+          </p:cNvPr>
+          <p:cNvSpPr txBox="1"/>
+          <p:nvPr/>
+        </p:nvSpPr>
+        <p:spPr>
+          <a:xfrm>
+            <a:off x="548640" y="72905"/>
+            <a:ext cx="3416769" cy="307777"/>
+          </a:xfrm>
+          <a:prstGeom prst="rect">
+            <a:avLst/>
+          </a:prstGeom>
+          <a:noFill/>
+        </p:spPr>
+        <p:txBody>
+          <a:bodyPr wrap="none" rtlCol="0">
+            <a:spAutoFit/>
+          </a:bodyPr>
+          <a:lstStyle/>
+          <a:p>
+            <a:r>
+              <a:rPr lang="en-US" sz="1400" dirty="0">
+                <a:solidFill>
+                  <a:schemeClr val="accent1">
+                    <a:lumMod val="60000"/>
+                    <a:lumOff val="40000"/>
+                  </a:schemeClr>
+                </a:solidFill>
+                <a:latin typeface="Rockwell" panose="02060603020205020403" pitchFamily="18" charset="77"/>
+              </a:rPr>
+              <a:t>Springboard Capstone Two Presentation</a:t>
+            </a:r>
+          </a:p>
+        </p:txBody>
+      </p:sp>
+      <p:sp>
+        <p:nvSpPr>
+          <p:cNvPr id="11" name="Rectangle 10">
+            <a:extLst>
+              <a:ext uri="{FF2B5EF4-FFF2-40B4-BE49-F238E27FC236}">
+                <a16:creationId xmlns:a16="http://schemas.microsoft.com/office/drawing/2014/main" id="{07DC0434-BCDE-884C-840F-ECEBB701E763}"/>
+              </a:ext>
+            </a:extLst>
+          </p:cNvPr>
+          <p:cNvSpPr/>
+          <p:nvPr/>
+        </p:nvSpPr>
+        <p:spPr>
+          <a:xfrm>
+            <a:off x="609600" y="4553332"/>
+            <a:ext cx="11033760" cy="1687963"/>
+          </a:xfrm>
+          <a:prstGeom prst="rect">
+            <a:avLst/>
+          </a:prstGeom>
+        </p:spPr>
+        <p:txBody>
+          <a:bodyPr wrap="square">
+            <a:spAutoFit/>
+          </a:bodyPr>
+          <a:lstStyle/>
+          <a:p>
+            <a:pPr marL="342900" indent="-342900">
+              <a:lnSpc>
+                <a:spcPct val="150000"/>
+              </a:lnSpc>
+              <a:buClr>
+                <a:srgbClr val="00B0F0"/>
+              </a:buClr>
+              <a:buSzPct val="80000"/>
+              <a:buFont typeface="System Font Regular"/>
+              <a:buChar char="■"/>
+            </a:pPr>
+            <a:r>
+              <a:rPr lang="en-US" sz="2400" dirty="0">
+                <a:latin typeface="Times New Roman" panose="02020603050405020304" pitchFamily="18" charset="0"/>
+                <a:cs typeface="Times New Roman" panose="02020603050405020304" pitchFamily="18" charset="0"/>
+              </a:rPr>
+              <a:t>With weak supervision, precision for negative sentiment and recall for positive sentiment is very high, but recall for negative and precision for positive is very low</a:t>
+            </a:r>
+          </a:p>
+          <a:p>
+            <a:pPr marL="342900" indent="-342900">
+              <a:lnSpc>
+                <a:spcPct val="150000"/>
+              </a:lnSpc>
+              <a:buClr>
+                <a:srgbClr val="00B0F0"/>
+              </a:buClr>
+              <a:buSzPct val="80000"/>
+              <a:buFont typeface="System Font Regular"/>
+              <a:buChar char="■"/>
+            </a:pPr>
+            <a:r>
+              <a:rPr lang="en-US" sz="2400" dirty="0">
+                <a:solidFill>
+                  <a:srgbClr val="FF0000"/>
+                </a:solidFill>
+                <a:latin typeface="Times New Roman" panose="02020603050405020304" pitchFamily="18" charset="0"/>
+                <a:cs typeface="Times New Roman" panose="02020603050405020304" pitchFamily="18" charset="0"/>
+              </a:rPr>
+              <a:t>The algorithm is having trouble navigating a wide overlapping feature space</a:t>
+            </a:r>
+          </a:p>
+        </p:txBody>
+      </p:sp>
+      <p:pic>
+        <p:nvPicPr>
+          <p:cNvPr id="7" name="Picture 6">
+            <a:extLst>
+              <a:ext uri="{FF2B5EF4-FFF2-40B4-BE49-F238E27FC236}">
+                <a16:creationId xmlns:a16="http://schemas.microsoft.com/office/drawing/2014/main" id="{88EC0F74-9BE5-C749-BE0E-54A455267D89}"/>
+              </a:ext>
+            </a:extLst>
+          </p:cNvPr>
+          <p:cNvPicPr>
+            <a:picLocks noChangeAspect="1"/>
+          </p:cNvPicPr>
+          <p:nvPr/>
+        </p:nvPicPr>
+        <p:blipFill>
+          <a:blip r:embed="rId2"/>
+          <a:stretch>
+            <a:fillRect/>
+          </a:stretch>
+        </p:blipFill>
+        <p:spPr>
+          <a:xfrm>
+            <a:off x="548640" y="1229684"/>
+            <a:ext cx="10972800" cy="3015620"/>
+          </a:xfrm>
+          <a:prstGeom prst="rect">
+            <a:avLst/>
+          </a:prstGeom>
+        </p:spPr>
+      </p:pic>
+    </p:spTree>
+    <p:extLst>
+      <p:ext uri="{BB962C8B-B14F-4D97-AF65-F5344CB8AC3E}">
+        <p14:creationId xmlns:p14="http://schemas.microsoft.com/office/powerpoint/2010/main" val="2845348696"/>
+      </p:ext>
+    </p:extLst>
+  </p:cSld>
+  <p:clrMapOvr>
+    <a:masterClrMapping/>
+  </p:clrMapOvr>
+</p:sld>
+</file>
+
+<file path=ppt/slides/slide16.xml><?xml version="1.0" encoding="utf-8"?>
+<p:sld xmlns:a="http://schemas.openxmlformats.org/drawingml/2006/main" xmlns:r="http://schemas.openxmlformats.org/officeDocument/2006/relationships" xmlns:p="http://schemas.openxmlformats.org/presentationml/2006/main">
+  <p:cSld>
+    <p:spTree>
+      <p:nvGrpSpPr>
+        <p:cNvPr id="1" name=""/>
+        <p:cNvGrpSpPr/>
+        <p:nvPr/>
+      </p:nvGrpSpPr>
+      <p:grpSpPr>
+        <a:xfrm>
+          <a:off x="0" y="0"/>
+          <a:ext cx="0" cy="0"/>
+          <a:chOff x="0" y="0"/>
+          <a:chExt cx="0" cy="0"/>
+        </a:xfrm>
+      </p:grpSpPr>
+      <p:sp>
+        <p:nvSpPr>
+          <p:cNvPr id="2" name="Title 1">
+            <a:extLst>
+              <a:ext uri="{FF2B5EF4-FFF2-40B4-BE49-F238E27FC236}">
+                <a16:creationId xmlns:a16="http://schemas.microsoft.com/office/drawing/2014/main" id="{D9A47469-9438-1945-94B4-6A4B029B720C}"/>
+              </a:ext>
+            </a:extLst>
+          </p:cNvPr>
+          <p:cNvSpPr>
+            <a:spLocks noGrp="1"/>
+          </p:cNvSpPr>
+          <p:nvPr>
+            <p:ph type="ctrTitle"/>
+          </p:nvPr>
+        </p:nvSpPr>
+        <p:spPr>
+          <a:xfrm>
+            <a:off x="609600" y="809033"/>
+            <a:ext cx="9144000" cy="661091"/>
+          </a:xfrm>
+        </p:spPr>
+        <p:txBody>
+          <a:bodyPr>
+            <a:normAutofit fontScale="90000"/>
+          </a:bodyPr>
+          <a:lstStyle/>
+          <a:p>
+            <a:pPr algn="l"/>
+            <a:r>
+              <a:rPr lang="en-US" sz="3600" dirty="0">
+                <a:solidFill>
+                  <a:srgbClr val="00B0F0"/>
+                </a:solidFill>
+                <a:latin typeface="Rockwell" panose="02060603020205020403" pitchFamily="18" charset="77"/>
+              </a:rPr>
+              <a:t>Synthetic Minority Oversampling Technique (SMOTE)</a:t>
+            </a:r>
+          </a:p>
+        </p:txBody>
+      </p:sp>
+      <p:cxnSp>
+        <p:nvCxnSpPr>
+          <p:cNvPr id="5" name="Straight Connector 4">
+            <a:extLst>
+              <a:ext uri="{FF2B5EF4-FFF2-40B4-BE49-F238E27FC236}">
+                <a16:creationId xmlns:a16="http://schemas.microsoft.com/office/drawing/2014/main" id="{9C26EC1A-5618-D846-A862-C14C2EF9DF82}"/>
+              </a:ext>
+            </a:extLst>
+          </p:cNvPr>
+          <p:cNvCxnSpPr>
+            <a:cxnSpLocks/>
+          </p:cNvCxnSpPr>
+          <p:nvPr/>
+        </p:nvCxnSpPr>
+        <p:spPr>
+          <a:xfrm>
+            <a:off x="609600" y="426720"/>
+            <a:ext cx="10972800" cy="0"/>
+          </a:xfrm>
+          <a:prstGeom prst="line">
+            <a:avLst/>
+          </a:prstGeom>
+          <a:ln w="38100"/>
+        </p:spPr>
+        <p:style>
+          <a:lnRef idx="3">
+            <a:schemeClr val="accent3"/>
+          </a:lnRef>
+          <a:fillRef idx="0">
+            <a:schemeClr val="accent3"/>
+          </a:fillRef>
+          <a:effectRef idx="2">
+            <a:schemeClr val="accent3"/>
+          </a:effectRef>
+          <a:fontRef idx="minor">
+            <a:schemeClr val="tx1"/>
+          </a:fontRef>
+        </p:style>
+      </p:cxnSp>
+      <p:sp>
+        <p:nvSpPr>
+          <p:cNvPr id="8" name="TextBox 7">
+            <a:extLst>
+              <a:ext uri="{FF2B5EF4-FFF2-40B4-BE49-F238E27FC236}">
+                <a16:creationId xmlns:a16="http://schemas.microsoft.com/office/drawing/2014/main" id="{21244BD2-DA35-574F-9E27-B16959EACE4F}"/>
+              </a:ext>
+            </a:extLst>
+          </p:cNvPr>
+          <p:cNvSpPr txBox="1"/>
+          <p:nvPr/>
+        </p:nvSpPr>
+        <p:spPr>
+          <a:xfrm>
+            <a:off x="548640" y="72905"/>
+            <a:ext cx="3416769" cy="307777"/>
+          </a:xfrm>
+          <a:prstGeom prst="rect">
+            <a:avLst/>
+          </a:prstGeom>
+          <a:noFill/>
+        </p:spPr>
+        <p:txBody>
+          <a:bodyPr wrap="none" rtlCol="0">
+            <a:spAutoFit/>
+          </a:bodyPr>
+          <a:lstStyle/>
+          <a:p>
+            <a:r>
+              <a:rPr lang="en-US" sz="1400" dirty="0">
+                <a:solidFill>
+                  <a:schemeClr val="accent1">
+                    <a:lumMod val="60000"/>
+                    <a:lumOff val="40000"/>
+                  </a:schemeClr>
+                </a:solidFill>
+                <a:latin typeface="Rockwell" panose="02060603020205020403" pitchFamily="18" charset="77"/>
+              </a:rPr>
+              <a:t>Springboard Capstone Two Presentation</a:t>
+            </a:r>
+          </a:p>
+        </p:txBody>
+      </p:sp>
+      <p:sp>
+        <p:nvSpPr>
+          <p:cNvPr id="11" name="Rectangle 10">
+            <a:extLst>
+              <a:ext uri="{FF2B5EF4-FFF2-40B4-BE49-F238E27FC236}">
+                <a16:creationId xmlns:a16="http://schemas.microsoft.com/office/drawing/2014/main" id="{07DC0434-BCDE-884C-840F-ECEBB701E763}"/>
+              </a:ext>
+            </a:extLst>
+          </p:cNvPr>
+          <p:cNvSpPr/>
+          <p:nvPr/>
+        </p:nvSpPr>
+        <p:spPr>
+          <a:xfrm>
+            <a:off x="474215" y="2145013"/>
+            <a:ext cx="5213063" cy="3903954"/>
+          </a:xfrm>
+          <a:prstGeom prst="rect">
+            <a:avLst/>
+          </a:prstGeom>
+        </p:spPr>
+        <p:txBody>
+          <a:bodyPr wrap="square">
+            <a:spAutoFit/>
+          </a:bodyPr>
+          <a:lstStyle/>
+          <a:p>
+            <a:pPr marL="342900" indent="-342900">
+              <a:lnSpc>
+                <a:spcPct val="150000"/>
+              </a:lnSpc>
+              <a:buClr>
+                <a:srgbClr val="00B0F0"/>
+              </a:buClr>
+              <a:buSzPct val="80000"/>
+              <a:buFont typeface="System Font Regular"/>
+              <a:buChar char="■"/>
+            </a:pPr>
+            <a:r>
+              <a:rPr lang="en-US" sz="2400" dirty="0">
+                <a:latin typeface="Times New Roman" panose="02020603050405020304" pitchFamily="18" charset="0"/>
+                <a:cs typeface="Times New Roman" panose="02020603050405020304" pitchFamily="18" charset="0"/>
+              </a:rPr>
+              <a:t>Based on the nearest neighbor and efficient interpolation, synthetic minority data samples are generated</a:t>
+            </a:r>
+          </a:p>
+          <a:p>
+            <a:pPr marL="342900" indent="-342900">
+              <a:lnSpc>
+                <a:spcPct val="150000"/>
+              </a:lnSpc>
+              <a:buClr>
+                <a:srgbClr val="00B0F0"/>
+              </a:buClr>
+              <a:buSzPct val="80000"/>
+              <a:buFont typeface="System Font Regular"/>
+              <a:buChar char="■"/>
+            </a:pPr>
+            <a:r>
+              <a:rPr lang="en-US" sz="2400" dirty="0">
+                <a:latin typeface="Times New Roman" panose="02020603050405020304" pitchFamily="18" charset="0"/>
+                <a:cs typeface="Times New Roman" panose="02020603050405020304" pitchFamily="18" charset="0"/>
+              </a:rPr>
+              <a:t>In contrast, ENN (edited nearest neighbor) artificially removes samples of majority class, resulting in oversampling.</a:t>
+            </a:r>
+          </a:p>
+        </p:txBody>
+      </p:sp>
+      <p:pic>
+        <p:nvPicPr>
+          <p:cNvPr id="4" name="Picture 3">
+            <a:extLst>
+              <a:ext uri="{FF2B5EF4-FFF2-40B4-BE49-F238E27FC236}">
+                <a16:creationId xmlns:a16="http://schemas.microsoft.com/office/drawing/2014/main" id="{84E56CDB-BC29-9D45-8CC0-4A97F481D874}"/>
+              </a:ext>
+            </a:extLst>
+          </p:cNvPr>
+          <p:cNvPicPr>
+            <a:picLocks noChangeAspect="1"/>
+          </p:cNvPicPr>
+          <p:nvPr/>
+        </p:nvPicPr>
+        <p:blipFill>
+          <a:blip r:embed="rId2"/>
+          <a:stretch>
+            <a:fillRect/>
+          </a:stretch>
+        </p:blipFill>
+        <p:spPr>
+          <a:xfrm>
+            <a:off x="5966541" y="2487970"/>
+            <a:ext cx="6044205" cy="2929589"/>
+          </a:xfrm>
+          <a:prstGeom prst="rect">
+            <a:avLst/>
+          </a:prstGeom>
+        </p:spPr>
+      </p:pic>
+      <p:sp>
+        <p:nvSpPr>
+          <p:cNvPr id="9" name="Rectangle 8">
+            <a:extLst>
+              <a:ext uri="{FF2B5EF4-FFF2-40B4-BE49-F238E27FC236}">
+                <a16:creationId xmlns:a16="http://schemas.microsoft.com/office/drawing/2014/main" id="{0802EE83-87D9-6C43-9CBF-F898E6321E28}"/>
+              </a:ext>
+            </a:extLst>
+          </p:cNvPr>
+          <p:cNvSpPr/>
+          <p:nvPr/>
+        </p:nvSpPr>
+        <p:spPr>
+          <a:xfrm>
+            <a:off x="6196273" y="5511002"/>
+            <a:ext cx="5521512" cy="369332"/>
+          </a:xfrm>
+          <a:prstGeom prst="rect">
+            <a:avLst/>
+          </a:prstGeom>
+        </p:spPr>
+        <p:txBody>
+          <a:bodyPr wrap="none">
+            <a:spAutoFit/>
+          </a:bodyPr>
+          <a:lstStyle/>
+          <a:p>
+            <a:r>
+              <a:rPr lang="en-US" dirty="0">
+                <a:solidFill>
+                  <a:schemeClr val="tx1">
+                    <a:lumMod val="50000"/>
+                  </a:schemeClr>
+                </a:solidFill>
+                <a:latin typeface="Times New Roman" panose="02020603050405020304" pitchFamily="18" charset="0"/>
+                <a:cs typeface="Times New Roman" panose="02020603050405020304" pitchFamily="18" charset="0"/>
+              </a:rPr>
+              <a:t>Image credit: https://</a:t>
+            </a:r>
+            <a:r>
+              <a:rPr lang="en-US" dirty="0" err="1">
+                <a:solidFill>
+                  <a:schemeClr val="tx1">
+                    <a:lumMod val="50000"/>
+                  </a:schemeClr>
+                </a:solidFill>
+                <a:latin typeface="Times New Roman" panose="02020603050405020304" pitchFamily="18" charset="0"/>
+                <a:cs typeface="Times New Roman" panose="02020603050405020304" pitchFamily="18" charset="0"/>
+              </a:rPr>
+              <a:t>www.mdpi.com</a:t>
+            </a:r>
+            <a:r>
+              <a:rPr lang="en-US" dirty="0">
+                <a:solidFill>
+                  <a:schemeClr val="tx1">
+                    <a:lumMod val="50000"/>
+                  </a:schemeClr>
+                </a:solidFill>
+                <a:latin typeface="Times New Roman" panose="02020603050405020304" pitchFamily="18" charset="0"/>
+                <a:cs typeface="Times New Roman" panose="02020603050405020304" pitchFamily="18" charset="0"/>
+              </a:rPr>
+              <a:t>/2072-4292/11/7/846</a:t>
+            </a:r>
+            <a:endParaRPr lang="en-US" dirty="0">
+              <a:solidFill>
+                <a:schemeClr val="tx1">
+                  <a:lumMod val="50000"/>
+                </a:schemeClr>
+              </a:solidFill>
+            </a:endParaRPr>
+          </a:p>
+        </p:txBody>
+      </p:sp>
+    </p:spTree>
+    <p:extLst>
+      <p:ext uri="{BB962C8B-B14F-4D97-AF65-F5344CB8AC3E}">
+        <p14:creationId xmlns:p14="http://schemas.microsoft.com/office/powerpoint/2010/main" val="1880805920"/>
+      </p:ext>
+    </p:extLst>
+  </p:cSld>
+  <p:clrMapOvr>
+    <a:masterClrMapping/>
+  </p:clrMapOvr>
+</p:sld>
+</file>
+
+<file path=ppt/slides/slide17.xml><?xml version="1.0" encoding="utf-8"?>
+<p:sld xmlns:a="http://schemas.openxmlformats.org/drawingml/2006/main" xmlns:r="http://schemas.openxmlformats.org/officeDocument/2006/relationships" xmlns:p="http://schemas.openxmlformats.org/presentationml/2006/main">
+  <p:cSld>
+    <p:spTree>
+      <p:nvGrpSpPr>
+        <p:cNvPr id="1" name=""/>
+        <p:cNvGrpSpPr/>
+        <p:nvPr/>
+      </p:nvGrpSpPr>
+      <p:grpSpPr>
+        <a:xfrm>
+          <a:off x="0" y="0"/>
+          <a:ext cx="0" cy="0"/>
+          <a:chOff x="0" y="0"/>
+          <a:chExt cx="0" cy="0"/>
+        </a:xfrm>
+      </p:grpSpPr>
+      <p:sp>
+        <p:nvSpPr>
+          <p:cNvPr id="2" name="Title 1">
+            <a:extLst>
+              <a:ext uri="{FF2B5EF4-FFF2-40B4-BE49-F238E27FC236}">
+                <a16:creationId xmlns:a16="http://schemas.microsoft.com/office/drawing/2014/main" id="{D9A47469-9438-1945-94B4-6A4B029B720C}"/>
+              </a:ext>
+            </a:extLst>
+          </p:cNvPr>
+          <p:cNvSpPr>
+            <a:spLocks noGrp="1"/>
+          </p:cNvSpPr>
+          <p:nvPr>
+            <p:ph type="ctrTitle"/>
+          </p:nvPr>
+        </p:nvSpPr>
+        <p:spPr>
+          <a:xfrm>
+            <a:off x="609600" y="809033"/>
+            <a:ext cx="9144000" cy="661091"/>
+          </a:xfrm>
+        </p:spPr>
+        <p:txBody>
+          <a:bodyPr>
+            <a:normAutofit fontScale="90000"/>
+          </a:bodyPr>
+          <a:lstStyle/>
+          <a:p>
+            <a:pPr algn="l"/>
+            <a:r>
+              <a:rPr lang="en-US" sz="3600" dirty="0">
+                <a:solidFill>
+                  <a:srgbClr val="00B0F0"/>
+                </a:solidFill>
+                <a:latin typeface="Rockwell" panose="02060603020205020403" pitchFamily="18" charset="77"/>
+              </a:rPr>
+              <a:t>Synthetic Minority Oversampling Technique (SMOTE)</a:t>
+            </a:r>
+          </a:p>
+        </p:txBody>
+      </p:sp>
+      <p:cxnSp>
+        <p:nvCxnSpPr>
+          <p:cNvPr id="5" name="Straight Connector 4">
+            <a:extLst>
+              <a:ext uri="{FF2B5EF4-FFF2-40B4-BE49-F238E27FC236}">
+                <a16:creationId xmlns:a16="http://schemas.microsoft.com/office/drawing/2014/main" id="{9C26EC1A-5618-D846-A862-C14C2EF9DF82}"/>
+              </a:ext>
+            </a:extLst>
+          </p:cNvPr>
+          <p:cNvCxnSpPr>
+            <a:cxnSpLocks/>
+          </p:cNvCxnSpPr>
+          <p:nvPr/>
+        </p:nvCxnSpPr>
+        <p:spPr>
+          <a:xfrm>
+            <a:off x="609600" y="426720"/>
+            <a:ext cx="10972800" cy="0"/>
+          </a:xfrm>
+          <a:prstGeom prst="line">
+            <a:avLst/>
+          </a:prstGeom>
+          <a:ln w="38100"/>
+        </p:spPr>
+        <p:style>
+          <a:lnRef idx="3">
+            <a:schemeClr val="accent3"/>
+          </a:lnRef>
+          <a:fillRef idx="0">
+            <a:schemeClr val="accent3"/>
+          </a:fillRef>
+          <a:effectRef idx="2">
+            <a:schemeClr val="accent3"/>
+          </a:effectRef>
+          <a:fontRef idx="minor">
+            <a:schemeClr val="tx1"/>
+          </a:fontRef>
+        </p:style>
+      </p:cxnSp>
+      <p:sp>
+        <p:nvSpPr>
+          <p:cNvPr id="8" name="TextBox 7">
+            <a:extLst>
+              <a:ext uri="{FF2B5EF4-FFF2-40B4-BE49-F238E27FC236}">
+                <a16:creationId xmlns:a16="http://schemas.microsoft.com/office/drawing/2014/main" id="{21244BD2-DA35-574F-9E27-B16959EACE4F}"/>
+              </a:ext>
+            </a:extLst>
+          </p:cNvPr>
+          <p:cNvSpPr txBox="1"/>
+          <p:nvPr/>
+        </p:nvSpPr>
+        <p:spPr>
+          <a:xfrm>
+            <a:off x="548640" y="72905"/>
+            <a:ext cx="3416769" cy="307777"/>
+          </a:xfrm>
+          <a:prstGeom prst="rect">
+            <a:avLst/>
+          </a:prstGeom>
+          <a:noFill/>
+        </p:spPr>
+        <p:txBody>
+          <a:bodyPr wrap="none" rtlCol="0">
+            <a:spAutoFit/>
+          </a:bodyPr>
+          <a:lstStyle/>
+          <a:p>
+            <a:r>
+              <a:rPr lang="en-US" sz="1400" dirty="0">
+                <a:solidFill>
+                  <a:schemeClr val="accent1">
+                    <a:lumMod val="60000"/>
+                    <a:lumOff val="40000"/>
+                  </a:schemeClr>
+                </a:solidFill>
+                <a:latin typeface="Rockwell" panose="02060603020205020403" pitchFamily="18" charset="77"/>
+              </a:rPr>
+              <a:t>Springboard Capstone Two Presentation</a:t>
+            </a:r>
+          </a:p>
+        </p:txBody>
+      </p:sp>
+      <p:sp>
+        <p:nvSpPr>
+          <p:cNvPr id="11" name="Rectangle 10">
+            <a:extLst>
+              <a:ext uri="{FF2B5EF4-FFF2-40B4-BE49-F238E27FC236}">
+                <a16:creationId xmlns:a16="http://schemas.microsoft.com/office/drawing/2014/main" id="{07DC0434-BCDE-884C-840F-ECEBB701E763}"/>
+              </a:ext>
+            </a:extLst>
+          </p:cNvPr>
+          <p:cNvSpPr/>
+          <p:nvPr/>
+        </p:nvSpPr>
+        <p:spPr>
+          <a:xfrm>
+            <a:off x="548640" y="4906023"/>
+            <a:ext cx="10188186" cy="1133965"/>
+          </a:xfrm>
+          <a:prstGeom prst="rect">
+            <a:avLst/>
+          </a:prstGeom>
+        </p:spPr>
+        <p:txBody>
+          <a:bodyPr wrap="square">
+            <a:spAutoFit/>
+          </a:bodyPr>
+          <a:lstStyle/>
+          <a:p>
+            <a:pPr algn="ctr">
+              <a:lnSpc>
+                <a:spcPct val="150000"/>
+              </a:lnSpc>
+              <a:buClr>
+                <a:srgbClr val="00B0F0"/>
+              </a:buClr>
+              <a:buSzPct val="80000"/>
+            </a:pPr>
+            <a:r>
+              <a:rPr lang="en-US" sz="2400" dirty="0">
+                <a:latin typeface="Times New Roman" panose="02020603050405020304" pitchFamily="18" charset="0"/>
+                <a:cs typeface="Times New Roman" panose="02020603050405020304" pitchFamily="18" charset="0"/>
+              </a:rPr>
+              <a:t>With SMOTEENN, two well defined cluster has been formed by over sampling the minority class and under sampling the majority class in the low PCA region</a:t>
+            </a:r>
+          </a:p>
+        </p:txBody>
+      </p:sp>
+      <p:pic>
+        <p:nvPicPr>
+          <p:cNvPr id="6" name="Picture 5">
+            <a:extLst>
+              <a:ext uri="{FF2B5EF4-FFF2-40B4-BE49-F238E27FC236}">
+                <a16:creationId xmlns:a16="http://schemas.microsoft.com/office/drawing/2014/main" id="{0C13305B-E48B-A24D-A90D-6974127A8D33}"/>
+              </a:ext>
+            </a:extLst>
+          </p:cNvPr>
+          <p:cNvPicPr>
+            <a:picLocks noChangeAspect="1"/>
+          </p:cNvPicPr>
+          <p:nvPr/>
+        </p:nvPicPr>
+        <p:blipFill>
+          <a:blip r:embed="rId2"/>
+          <a:stretch>
+            <a:fillRect/>
+          </a:stretch>
+        </p:blipFill>
+        <p:spPr>
+          <a:xfrm>
+            <a:off x="6096000" y="1733813"/>
+            <a:ext cx="4572000" cy="3048000"/>
+          </a:xfrm>
+          <a:prstGeom prst="rect">
+            <a:avLst/>
+          </a:prstGeom>
+        </p:spPr>
+      </p:pic>
+      <p:pic>
+        <p:nvPicPr>
+          <p:cNvPr id="10" name="Picture 9">
+            <a:extLst>
+              <a:ext uri="{FF2B5EF4-FFF2-40B4-BE49-F238E27FC236}">
+                <a16:creationId xmlns:a16="http://schemas.microsoft.com/office/drawing/2014/main" id="{8534EF51-E045-564A-8CC2-E84673B55155}"/>
+              </a:ext>
+            </a:extLst>
+          </p:cNvPr>
+          <p:cNvPicPr>
+            <a:picLocks noChangeAspect="1"/>
+          </p:cNvPicPr>
+          <p:nvPr/>
+        </p:nvPicPr>
+        <p:blipFill>
+          <a:blip r:embed="rId3"/>
+          <a:stretch>
+            <a:fillRect/>
+          </a:stretch>
+        </p:blipFill>
+        <p:spPr>
+          <a:xfrm>
+            <a:off x="609600" y="1664987"/>
+            <a:ext cx="4572000" cy="3048000"/>
+          </a:xfrm>
+          <a:prstGeom prst="rect">
+            <a:avLst/>
+          </a:prstGeom>
+        </p:spPr>
+      </p:pic>
+    </p:spTree>
+    <p:extLst>
+      <p:ext uri="{BB962C8B-B14F-4D97-AF65-F5344CB8AC3E}">
+        <p14:creationId xmlns:p14="http://schemas.microsoft.com/office/powerpoint/2010/main" val="2033753084"/>
+      </p:ext>
+    </p:extLst>
+  </p:cSld>
+  <p:clrMapOvr>
+    <a:masterClrMapping/>
+  </p:clrMapOvr>
+</p:sld>
+</file>
+
+<file path=ppt/slides/slide18.xml><?xml version="1.0" encoding="utf-8"?>
+<p:sld xmlns:a="http://schemas.openxmlformats.org/drawingml/2006/main" xmlns:r="http://schemas.openxmlformats.org/officeDocument/2006/relationships" xmlns:p="http://schemas.openxmlformats.org/presentationml/2006/main">
+  <p:cSld>
+    <p:spTree>
+      <p:nvGrpSpPr>
+        <p:cNvPr id="1" name=""/>
+        <p:cNvGrpSpPr/>
+        <p:nvPr/>
+      </p:nvGrpSpPr>
+      <p:grpSpPr>
+        <a:xfrm>
+          <a:off x="0" y="0"/>
+          <a:ext cx="0" cy="0"/>
+          <a:chOff x="0" y="0"/>
+          <a:chExt cx="0" cy="0"/>
+        </a:xfrm>
+      </p:grpSpPr>
+      <p:sp>
+        <p:nvSpPr>
+          <p:cNvPr id="2" name="Title 1">
+            <a:extLst>
+              <a:ext uri="{FF2B5EF4-FFF2-40B4-BE49-F238E27FC236}">
+                <a16:creationId xmlns:a16="http://schemas.microsoft.com/office/drawing/2014/main" id="{D9A47469-9438-1945-94B4-6A4B029B720C}"/>
+              </a:ext>
+            </a:extLst>
+          </p:cNvPr>
+          <p:cNvSpPr>
+            <a:spLocks noGrp="1"/>
+          </p:cNvSpPr>
+          <p:nvPr>
+            <p:ph type="ctrTitle"/>
+          </p:nvPr>
+        </p:nvSpPr>
+        <p:spPr>
+          <a:xfrm>
+            <a:off x="609600" y="809033"/>
+            <a:ext cx="9144000" cy="661091"/>
+          </a:xfrm>
+        </p:spPr>
+        <p:txBody>
+          <a:bodyPr>
+            <a:normAutofit fontScale="90000"/>
+          </a:bodyPr>
+          <a:lstStyle/>
+          <a:p>
+            <a:pPr algn="l"/>
+            <a:r>
+              <a:rPr lang="en-US" sz="3600" dirty="0">
+                <a:solidFill>
+                  <a:srgbClr val="00B0F0"/>
+                </a:solidFill>
+                <a:latin typeface="Rockwell" panose="02060603020205020403" pitchFamily="18" charset="77"/>
+              </a:rPr>
+              <a:t>Synthetic Minority Oversampling Technique (SMOTE)</a:t>
+            </a:r>
+          </a:p>
+        </p:txBody>
+      </p:sp>
+      <p:cxnSp>
+        <p:nvCxnSpPr>
+          <p:cNvPr id="5" name="Straight Connector 4">
+            <a:extLst>
+              <a:ext uri="{FF2B5EF4-FFF2-40B4-BE49-F238E27FC236}">
+                <a16:creationId xmlns:a16="http://schemas.microsoft.com/office/drawing/2014/main" id="{9C26EC1A-5618-D846-A862-C14C2EF9DF82}"/>
+              </a:ext>
+            </a:extLst>
+          </p:cNvPr>
+          <p:cNvCxnSpPr>
+            <a:cxnSpLocks/>
+          </p:cNvCxnSpPr>
+          <p:nvPr/>
+        </p:nvCxnSpPr>
+        <p:spPr>
+          <a:xfrm>
+            <a:off x="609600" y="426720"/>
+            <a:ext cx="10972800" cy="0"/>
+          </a:xfrm>
+          <a:prstGeom prst="line">
+            <a:avLst/>
+          </a:prstGeom>
+          <a:ln w="38100"/>
+        </p:spPr>
+        <p:style>
+          <a:lnRef idx="3">
+            <a:schemeClr val="accent3"/>
+          </a:lnRef>
+          <a:fillRef idx="0">
+            <a:schemeClr val="accent3"/>
+          </a:fillRef>
+          <a:effectRef idx="2">
+            <a:schemeClr val="accent3"/>
+          </a:effectRef>
+          <a:fontRef idx="minor">
+            <a:schemeClr val="tx1"/>
+          </a:fontRef>
+        </p:style>
+      </p:cxnSp>
+      <p:sp>
+        <p:nvSpPr>
+          <p:cNvPr id="8" name="TextBox 7">
+            <a:extLst>
+              <a:ext uri="{FF2B5EF4-FFF2-40B4-BE49-F238E27FC236}">
+                <a16:creationId xmlns:a16="http://schemas.microsoft.com/office/drawing/2014/main" id="{21244BD2-DA35-574F-9E27-B16959EACE4F}"/>
+              </a:ext>
+            </a:extLst>
+          </p:cNvPr>
+          <p:cNvSpPr txBox="1"/>
+          <p:nvPr/>
+        </p:nvSpPr>
+        <p:spPr>
+          <a:xfrm>
+            <a:off x="548640" y="72905"/>
+            <a:ext cx="3416769" cy="307777"/>
+          </a:xfrm>
+          <a:prstGeom prst="rect">
+            <a:avLst/>
+          </a:prstGeom>
+          <a:noFill/>
+        </p:spPr>
+        <p:txBody>
+          <a:bodyPr wrap="none" rtlCol="0">
+            <a:spAutoFit/>
+          </a:bodyPr>
+          <a:lstStyle/>
+          <a:p>
+            <a:r>
+              <a:rPr lang="en-US" sz="1400" dirty="0">
+                <a:solidFill>
+                  <a:schemeClr val="accent1">
+                    <a:lumMod val="60000"/>
+                    <a:lumOff val="40000"/>
+                  </a:schemeClr>
+                </a:solidFill>
+                <a:latin typeface="Rockwell" panose="02060603020205020403" pitchFamily="18" charset="77"/>
+              </a:rPr>
+              <a:t>Springboard Capstone Two Presentation</a:t>
+            </a:r>
+          </a:p>
+        </p:txBody>
+      </p:sp>
+      <p:pic>
+        <p:nvPicPr>
+          <p:cNvPr id="4" name="Picture 3">
+            <a:extLst>
+              <a:ext uri="{FF2B5EF4-FFF2-40B4-BE49-F238E27FC236}">
+                <a16:creationId xmlns:a16="http://schemas.microsoft.com/office/drawing/2014/main" id="{D92E73BD-A3F3-314A-AB55-F7DAEB9F3ACA}"/>
+              </a:ext>
+            </a:extLst>
+          </p:cNvPr>
+          <p:cNvPicPr>
+            <a:picLocks noChangeAspect="1"/>
+          </p:cNvPicPr>
+          <p:nvPr/>
+        </p:nvPicPr>
+        <p:blipFill>
+          <a:blip r:embed="rId2"/>
+          <a:stretch>
+            <a:fillRect/>
+          </a:stretch>
+        </p:blipFill>
+        <p:spPr>
+          <a:xfrm>
+            <a:off x="6479457" y="1139578"/>
+            <a:ext cx="5614219" cy="3609140"/>
+          </a:xfrm>
+          <a:prstGeom prst="rect">
+            <a:avLst/>
+          </a:prstGeom>
+        </p:spPr>
+      </p:pic>
+      <p:pic>
+        <p:nvPicPr>
+          <p:cNvPr id="9" name="Picture 8">
+            <a:extLst>
+              <a:ext uri="{FF2B5EF4-FFF2-40B4-BE49-F238E27FC236}">
+                <a16:creationId xmlns:a16="http://schemas.microsoft.com/office/drawing/2014/main" id="{94F5C125-C9E9-D84D-9F2A-5FC014E2B007}"/>
+              </a:ext>
+            </a:extLst>
+          </p:cNvPr>
+          <p:cNvPicPr>
+            <a:picLocks noChangeAspect="1"/>
+          </p:cNvPicPr>
+          <p:nvPr/>
+        </p:nvPicPr>
+        <p:blipFill>
+          <a:blip r:embed="rId3"/>
+          <a:stretch>
+            <a:fillRect/>
+          </a:stretch>
+        </p:blipFill>
+        <p:spPr>
+          <a:xfrm>
+            <a:off x="469982" y="4599654"/>
+            <a:ext cx="7315200" cy="2111156"/>
+          </a:xfrm>
+          <a:prstGeom prst="rect">
+            <a:avLst/>
+          </a:prstGeom>
+        </p:spPr>
+      </p:pic>
+      <p:sp>
+        <p:nvSpPr>
+          <p:cNvPr id="12" name="Rectangle 11">
+            <a:extLst>
+              <a:ext uri="{FF2B5EF4-FFF2-40B4-BE49-F238E27FC236}">
+                <a16:creationId xmlns:a16="http://schemas.microsoft.com/office/drawing/2014/main" id="{710A891A-48AA-B744-A1A0-327142841D26}"/>
+              </a:ext>
+            </a:extLst>
+          </p:cNvPr>
+          <p:cNvSpPr/>
+          <p:nvPr/>
+        </p:nvSpPr>
+        <p:spPr>
+          <a:xfrm>
+            <a:off x="700357" y="1686819"/>
+            <a:ext cx="5614219" cy="2795958"/>
+          </a:xfrm>
+          <a:prstGeom prst="rect">
+            <a:avLst/>
+          </a:prstGeom>
+        </p:spPr>
+        <p:txBody>
+          <a:bodyPr wrap="square">
+            <a:spAutoFit/>
+          </a:bodyPr>
+          <a:lstStyle/>
+          <a:p>
+            <a:pPr algn="ctr">
+              <a:lnSpc>
+                <a:spcPct val="150000"/>
+              </a:lnSpc>
+              <a:buClr>
+                <a:srgbClr val="00B0F0"/>
+              </a:buClr>
+              <a:buSzPct val="80000"/>
+            </a:pPr>
+            <a:r>
+              <a:rPr lang="en-US" sz="2400" dirty="0">
+                <a:latin typeface="Times New Roman" panose="02020603050405020304" pitchFamily="18" charset="0"/>
+                <a:cs typeface="Times New Roman" panose="02020603050405020304" pitchFamily="18" charset="0"/>
+              </a:rPr>
+              <a:t>The performance is not much better than the supervised learning on the labelled dataset only. Next, we will try to perform hyperparameter optimization to improve the performance of SMOTEENN. </a:t>
+            </a:r>
+          </a:p>
+        </p:txBody>
+      </p:sp>
+    </p:spTree>
+    <p:extLst>
+      <p:ext uri="{BB962C8B-B14F-4D97-AF65-F5344CB8AC3E}">
+        <p14:creationId xmlns:p14="http://schemas.microsoft.com/office/powerpoint/2010/main" val="2439388652"/>
+      </p:ext>
+    </p:extLst>
+  </p:cSld>
+  <p:clrMapOvr>
+    <a:masterClrMapping/>
+  </p:clrMapOvr>
+</p:sld>
+</file>
+
+<file path=ppt/slides/slide19.xml><?xml version="1.0" encoding="utf-8"?>
+<p:sld xmlns:a="http://schemas.openxmlformats.org/drawingml/2006/main" xmlns:r="http://schemas.openxmlformats.org/officeDocument/2006/relationships" xmlns:p="http://schemas.openxmlformats.org/presentationml/2006/main">
+  <p:cSld>
+    <p:spTree>
+      <p:nvGrpSpPr>
+        <p:cNvPr id="1" name=""/>
+        <p:cNvGrpSpPr/>
+        <p:nvPr/>
+      </p:nvGrpSpPr>
+      <p:grpSpPr>
+        <a:xfrm>
+          <a:off x="0" y="0"/>
+          <a:ext cx="0" cy="0"/>
+          <a:chOff x="0" y="0"/>
+          <a:chExt cx="0" cy="0"/>
+        </a:xfrm>
+      </p:grpSpPr>
+      <p:sp>
+        <p:nvSpPr>
+          <p:cNvPr id="2" name="Title 1">
+            <a:extLst>
+              <a:ext uri="{FF2B5EF4-FFF2-40B4-BE49-F238E27FC236}">
+                <a16:creationId xmlns:a16="http://schemas.microsoft.com/office/drawing/2014/main" id="{D9A47469-9438-1945-94B4-6A4B029B720C}"/>
+              </a:ext>
+            </a:extLst>
+          </p:cNvPr>
+          <p:cNvSpPr>
+            <a:spLocks noGrp="1"/>
+          </p:cNvSpPr>
+          <p:nvPr>
+            <p:ph type="ctrTitle"/>
+          </p:nvPr>
+        </p:nvSpPr>
+        <p:spPr>
+          <a:xfrm>
+            <a:off x="609600" y="809033"/>
+            <a:ext cx="9144000" cy="661091"/>
+          </a:xfrm>
+        </p:spPr>
+        <p:txBody>
+          <a:bodyPr>
+            <a:normAutofit/>
+          </a:bodyPr>
+          <a:lstStyle/>
+          <a:p>
+            <a:pPr algn="l"/>
+            <a:r>
+              <a:rPr lang="en-US" sz="3600" dirty="0">
+                <a:solidFill>
+                  <a:srgbClr val="00B0F0"/>
+                </a:solidFill>
+                <a:latin typeface="Rockwell" panose="02060603020205020403" pitchFamily="18" charset="77"/>
+              </a:rPr>
+              <a:t>Hyperparameter Optimization</a:t>
+            </a:r>
+          </a:p>
+        </p:txBody>
+      </p:sp>
+      <p:cxnSp>
+        <p:nvCxnSpPr>
+          <p:cNvPr id="5" name="Straight Connector 4">
+            <a:extLst>
+              <a:ext uri="{FF2B5EF4-FFF2-40B4-BE49-F238E27FC236}">
+                <a16:creationId xmlns:a16="http://schemas.microsoft.com/office/drawing/2014/main" id="{9C26EC1A-5618-D846-A862-C14C2EF9DF82}"/>
+              </a:ext>
+            </a:extLst>
+          </p:cNvPr>
+          <p:cNvCxnSpPr>
+            <a:cxnSpLocks/>
+          </p:cNvCxnSpPr>
+          <p:nvPr/>
+        </p:nvCxnSpPr>
+        <p:spPr>
+          <a:xfrm>
+            <a:off x="609600" y="426720"/>
+            <a:ext cx="10972800" cy="0"/>
+          </a:xfrm>
+          <a:prstGeom prst="line">
+            <a:avLst/>
+          </a:prstGeom>
+          <a:ln w="38100"/>
+        </p:spPr>
+        <p:style>
+          <a:lnRef idx="3">
+            <a:schemeClr val="accent3"/>
+          </a:lnRef>
+          <a:fillRef idx="0">
+            <a:schemeClr val="accent3"/>
+          </a:fillRef>
+          <a:effectRef idx="2">
+            <a:schemeClr val="accent3"/>
+          </a:effectRef>
+          <a:fontRef idx="minor">
+            <a:schemeClr val="tx1"/>
+          </a:fontRef>
+        </p:style>
+      </p:cxnSp>
+      <p:sp>
+        <p:nvSpPr>
+          <p:cNvPr id="8" name="TextBox 7">
+            <a:extLst>
+              <a:ext uri="{FF2B5EF4-FFF2-40B4-BE49-F238E27FC236}">
+                <a16:creationId xmlns:a16="http://schemas.microsoft.com/office/drawing/2014/main" id="{21244BD2-DA35-574F-9E27-B16959EACE4F}"/>
+              </a:ext>
+            </a:extLst>
+          </p:cNvPr>
+          <p:cNvSpPr txBox="1"/>
+          <p:nvPr/>
+        </p:nvSpPr>
+        <p:spPr>
+          <a:xfrm>
+            <a:off x="548640" y="72905"/>
+            <a:ext cx="3416769" cy="307777"/>
+          </a:xfrm>
+          <a:prstGeom prst="rect">
+            <a:avLst/>
+          </a:prstGeom>
+          <a:noFill/>
+        </p:spPr>
+        <p:txBody>
+          <a:bodyPr wrap="none" rtlCol="0">
+            <a:spAutoFit/>
+          </a:bodyPr>
+          <a:lstStyle/>
+          <a:p>
+            <a:r>
+              <a:rPr lang="en-US" sz="1400" dirty="0">
+                <a:solidFill>
+                  <a:schemeClr val="accent1">
+                    <a:lumMod val="60000"/>
+                    <a:lumOff val="40000"/>
+                  </a:schemeClr>
+                </a:solidFill>
+                <a:latin typeface="Rockwell" panose="02060603020205020403" pitchFamily="18" charset="77"/>
+              </a:rPr>
+              <a:t>Springboard Capstone Two Presentation</a:t>
+            </a:r>
+          </a:p>
+        </p:txBody>
+      </p:sp>
+      <p:sp>
+        <p:nvSpPr>
+          <p:cNvPr id="10" name="Rectangle 9">
+            <a:extLst>
+              <a:ext uri="{FF2B5EF4-FFF2-40B4-BE49-F238E27FC236}">
+                <a16:creationId xmlns:a16="http://schemas.microsoft.com/office/drawing/2014/main" id="{8D3BF30C-BCEC-AB48-9581-2FE28A717C75}"/>
+              </a:ext>
+            </a:extLst>
+          </p:cNvPr>
+          <p:cNvSpPr/>
+          <p:nvPr/>
+        </p:nvSpPr>
+        <p:spPr>
+          <a:xfrm>
+            <a:off x="739686" y="1741891"/>
+            <a:ext cx="10972800" cy="3349956"/>
+          </a:xfrm>
+          <a:prstGeom prst="rect">
+            <a:avLst/>
+          </a:prstGeom>
+        </p:spPr>
+        <p:txBody>
+          <a:bodyPr wrap="square">
+            <a:spAutoFit/>
+          </a:bodyPr>
+          <a:lstStyle/>
+          <a:p>
+            <a:pPr marL="285750" indent="-285750">
+              <a:lnSpc>
+                <a:spcPct val="150000"/>
+              </a:lnSpc>
+              <a:buFont typeface="Wingdings" pitchFamily="2" charset="2"/>
+              <a:buChar char="§"/>
+            </a:pPr>
+            <a:r>
+              <a:rPr lang="en-US" sz="2400" dirty="0" err="1">
+                <a:latin typeface="Times New Roman" panose="02020603050405020304" pitchFamily="18" charset="0"/>
+                <a:cs typeface="Times New Roman" panose="02020603050405020304" pitchFamily="18" charset="0"/>
+              </a:rPr>
+              <a:t>AdaBoostClassifier</a:t>
+            </a:r>
+            <a:r>
+              <a:rPr lang="en-US" sz="2400" dirty="0">
+                <a:latin typeface="Times New Roman" panose="02020603050405020304" pitchFamily="18" charset="0"/>
+                <a:cs typeface="Times New Roman" panose="02020603050405020304" pitchFamily="18" charset="0"/>
+              </a:rPr>
+              <a:t> (</a:t>
+            </a:r>
+            <a:r>
+              <a:rPr lang="en-US" sz="2400" dirty="0" err="1">
+                <a:latin typeface="Times New Roman" panose="02020603050405020304" pitchFamily="18" charset="0"/>
+                <a:cs typeface="Times New Roman" panose="02020603050405020304" pitchFamily="18" charset="0"/>
+              </a:rPr>
+              <a:t>GridSearchCV</a:t>
+            </a:r>
+            <a:r>
+              <a:rPr lang="en-US" sz="2400" dirty="0">
+                <a:latin typeface="Times New Roman" panose="02020603050405020304" pitchFamily="18" charset="0"/>
+                <a:cs typeface="Times New Roman" panose="02020603050405020304" pitchFamily="18" charset="0"/>
+              </a:rPr>
+              <a:t>): </a:t>
+            </a:r>
+            <a:r>
+              <a:rPr lang="en-US" sz="2400" dirty="0" err="1">
+                <a:latin typeface="Times New Roman" panose="02020603050405020304" pitchFamily="18" charset="0"/>
+                <a:cs typeface="Times New Roman" panose="02020603050405020304" pitchFamily="18" charset="0"/>
+              </a:rPr>
+              <a:t>learning_rate</a:t>
+            </a:r>
+            <a:r>
+              <a:rPr lang="en-US" sz="2400" dirty="0">
+                <a:latin typeface="Times New Roman" panose="02020603050405020304" pitchFamily="18" charset="0"/>
+                <a:cs typeface="Times New Roman" panose="02020603050405020304" pitchFamily="18" charset="0"/>
+              </a:rPr>
+              <a:t>, </a:t>
+            </a:r>
+            <a:r>
+              <a:rPr lang="en-US" sz="2400" dirty="0" err="1">
+                <a:latin typeface="Times New Roman" panose="02020603050405020304" pitchFamily="18" charset="0"/>
+                <a:cs typeface="Times New Roman" panose="02020603050405020304" pitchFamily="18" charset="0"/>
+              </a:rPr>
+              <a:t>n_estimators</a:t>
+            </a:r>
+            <a:r>
+              <a:rPr lang="en-US" sz="2400" dirty="0">
+                <a:latin typeface="Times New Roman" panose="02020603050405020304" pitchFamily="18" charset="0"/>
+                <a:cs typeface="Times New Roman" panose="02020603050405020304" pitchFamily="18" charset="0"/>
+              </a:rPr>
+              <a:t> , </a:t>
+            </a:r>
+            <a:r>
+              <a:rPr lang="en-US" sz="2400" dirty="0" err="1">
+                <a:latin typeface="Times New Roman" panose="02020603050405020304" pitchFamily="18" charset="0"/>
+                <a:cs typeface="Times New Roman" panose="02020603050405020304" pitchFamily="18" charset="0"/>
+              </a:rPr>
+              <a:t>base_estimator</a:t>
+            </a:r>
+            <a:endParaRPr lang="en-US" sz="2400" dirty="0">
+              <a:latin typeface="Times New Roman" panose="02020603050405020304" pitchFamily="18" charset="0"/>
+              <a:cs typeface="Times New Roman" panose="02020603050405020304" pitchFamily="18" charset="0"/>
+            </a:endParaRPr>
+          </a:p>
+          <a:p>
+            <a:pPr marL="285750" indent="-285750">
+              <a:lnSpc>
+                <a:spcPct val="150000"/>
+              </a:lnSpc>
+              <a:buFont typeface="Wingdings" pitchFamily="2" charset="2"/>
+              <a:buChar char="§"/>
+            </a:pPr>
+            <a:r>
+              <a:rPr lang="en-US" sz="2400" dirty="0" err="1">
+                <a:latin typeface="Times New Roman" panose="02020603050405020304" pitchFamily="18" charset="0"/>
+                <a:cs typeface="Times New Roman" panose="02020603050405020304" pitchFamily="18" charset="0"/>
+              </a:rPr>
+              <a:t>DecisionTreeClassifier</a:t>
+            </a:r>
+            <a:r>
+              <a:rPr lang="en-US" sz="2400" dirty="0">
+                <a:latin typeface="Times New Roman" panose="02020603050405020304" pitchFamily="18" charset="0"/>
+                <a:cs typeface="Times New Roman" panose="02020603050405020304" pitchFamily="18" charset="0"/>
+              </a:rPr>
+              <a:t> (</a:t>
+            </a:r>
+            <a:r>
+              <a:rPr lang="en-US" sz="2400" dirty="0" err="1">
+                <a:latin typeface="Times New Roman" panose="02020603050405020304" pitchFamily="18" charset="0"/>
+                <a:cs typeface="Times New Roman" panose="02020603050405020304" pitchFamily="18" charset="0"/>
+              </a:rPr>
+              <a:t>GridSearchCV</a:t>
+            </a:r>
+            <a:r>
+              <a:rPr lang="en-US" sz="2400" dirty="0">
+                <a:latin typeface="Times New Roman" panose="02020603050405020304" pitchFamily="18" charset="0"/>
+                <a:cs typeface="Times New Roman" panose="02020603050405020304" pitchFamily="18" charset="0"/>
+              </a:rPr>
+              <a:t>): </a:t>
+            </a:r>
+            <a:r>
+              <a:rPr lang="en-US" sz="2400" dirty="0" err="1">
+                <a:latin typeface="Times New Roman" panose="02020603050405020304" pitchFamily="18" charset="0"/>
+                <a:cs typeface="Times New Roman" panose="02020603050405020304" pitchFamily="18" charset="0"/>
+              </a:rPr>
+              <a:t>max_depth</a:t>
+            </a:r>
+            <a:r>
+              <a:rPr lang="en-US" sz="2400" dirty="0">
+                <a:latin typeface="Times New Roman" panose="02020603050405020304" pitchFamily="18" charset="0"/>
+                <a:cs typeface="Times New Roman" panose="02020603050405020304" pitchFamily="18" charset="0"/>
+              </a:rPr>
+              <a:t>, </a:t>
+            </a:r>
+            <a:r>
+              <a:rPr lang="en-US" sz="2400" dirty="0" err="1">
+                <a:latin typeface="Times New Roman" panose="02020603050405020304" pitchFamily="18" charset="0"/>
+                <a:cs typeface="Times New Roman" panose="02020603050405020304" pitchFamily="18" charset="0"/>
+              </a:rPr>
+              <a:t>min_samples_split</a:t>
+            </a:r>
+            <a:r>
+              <a:rPr lang="en-US" sz="2400" dirty="0">
+                <a:latin typeface="Times New Roman" panose="02020603050405020304" pitchFamily="18" charset="0"/>
+                <a:cs typeface="Times New Roman" panose="02020603050405020304" pitchFamily="18" charset="0"/>
+              </a:rPr>
+              <a:t>, </a:t>
+            </a:r>
+            <a:r>
+              <a:rPr lang="en-US" sz="2400" dirty="0" err="1">
+                <a:latin typeface="Times New Roman" panose="02020603050405020304" pitchFamily="18" charset="0"/>
+                <a:cs typeface="Times New Roman" panose="02020603050405020304" pitchFamily="18" charset="0"/>
+              </a:rPr>
+              <a:t>max_features</a:t>
+            </a:r>
+            <a:endParaRPr lang="en-US" sz="2400" dirty="0">
+              <a:latin typeface="Times New Roman" panose="02020603050405020304" pitchFamily="18" charset="0"/>
+              <a:cs typeface="Times New Roman" panose="02020603050405020304" pitchFamily="18" charset="0"/>
+            </a:endParaRPr>
+          </a:p>
+          <a:p>
+            <a:pPr marL="285750" indent="-285750">
+              <a:lnSpc>
+                <a:spcPct val="150000"/>
+              </a:lnSpc>
+              <a:buFont typeface="Wingdings" pitchFamily="2" charset="2"/>
+              <a:buChar char="§"/>
+            </a:pPr>
+            <a:r>
+              <a:rPr lang="en-US" sz="2400" dirty="0" err="1">
+                <a:latin typeface="Times New Roman" panose="02020603050405020304" pitchFamily="18" charset="0"/>
+                <a:cs typeface="Times New Roman" panose="02020603050405020304" pitchFamily="18" charset="0"/>
+              </a:rPr>
+              <a:t>XGBClassifier</a:t>
+            </a:r>
+            <a:r>
+              <a:rPr lang="en-US" sz="2400" dirty="0">
+                <a:latin typeface="Times New Roman" panose="02020603050405020304" pitchFamily="18" charset="0"/>
+                <a:cs typeface="Times New Roman" panose="02020603050405020304" pitchFamily="18" charset="0"/>
+              </a:rPr>
+              <a:t> (Bayesian optimization): </a:t>
+            </a:r>
+            <a:r>
+              <a:rPr lang="en-US" sz="2400" dirty="0" err="1">
+                <a:latin typeface="Times New Roman" panose="02020603050405020304" pitchFamily="18" charset="0"/>
+                <a:cs typeface="Times New Roman" panose="02020603050405020304" pitchFamily="18" charset="0"/>
+              </a:rPr>
+              <a:t>n_estimators</a:t>
+            </a:r>
+            <a:r>
+              <a:rPr lang="en-US" sz="2400" dirty="0">
+                <a:latin typeface="Times New Roman" panose="02020603050405020304" pitchFamily="18" charset="0"/>
+                <a:cs typeface="Times New Roman" panose="02020603050405020304" pitchFamily="18" charset="0"/>
+              </a:rPr>
+              <a:t>, </a:t>
+            </a:r>
+            <a:r>
+              <a:rPr lang="en-US" sz="2400" dirty="0" err="1">
+                <a:latin typeface="Times New Roman" panose="02020603050405020304" pitchFamily="18" charset="0"/>
+                <a:cs typeface="Times New Roman" panose="02020603050405020304" pitchFamily="18" charset="0"/>
+              </a:rPr>
+              <a:t>max_depth</a:t>
+            </a:r>
+            <a:r>
+              <a:rPr lang="en-US" sz="2400" dirty="0">
+                <a:latin typeface="Times New Roman" panose="02020603050405020304" pitchFamily="18" charset="0"/>
+                <a:cs typeface="Times New Roman" panose="02020603050405020304" pitchFamily="18" charset="0"/>
+              </a:rPr>
+              <a:t>, </a:t>
+            </a:r>
+            <a:r>
+              <a:rPr lang="en-US" sz="2400" dirty="0" err="1">
+                <a:latin typeface="Times New Roman" panose="02020603050405020304" pitchFamily="18" charset="0"/>
+                <a:cs typeface="Times New Roman" panose="02020603050405020304" pitchFamily="18" charset="0"/>
+              </a:rPr>
+              <a:t>reg_alpha</a:t>
+            </a:r>
+            <a:r>
+              <a:rPr lang="en-US" sz="2400" dirty="0">
+                <a:latin typeface="Times New Roman" panose="02020603050405020304" pitchFamily="18" charset="0"/>
+                <a:cs typeface="Times New Roman" panose="02020603050405020304" pitchFamily="18" charset="0"/>
+              </a:rPr>
+              <a:t>, </a:t>
+            </a:r>
+            <a:r>
+              <a:rPr lang="en-US" sz="2400" dirty="0" err="1">
+                <a:latin typeface="Times New Roman" panose="02020603050405020304" pitchFamily="18" charset="0"/>
+                <a:cs typeface="Times New Roman" panose="02020603050405020304" pitchFamily="18" charset="0"/>
+              </a:rPr>
+              <a:t>reg_lambda</a:t>
+            </a:r>
+            <a:r>
+              <a:rPr lang="en-US" sz="2400" dirty="0">
+                <a:latin typeface="Times New Roman" panose="02020603050405020304" pitchFamily="18" charset="0"/>
+                <a:cs typeface="Times New Roman" panose="02020603050405020304" pitchFamily="18" charset="0"/>
+              </a:rPr>
+              <a:t>, eta, gamma, subsample, </a:t>
+            </a:r>
+            <a:r>
+              <a:rPr lang="en-US" sz="2400" dirty="0" err="1">
+                <a:latin typeface="Times New Roman" panose="02020603050405020304" pitchFamily="18" charset="0"/>
+                <a:cs typeface="Times New Roman" panose="02020603050405020304" pitchFamily="18" charset="0"/>
+              </a:rPr>
+              <a:t>colsample_bytree</a:t>
+            </a:r>
+            <a:endParaRPr lang="en-US" sz="2400" dirty="0">
+              <a:latin typeface="Times New Roman" panose="02020603050405020304" pitchFamily="18" charset="0"/>
+              <a:cs typeface="Times New Roman" panose="02020603050405020304" pitchFamily="18" charset="0"/>
+            </a:endParaRPr>
+          </a:p>
+        </p:txBody>
+      </p:sp>
+      <p:sp>
+        <p:nvSpPr>
+          <p:cNvPr id="11" name="Rectangle 10">
+            <a:extLst>
+              <a:ext uri="{FF2B5EF4-FFF2-40B4-BE49-F238E27FC236}">
+                <a16:creationId xmlns:a16="http://schemas.microsoft.com/office/drawing/2014/main" id="{E6B1D06E-F821-D141-B8AC-C585295688F7}"/>
+              </a:ext>
+            </a:extLst>
+          </p:cNvPr>
+          <p:cNvSpPr/>
+          <p:nvPr/>
+        </p:nvSpPr>
+        <p:spPr>
+          <a:xfrm>
+            <a:off x="1460089" y="4812685"/>
+            <a:ext cx="9040762" cy="1687963"/>
+          </a:xfrm>
+          <a:prstGeom prst="rect">
+            <a:avLst/>
+          </a:prstGeom>
+        </p:spPr>
+        <p:txBody>
+          <a:bodyPr wrap="square">
+            <a:spAutoFit/>
+          </a:bodyPr>
+          <a:lstStyle/>
+          <a:p>
+            <a:pPr algn="ctr">
+              <a:lnSpc>
+                <a:spcPct val="150000"/>
+              </a:lnSpc>
+              <a:buClr>
+                <a:srgbClr val="00B0F0"/>
+              </a:buClr>
+              <a:buSzPct val="80000"/>
+            </a:pPr>
+            <a:r>
+              <a:rPr lang="en-US" sz="2400" dirty="0">
+                <a:solidFill>
+                  <a:schemeClr val="accent6">
+                    <a:lumMod val="60000"/>
+                    <a:lumOff val="40000"/>
+                  </a:schemeClr>
+                </a:solidFill>
+                <a:latin typeface="Times New Roman" panose="02020603050405020304" pitchFamily="18" charset="0"/>
+                <a:cs typeface="Times New Roman" panose="02020603050405020304" pitchFamily="18" charset="0"/>
+              </a:rPr>
+              <a:t>Hyperparameter optimization didn’t improve performance much. It seems like, I need to invest more time into tuning the supervised learning hyperparameter to improve the performance</a:t>
+            </a:r>
+          </a:p>
+        </p:txBody>
+      </p:sp>
+    </p:spTree>
+    <p:extLst>
+      <p:ext uri="{BB962C8B-B14F-4D97-AF65-F5344CB8AC3E}">
+        <p14:creationId xmlns:p14="http://schemas.microsoft.com/office/powerpoint/2010/main" val="3670379483"/>
       </p:ext>
     </p:extLst>
   </p:cSld>
@@ -5072,6 +7366,312 @@
     <p:extLst>
       <p:ext uri="{BB962C8B-B14F-4D97-AF65-F5344CB8AC3E}">
         <p14:creationId xmlns:p14="http://schemas.microsoft.com/office/powerpoint/2010/main" val="2717139168"/>
+      </p:ext>
+    </p:extLst>
+  </p:cSld>
+  <p:clrMapOvr>
+    <a:masterClrMapping/>
+  </p:clrMapOvr>
+</p:sld>
+</file>
+
+<file path=ppt/slides/slide20.xml><?xml version="1.0" encoding="utf-8"?>
+<p:sld xmlns:a="http://schemas.openxmlformats.org/drawingml/2006/main" xmlns:r="http://schemas.openxmlformats.org/officeDocument/2006/relationships" xmlns:p="http://schemas.openxmlformats.org/presentationml/2006/main">
+  <p:cSld>
+    <p:spTree>
+      <p:nvGrpSpPr>
+        <p:cNvPr id="1" name=""/>
+        <p:cNvGrpSpPr/>
+        <p:nvPr/>
+      </p:nvGrpSpPr>
+      <p:grpSpPr>
+        <a:xfrm>
+          <a:off x="0" y="0"/>
+          <a:ext cx="0" cy="0"/>
+          <a:chOff x="0" y="0"/>
+          <a:chExt cx="0" cy="0"/>
+        </a:xfrm>
+      </p:grpSpPr>
+      <p:sp>
+        <p:nvSpPr>
+          <p:cNvPr id="2" name="Title 1">
+            <a:extLst>
+              <a:ext uri="{FF2B5EF4-FFF2-40B4-BE49-F238E27FC236}">
+                <a16:creationId xmlns:a16="http://schemas.microsoft.com/office/drawing/2014/main" id="{D9A47469-9438-1945-94B4-6A4B029B720C}"/>
+              </a:ext>
+            </a:extLst>
+          </p:cNvPr>
+          <p:cNvSpPr>
+            <a:spLocks noGrp="1"/>
+          </p:cNvSpPr>
+          <p:nvPr>
+            <p:ph type="ctrTitle"/>
+          </p:nvPr>
+        </p:nvSpPr>
+        <p:spPr>
+          <a:xfrm>
+            <a:off x="609600" y="437546"/>
+            <a:ext cx="9144000" cy="661091"/>
+          </a:xfrm>
+        </p:spPr>
+        <p:txBody>
+          <a:bodyPr>
+            <a:normAutofit/>
+          </a:bodyPr>
+          <a:lstStyle/>
+          <a:p>
+            <a:pPr algn="l"/>
+            <a:r>
+              <a:rPr lang="en-US" sz="3600" dirty="0">
+                <a:solidFill>
+                  <a:srgbClr val="00B0F0"/>
+                </a:solidFill>
+                <a:latin typeface="Rockwell" panose="02060603020205020403" pitchFamily="18" charset="77"/>
+              </a:rPr>
+              <a:t>Conclusion</a:t>
+            </a:r>
+          </a:p>
+        </p:txBody>
+      </p:sp>
+      <p:cxnSp>
+        <p:nvCxnSpPr>
+          <p:cNvPr id="5" name="Straight Connector 4">
+            <a:extLst>
+              <a:ext uri="{FF2B5EF4-FFF2-40B4-BE49-F238E27FC236}">
+                <a16:creationId xmlns:a16="http://schemas.microsoft.com/office/drawing/2014/main" id="{9C26EC1A-5618-D846-A862-C14C2EF9DF82}"/>
+              </a:ext>
+            </a:extLst>
+          </p:cNvPr>
+          <p:cNvCxnSpPr>
+            <a:cxnSpLocks/>
+          </p:cNvCxnSpPr>
+          <p:nvPr/>
+        </p:nvCxnSpPr>
+        <p:spPr>
+          <a:xfrm>
+            <a:off x="609600" y="426720"/>
+            <a:ext cx="10972800" cy="0"/>
+          </a:xfrm>
+          <a:prstGeom prst="line">
+            <a:avLst/>
+          </a:prstGeom>
+          <a:ln w="38100"/>
+        </p:spPr>
+        <p:style>
+          <a:lnRef idx="3">
+            <a:schemeClr val="accent3"/>
+          </a:lnRef>
+          <a:fillRef idx="0">
+            <a:schemeClr val="accent3"/>
+          </a:fillRef>
+          <a:effectRef idx="2">
+            <a:schemeClr val="accent3"/>
+          </a:effectRef>
+          <a:fontRef idx="minor">
+            <a:schemeClr val="tx1"/>
+          </a:fontRef>
+        </p:style>
+      </p:cxnSp>
+      <p:sp>
+        <p:nvSpPr>
+          <p:cNvPr id="8" name="TextBox 7">
+            <a:extLst>
+              <a:ext uri="{FF2B5EF4-FFF2-40B4-BE49-F238E27FC236}">
+                <a16:creationId xmlns:a16="http://schemas.microsoft.com/office/drawing/2014/main" id="{21244BD2-DA35-574F-9E27-B16959EACE4F}"/>
+              </a:ext>
+            </a:extLst>
+          </p:cNvPr>
+          <p:cNvSpPr txBox="1"/>
+          <p:nvPr/>
+        </p:nvSpPr>
+        <p:spPr>
+          <a:xfrm>
+            <a:off x="548640" y="72905"/>
+            <a:ext cx="3416769" cy="307777"/>
+          </a:xfrm>
+          <a:prstGeom prst="rect">
+            <a:avLst/>
+          </a:prstGeom>
+          <a:noFill/>
+        </p:spPr>
+        <p:txBody>
+          <a:bodyPr wrap="none" rtlCol="0">
+            <a:spAutoFit/>
+          </a:bodyPr>
+          <a:lstStyle/>
+          <a:p>
+            <a:r>
+              <a:rPr lang="en-US" sz="1400" dirty="0">
+                <a:solidFill>
+                  <a:schemeClr val="accent1">
+                    <a:lumMod val="60000"/>
+                    <a:lumOff val="40000"/>
+                  </a:schemeClr>
+                </a:solidFill>
+                <a:latin typeface="Rockwell" panose="02060603020205020403" pitchFamily="18" charset="77"/>
+              </a:rPr>
+              <a:t>Springboard Capstone Two Presentation</a:t>
+            </a:r>
+          </a:p>
+        </p:txBody>
+      </p:sp>
+      <p:sp>
+        <p:nvSpPr>
+          <p:cNvPr id="11" name="Rectangle 10">
+            <a:extLst>
+              <a:ext uri="{FF2B5EF4-FFF2-40B4-BE49-F238E27FC236}">
+                <a16:creationId xmlns:a16="http://schemas.microsoft.com/office/drawing/2014/main" id="{07DC0434-BCDE-884C-840F-ECEBB701E763}"/>
+              </a:ext>
+            </a:extLst>
+          </p:cNvPr>
+          <p:cNvSpPr/>
+          <p:nvPr/>
+        </p:nvSpPr>
+        <p:spPr>
+          <a:xfrm>
+            <a:off x="548640" y="1405927"/>
+            <a:ext cx="11033760" cy="3349956"/>
+          </a:xfrm>
+          <a:prstGeom prst="rect">
+            <a:avLst/>
+          </a:prstGeom>
+        </p:spPr>
+        <p:txBody>
+          <a:bodyPr wrap="square">
+            <a:spAutoFit/>
+          </a:bodyPr>
+          <a:lstStyle/>
+          <a:p>
+            <a:pPr marL="342900" indent="-342900">
+              <a:lnSpc>
+                <a:spcPct val="150000"/>
+              </a:lnSpc>
+              <a:buClr>
+                <a:srgbClr val="00B0F0"/>
+              </a:buClr>
+              <a:buSzPct val="80000"/>
+              <a:buFont typeface="System Font Regular"/>
+              <a:buChar char="■"/>
+            </a:pPr>
+            <a:r>
+              <a:rPr lang="en-US" sz="2400" dirty="0">
+                <a:latin typeface="Times New Roman" panose="02020603050405020304" pitchFamily="18" charset="0"/>
+                <a:cs typeface="Times New Roman" panose="02020603050405020304" pitchFamily="18" charset="0"/>
+              </a:rPr>
+              <a:t>Out of all the approach, Supervised learning with just the labelled data performed better than other approaches</a:t>
+            </a:r>
+          </a:p>
+          <a:p>
+            <a:pPr marL="342900" indent="-342900">
+              <a:lnSpc>
+                <a:spcPct val="150000"/>
+              </a:lnSpc>
+              <a:buClr>
+                <a:srgbClr val="00B0F0"/>
+              </a:buClr>
+              <a:buSzPct val="80000"/>
+              <a:buFont typeface="System Font Regular"/>
+              <a:buChar char="■"/>
+            </a:pPr>
+            <a:r>
+              <a:rPr lang="en-US" sz="2400" dirty="0">
+                <a:latin typeface="Times New Roman" panose="02020603050405020304" pitchFamily="18" charset="0"/>
+                <a:cs typeface="Times New Roman" panose="02020603050405020304" pitchFamily="18" charset="0"/>
+              </a:rPr>
+              <a:t>For real data analytics, investing more time into labeling data will be crucial to make more reliable model</a:t>
+            </a:r>
+          </a:p>
+          <a:p>
+            <a:pPr>
+              <a:lnSpc>
+                <a:spcPct val="150000"/>
+              </a:lnSpc>
+              <a:buClr>
+                <a:srgbClr val="00B0F0"/>
+              </a:buClr>
+              <a:buSzPct val="80000"/>
+            </a:pPr>
+            <a:endParaRPr lang="en-US" sz="2400" dirty="0">
+              <a:latin typeface="Times New Roman" panose="02020603050405020304" pitchFamily="18" charset="0"/>
+              <a:cs typeface="Times New Roman" panose="02020603050405020304" pitchFamily="18" charset="0"/>
+            </a:endParaRPr>
+          </a:p>
+          <a:p>
+            <a:pPr>
+              <a:lnSpc>
+                <a:spcPct val="150000"/>
+              </a:lnSpc>
+              <a:buClr>
+                <a:srgbClr val="00B0F0"/>
+              </a:buClr>
+              <a:buSzPct val="80000"/>
+            </a:pPr>
+            <a:r>
+              <a:rPr lang="en-US" sz="2400" dirty="0">
+                <a:latin typeface="Times New Roman" panose="02020603050405020304" pitchFamily="18" charset="0"/>
+                <a:cs typeface="Times New Roman" panose="02020603050405020304" pitchFamily="18" charset="0"/>
+              </a:rPr>
+              <a:t>Acknowledgement: Prasad Seemakurthi (Data Scientist, Navi Ltd.)</a:t>
+            </a:r>
+          </a:p>
+        </p:txBody>
+      </p:sp>
+      <p:sp>
+        <p:nvSpPr>
+          <p:cNvPr id="6" name="Rectangle 5">
+            <a:extLst>
+              <a:ext uri="{FF2B5EF4-FFF2-40B4-BE49-F238E27FC236}">
+                <a16:creationId xmlns:a16="http://schemas.microsoft.com/office/drawing/2014/main" id="{98E4EE09-E923-A643-A50A-4C403FBE4E3E}"/>
+              </a:ext>
+            </a:extLst>
+          </p:cNvPr>
+          <p:cNvSpPr/>
+          <p:nvPr/>
+        </p:nvSpPr>
+        <p:spPr>
+          <a:xfrm>
+            <a:off x="1430593" y="5373123"/>
+            <a:ext cx="9040762" cy="905056"/>
+          </a:xfrm>
+          <a:prstGeom prst="rect">
+            <a:avLst/>
+          </a:prstGeom>
+        </p:spPr>
+        <p:txBody>
+          <a:bodyPr wrap="square">
+            <a:spAutoFit/>
+          </a:bodyPr>
+          <a:lstStyle/>
+          <a:p>
+            <a:pPr algn="ctr">
+              <a:lnSpc>
+                <a:spcPct val="150000"/>
+              </a:lnSpc>
+              <a:buClr>
+                <a:srgbClr val="00B0F0"/>
+              </a:buClr>
+              <a:buSzPct val="80000"/>
+            </a:pPr>
+            <a:r>
+              <a:rPr lang="en-US" sz="4400" dirty="0">
+                <a:solidFill>
+                  <a:schemeClr val="accent6">
+                    <a:lumMod val="60000"/>
+                    <a:lumOff val="40000"/>
+                  </a:schemeClr>
+                </a:solidFill>
+                <a:latin typeface="Times New Roman" panose="02020603050405020304" pitchFamily="18" charset="0"/>
+                <a:cs typeface="Times New Roman" panose="02020603050405020304" pitchFamily="18" charset="0"/>
+              </a:rPr>
+              <a:t>Thank You!</a:t>
+            </a:r>
+          </a:p>
+        </p:txBody>
+      </p:sp>
+    </p:spTree>
+    <p:extLst>
+      <p:ext uri="{BB962C8B-B14F-4D97-AF65-F5344CB8AC3E}">
+        <p14:creationId xmlns:p14="http://schemas.microsoft.com/office/powerpoint/2010/main" val="2680607238"/>
       </p:ext>
     </p:extLst>
   </p:cSld>
@@ -6590,13 +9190,13 @@
         </p:nvSpPr>
         <p:spPr>
           <a:xfrm>
-            <a:off x="609600" y="885018"/>
+            <a:off x="609600" y="437546"/>
             <a:ext cx="9144000" cy="661091"/>
           </a:xfrm>
         </p:spPr>
         <p:txBody>
           <a:bodyPr>
-            <a:normAutofit fontScale="90000"/>
+            <a:normAutofit/>
           </a:bodyPr>
           <a:lstStyle/>
           <a:p>
@@ -6608,7 +9208,7 @@
                 </a:solidFill>
                 <a:latin typeface="Rockwell" panose="02060603020205020403" pitchFamily="18" charset="77"/>
               </a:rPr>
-              <a:t>Analyze the Feasibility of Pretrained Sentiment Analyzer</a:t>
+              <a:t>Why is It a Challenging Problem</a:t>
             </a:r>
           </a:p>
         </p:txBody>
@@ -6697,10 +9297,10 @@
       </p:sp>
       <p:pic>
         <p:nvPicPr>
-          <p:cNvPr id="4" name="Picture 3">
-            <a:extLst>
-              <a:ext uri="{FF2B5EF4-FFF2-40B4-BE49-F238E27FC236}">
-                <a16:creationId xmlns:a16="http://schemas.microsoft.com/office/drawing/2014/main" id="{A22E65D3-E260-044F-BA24-C39BC846B684}"/>
+          <p:cNvPr id="7" name="Picture 6">
+            <a:extLst>
+              <a:ext uri="{FF2B5EF4-FFF2-40B4-BE49-F238E27FC236}">
+                <a16:creationId xmlns:a16="http://schemas.microsoft.com/office/drawing/2014/main" id="{C7E47EA6-BC30-B146-BB6B-8E1333BBE376}"/>
               </a:ext>
             </a:extLst>
           </p:cNvPr>
@@ -6717,8 +9317,8 @@
         </p:blipFill>
         <p:spPr>
           <a:xfrm>
-            <a:off x="868194" y="4010900"/>
-            <a:ext cx="3657600" cy="1553322"/>
+            <a:off x="4377690" y="1098637"/>
+            <a:ext cx="3436620" cy="2743200"/>
           </a:xfrm>
           <a:prstGeom prst="rect">
             <a:avLst/>
@@ -6727,10 +9327,10 @@
       </p:pic>
       <p:pic>
         <p:nvPicPr>
-          <p:cNvPr id="7" name="Picture 6">
-            <a:extLst>
-              <a:ext uri="{FF2B5EF4-FFF2-40B4-BE49-F238E27FC236}">
-                <a16:creationId xmlns:a16="http://schemas.microsoft.com/office/drawing/2014/main" id="{6D43CE36-2288-F245-B290-DD29A810BC8D}"/>
+          <p:cNvPr id="10" name="Picture 9">
+            <a:extLst>
+              <a:ext uri="{FF2B5EF4-FFF2-40B4-BE49-F238E27FC236}">
+                <a16:creationId xmlns:a16="http://schemas.microsoft.com/office/drawing/2014/main" id="{34754054-FC8D-5A4B-9C23-76F233B3FE99}"/>
               </a:ext>
             </a:extLst>
           </p:cNvPr>
@@ -6747,76 +9347,20 @@
         </p:blipFill>
         <p:spPr>
           <a:xfrm>
-            <a:off x="868194" y="1514131"/>
-            <a:ext cx="3657600" cy="2438400"/>
+            <a:off x="720090" y="1098637"/>
+            <a:ext cx="3436620" cy="2743200"/>
           </a:xfrm>
           <a:prstGeom prst="rect">
             <a:avLst/>
           </a:prstGeom>
         </p:spPr>
       </p:pic>
-      <p:sp>
-        <p:nvSpPr>
-          <p:cNvPr id="10" name="Rectangle 9">
-            <a:extLst>
-              <a:ext uri="{FF2B5EF4-FFF2-40B4-BE49-F238E27FC236}">
-                <a16:creationId xmlns:a16="http://schemas.microsoft.com/office/drawing/2014/main" id="{BF265573-186C-D445-A3D5-EA1411739AB4}"/>
-              </a:ext>
-            </a:extLst>
-          </p:cNvPr>
-          <p:cNvSpPr/>
-          <p:nvPr/>
-        </p:nvSpPr>
-        <p:spPr>
-          <a:xfrm>
-            <a:off x="868194" y="6128436"/>
-            <a:ext cx="3657600" cy="661207"/>
-          </a:xfrm>
-          <a:prstGeom prst="rect">
-            <a:avLst/>
-          </a:prstGeom>
-          <a:solidFill>
-            <a:schemeClr val="bg1">
-              <a:lumMod val="50000"/>
-              <a:lumOff val="50000"/>
-            </a:schemeClr>
-          </a:solidFill>
-          <a:ln>
-            <a:solidFill>
-              <a:srgbClr val="941651"/>
-            </a:solidFill>
-          </a:ln>
-        </p:spPr>
-        <p:txBody>
-          <a:bodyPr wrap="square">
-            <a:spAutoFit/>
-          </a:bodyPr>
-          <a:lstStyle/>
-          <a:p>
-            <a:pPr algn="ctr">
-              <a:lnSpc>
-                <a:spcPct val="150000"/>
-              </a:lnSpc>
-            </a:pPr>
-            <a:r>
-              <a:rPr lang="en-US" sz="2800" dirty="0">
-                <a:solidFill>
-                  <a:srgbClr val="002060"/>
-                </a:solidFill>
-                <a:latin typeface="Times New Roman" panose="02020603050405020304" pitchFamily="18" charset="0"/>
-                <a:cs typeface="Times New Roman" panose="02020603050405020304" pitchFamily="18" charset="0"/>
-              </a:rPr>
-              <a:t>Textblob</a:t>
-            </a:r>
-          </a:p>
-        </p:txBody>
-      </p:sp>
       <p:pic>
         <p:nvPicPr>
-          <p:cNvPr id="12" name="Picture 11">
-            <a:extLst>
-              <a:ext uri="{FF2B5EF4-FFF2-40B4-BE49-F238E27FC236}">
-                <a16:creationId xmlns:a16="http://schemas.microsoft.com/office/drawing/2014/main" id="{738B2749-F91C-B04F-BEAC-0547E83A95B7}"/>
+          <p:cNvPr id="13" name="Picture 12">
+            <a:extLst>
+              <a:ext uri="{FF2B5EF4-FFF2-40B4-BE49-F238E27FC236}">
+                <a16:creationId xmlns:a16="http://schemas.microsoft.com/office/drawing/2014/main" id="{91845066-9BC6-D247-A956-C1BEB1308CB4}"/>
               </a:ext>
             </a:extLst>
           </p:cNvPr>
@@ -6833,146 +9377,20 @@
         </p:blipFill>
         <p:spPr>
           <a:xfrm>
-            <a:off x="4664547" y="4020627"/>
-            <a:ext cx="3657600" cy="1543595"/>
+            <a:off x="720090" y="4041895"/>
+            <a:ext cx="3436620" cy="2743200"/>
           </a:xfrm>
           <a:prstGeom prst="rect">
             <a:avLst/>
           </a:prstGeom>
         </p:spPr>
       </p:pic>
-      <p:sp>
-        <p:nvSpPr>
-          <p:cNvPr id="13" name="Rectangle 12">
-            <a:extLst>
-              <a:ext uri="{FF2B5EF4-FFF2-40B4-BE49-F238E27FC236}">
-                <a16:creationId xmlns:a16="http://schemas.microsoft.com/office/drawing/2014/main" id="{2B7B95F8-E797-E44B-9DBD-5DB12863E93F}"/>
-              </a:ext>
-            </a:extLst>
-          </p:cNvPr>
-          <p:cNvSpPr/>
-          <p:nvPr/>
-        </p:nvSpPr>
-        <p:spPr>
-          <a:xfrm>
-            <a:off x="4664547" y="6133414"/>
-            <a:ext cx="3657600" cy="661207"/>
-          </a:xfrm>
-          <a:prstGeom prst="rect">
-            <a:avLst/>
-          </a:prstGeom>
-          <a:solidFill>
-            <a:schemeClr val="bg1">
-              <a:lumMod val="50000"/>
-              <a:lumOff val="50000"/>
-            </a:schemeClr>
-          </a:solidFill>
-          <a:ln>
-            <a:solidFill>
-              <a:srgbClr val="941651"/>
-            </a:solidFill>
-          </a:ln>
-        </p:spPr>
-        <p:txBody>
-          <a:bodyPr wrap="square">
-            <a:spAutoFit/>
-          </a:bodyPr>
-          <a:lstStyle/>
-          <a:p>
-            <a:pPr algn="ctr">
-              <a:lnSpc>
-                <a:spcPct val="150000"/>
-              </a:lnSpc>
-            </a:pPr>
-            <a:r>
-              <a:rPr lang="en-US" sz="2800" dirty="0">
-                <a:solidFill>
-                  <a:srgbClr val="002060"/>
-                </a:solidFill>
-                <a:latin typeface="Times New Roman" panose="02020603050405020304" pitchFamily="18" charset="0"/>
-                <a:cs typeface="Times New Roman" panose="02020603050405020304" pitchFamily="18" charset="0"/>
-              </a:rPr>
-              <a:t>Vader</a:t>
-            </a:r>
-            <a:endParaRPr lang="en-US" sz="2400" dirty="0">
-              <a:solidFill>
-                <a:srgbClr val="002060"/>
-              </a:solidFill>
-              <a:latin typeface="Times New Roman" panose="02020603050405020304" pitchFamily="18" charset="0"/>
-              <a:cs typeface="Times New Roman" panose="02020603050405020304" pitchFamily="18" charset="0"/>
-            </a:endParaRPr>
-          </a:p>
-        </p:txBody>
-      </p:sp>
-      <p:sp>
-        <p:nvSpPr>
-          <p:cNvPr id="14" name="Rectangle 13">
-            <a:extLst>
-              <a:ext uri="{FF2B5EF4-FFF2-40B4-BE49-F238E27FC236}">
-                <a16:creationId xmlns:a16="http://schemas.microsoft.com/office/drawing/2014/main" id="{4C9B3AA8-16C9-254D-97B4-98FA9EA965FB}"/>
-              </a:ext>
-            </a:extLst>
-          </p:cNvPr>
-          <p:cNvSpPr/>
-          <p:nvPr/>
-        </p:nvSpPr>
-        <p:spPr>
-          <a:xfrm>
-            <a:off x="8445366" y="6118904"/>
-            <a:ext cx="3657600" cy="661207"/>
-          </a:xfrm>
-          <a:prstGeom prst="rect">
-            <a:avLst/>
-          </a:prstGeom>
-          <a:solidFill>
-            <a:schemeClr val="bg1">
-              <a:lumMod val="50000"/>
-              <a:lumOff val="50000"/>
-            </a:schemeClr>
-          </a:solidFill>
-          <a:ln>
-            <a:solidFill>
-              <a:srgbClr val="941651"/>
-            </a:solidFill>
-          </a:ln>
-        </p:spPr>
-        <p:txBody>
-          <a:bodyPr wrap="square">
-            <a:spAutoFit/>
-          </a:bodyPr>
-          <a:lstStyle/>
-          <a:p>
-            <a:pPr algn="ctr">
-              <a:lnSpc>
-                <a:spcPct val="150000"/>
-              </a:lnSpc>
-            </a:pPr>
-            <a:r>
-              <a:rPr lang="en-US" sz="2800" dirty="0">
-                <a:solidFill>
-                  <a:srgbClr val="002060"/>
-                </a:solidFill>
-                <a:latin typeface="Times New Roman" panose="02020603050405020304" pitchFamily="18" charset="0"/>
-                <a:cs typeface="Times New Roman" panose="02020603050405020304" pitchFamily="18" charset="0"/>
-              </a:rPr>
-              <a:t>Flair</a:t>
-            </a:r>
-            <a:endParaRPr lang="en-US" sz="2400" dirty="0">
-              <a:solidFill>
-                <a:srgbClr val="002060"/>
-              </a:solidFill>
-              <a:latin typeface="Times New Roman" panose="02020603050405020304" pitchFamily="18" charset="0"/>
-              <a:cs typeface="Times New Roman" panose="02020603050405020304" pitchFamily="18" charset="0"/>
-            </a:endParaRPr>
-          </a:p>
-        </p:txBody>
-      </p:sp>
       <p:pic>
         <p:nvPicPr>
-          <p:cNvPr id="16" name="Picture 15">
-            <a:extLst>
-              <a:ext uri="{FF2B5EF4-FFF2-40B4-BE49-F238E27FC236}">
-                <a16:creationId xmlns:a16="http://schemas.microsoft.com/office/drawing/2014/main" id="{0034770C-9BF6-EF41-9BB6-D488B387C1F9}"/>
+          <p:cNvPr id="15" name="Picture 14">
+            <a:extLst>
+              <a:ext uri="{FF2B5EF4-FFF2-40B4-BE49-F238E27FC236}">
+                <a16:creationId xmlns:a16="http://schemas.microsoft.com/office/drawing/2014/main" id="{276ECA7A-4918-D645-9D22-C9D7BFE45162}"/>
               </a:ext>
             </a:extLst>
           </p:cNvPr>
@@ -6989,80 +9407,20 @@
         </p:blipFill>
         <p:spPr>
           <a:xfrm>
-            <a:off x="8399982" y="1525494"/>
-            <a:ext cx="3657600" cy="2438400"/>
+            <a:off x="4377690" y="4041895"/>
+            <a:ext cx="3436620" cy="2743200"/>
           </a:xfrm>
           <a:prstGeom prst="rect">
             <a:avLst/>
           </a:prstGeom>
         </p:spPr>
       </p:pic>
-      <p:pic>
-        <p:nvPicPr>
-          <p:cNvPr id="18" name="Picture 17">
-            <a:extLst>
-              <a:ext uri="{FF2B5EF4-FFF2-40B4-BE49-F238E27FC236}">
-                <a16:creationId xmlns:a16="http://schemas.microsoft.com/office/drawing/2014/main" id="{02EE4A94-CB5E-DE4D-AEB2-FA9578449746}"/>
-              </a:ext>
-            </a:extLst>
-          </p:cNvPr>
-          <p:cNvPicPr>
-            <a:picLocks noChangeAspect="1"/>
-          </p:cNvPicPr>
-          <p:nvPr/>
-        </p:nvPicPr>
-        <p:blipFill>
-          <a:blip r:embed="rId6"/>
-          <a:stretch>
-            <a:fillRect/>
-          </a:stretch>
-        </p:blipFill>
-        <p:spPr>
-          <a:xfrm>
-            <a:off x="4664547" y="1520527"/>
-            <a:ext cx="3657600" cy="2438400"/>
-          </a:xfrm>
-          <a:prstGeom prst="rect">
-            <a:avLst/>
-          </a:prstGeom>
-        </p:spPr>
-      </p:pic>
-      <p:pic>
-        <p:nvPicPr>
-          <p:cNvPr id="20" name="Picture 19">
-            <a:extLst>
-              <a:ext uri="{FF2B5EF4-FFF2-40B4-BE49-F238E27FC236}">
-                <a16:creationId xmlns:a16="http://schemas.microsoft.com/office/drawing/2014/main" id="{6286425E-71A0-C143-B2DD-96CD556251CC}"/>
-              </a:ext>
-            </a:extLst>
-          </p:cNvPr>
-          <p:cNvPicPr>
-            <a:picLocks noChangeAspect="1"/>
-          </p:cNvPicPr>
-          <p:nvPr/>
-        </p:nvPicPr>
-        <p:blipFill>
-          <a:blip r:embed="rId7"/>
-          <a:stretch>
-            <a:fillRect/>
-          </a:stretch>
-        </p:blipFill>
-        <p:spPr>
-          <a:xfrm>
-            <a:off x="8409019" y="4020627"/>
-            <a:ext cx="3657600" cy="1553323"/>
-          </a:xfrm>
-          <a:prstGeom prst="rect">
-            <a:avLst/>
-          </a:prstGeom>
-        </p:spPr>
-      </p:pic>
-      <p:sp>
-        <p:nvSpPr>
-          <p:cNvPr id="21" name="Rectangle 20">
-            <a:extLst>
-              <a:ext uri="{FF2B5EF4-FFF2-40B4-BE49-F238E27FC236}">
-                <a16:creationId xmlns:a16="http://schemas.microsoft.com/office/drawing/2014/main" id="{2DE56AC4-CAAC-DA43-A45D-4EBE3E7A1C95}"/>
+      <p:sp>
+        <p:nvSpPr>
+          <p:cNvPr id="16" name="Rectangle 15">
+            <a:extLst>
+              <a:ext uri="{FF2B5EF4-FFF2-40B4-BE49-F238E27FC236}">
+                <a16:creationId xmlns:a16="http://schemas.microsoft.com/office/drawing/2014/main" id="{A13D3718-D20B-EB42-A9FC-63D3FAF58F84}"/>
               </a:ext>
             </a:extLst>
           </p:cNvPr>
@@ -7071,22 +9429,12 @@
         </p:nvSpPr>
         <p:spPr>
           <a:xfrm>
-            <a:off x="884406" y="5590170"/>
-            <a:ext cx="3657600" cy="458011"/>
+            <a:off x="8427395" y="2470237"/>
+            <a:ext cx="3155005" cy="2795958"/>
           </a:xfrm>
           <a:prstGeom prst="rect">
             <a:avLst/>
           </a:prstGeom>
-          <a:solidFill>
-            <a:schemeClr val="bg2">
-              <a:lumMod val="50000"/>
-            </a:schemeClr>
-          </a:solidFill>
-          <a:ln>
-            <a:solidFill>
-              <a:schemeClr val="bg2"/>
-            </a:solidFill>
-          </a:ln>
         </p:spPr>
         <p:txBody>
           <a:bodyPr wrap="square">
@@ -7098,29 +9446,72 @@
               <a:lnSpc>
                 <a:spcPct val="150000"/>
               </a:lnSpc>
+              <a:buClr>
+                <a:srgbClr val="00B0F0"/>
+              </a:buClr>
+              <a:buSzPct val="80000"/>
             </a:pPr>
             <a:r>
-              <a:rPr lang="en-US" dirty="0">
+              <a:rPr lang="en-US" sz="2400" dirty="0">
+                <a:latin typeface="Times New Roman" panose="02020603050405020304" pitchFamily="18" charset="0"/>
+                <a:cs typeface="Times New Roman" panose="02020603050405020304" pitchFamily="18" charset="0"/>
+              </a:rPr>
+              <a:t>Significance feature space overlapping with both the count vectorizer and tfidf vectorizer approach.</a:t>
+            </a:r>
+          </a:p>
+        </p:txBody>
+      </p:sp>
+      <p:sp>
+        <p:nvSpPr>
+          <p:cNvPr id="17" name="Rectangle 16">
+            <a:extLst>
+              <a:ext uri="{FF2B5EF4-FFF2-40B4-BE49-F238E27FC236}">
+                <a16:creationId xmlns:a16="http://schemas.microsoft.com/office/drawing/2014/main" id="{A2521DAF-30DC-0B4F-BACE-0D95A56AC1CE}"/>
+              </a:ext>
+            </a:extLst>
+          </p:cNvPr>
+          <p:cNvSpPr/>
+          <p:nvPr/>
+        </p:nvSpPr>
+        <p:spPr>
+          <a:xfrm>
+            <a:off x="5649672" y="1336655"/>
+            <a:ext cx="2270558" cy="461665"/>
+          </a:xfrm>
+          <a:prstGeom prst="rect">
+            <a:avLst/>
+          </a:prstGeom>
+        </p:spPr>
+        <p:txBody>
+          <a:bodyPr wrap="none">
+            <a:spAutoFit/>
+          </a:bodyPr>
+          <a:lstStyle/>
+          <a:p>
+            <a:r>
+              <a:rPr lang="en-US" sz="2000" dirty="0">
                 <a:solidFill>
-                  <a:schemeClr val="accent4">
-                    <a:lumMod val="40000"/>
-                    <a:lumOff val="60000"/>
-                  </a:schemeClr>
+                  <a:srgbClr val="002060"/>
                 </a:solidFill>
                 <a:latin typeface="Times New Roman" panose="02020603050405020304" pitchFamily="18" charset="0"/>
                 <a:cs typeface="Times New Roman" panose="02020603050405020304" pitchFamily="18" charset="0"/>
               </a:rPr>
-              <a:t>ROC AUC: 0.72</a:t>
-            </a:r>
-          </a:p>
-        </p:txBody>
-      </p:sp>
-      <p:sp>
-        <p:nvSpPr>
-          <p:cNvPr id="22" name="Rectangle 21">
-            <a:extLst>
-              <a:ext uri="{FF2B5EF4-FFF2-40B4-BE49-F238E27FC236}">
-                <a16:creationId xmlns:a16="http://schemas.microsoft.com/office/drawing/2014/main" id="{500C5754-36B7-3E40-B482-5594BC32229A}"/>
+              <a:t>Count Vectorizer</a:t>
+            </a:r>
+            <a:endParaRPr lang="en-US" sz="2000" dirty="0">
+              <a:solidFill>
+                <a:srgbClr val="002060"/>
+              </a:solidFill>
+            </a:endParaRPr>
+          </a:p>
+        </p:txBody>
+      </p:sp>
+      <p:sp>
+        <p:nvSpPr>
+          <p:cNvPr id="18" name="Rectangle 17">
+            <a:extLst>
+              <a:ext uri="{FF2B5EF4-FFF2-40B4-BE49-F238E27FC236}">
+                <a16:creationId xmlns:a16="http://schemas.microsoft.com/office/drawing/2014/main" id="{DCCDD2DF-7CD9-9043-8CA7-4BAE54D0FEC9}"/>
               </a:ext>
             </a:extLst>
           </p:cNvPr>
@@ -7129,112 +9520,41 @@
         </p:nvSpPr>
         <p:spPr>
           <a:xfrm>
-            <a:off x="4664547" y="5583678"/>
-            <a:ext cx="3657600" cy="458011"/>
+            <a:off x="2047318" y="4272095"/>
+            <a:ext cx="1762470" cy="400110"/>
           </a:xfrm>
           <a:prstGeom prst="rect">
             <a:avLst/>
           </a:prstGeom>
-          <a:solidFill>
-            <a:schemeClr val="bg2">
-              <a:lumMod val="50000"/>
-            </a:schemeClr>
-          </a:solidFill>
-          <a:ln>
-            <a:solidFill>
-              <a:schemeClr val="bg2"/>
-            </a:solidFill>
-          </a:ln>
-        </p:spPr>
-        <p:txBody>
-          <a:bodyPr wrap="square">
+        </p:spPr>
+        <p:txBody>
+          <a:bodyPr wrap="none">
             <a:spAutoFit/>
           </a:bodyPr>
           <a:lstStyle/>
           <a:p>
-            <a:pPr algn="ctr">
-              <a:lnSpc>
-                <a:spcPct val="150000"/>
-              </a:lnSpc>
-            </a:pPr>
-            <a:r>
-              <a:rPr lang="en-US" dirty="0">
+            <a:r>
+              <a:rPr lang="en-US" sz="2000" dirty="0">
                 <a:solidFill>
-                  <a:schemeClr val="accent4">
-                    <a:lumMod val="40000"/>
-                    <a:lumOff val="60000"/>
-                  </a:schemeClr>
+                  <a:srgbClr val="002060"/>
                 </a:solidFill>
                 <a:latin typeface="Times New Roman" panose="02020603050405020304" pitchFamily="18" charset="0"/>
                 <a:cs typeface="Times New Roman" panose="02020603050405020304" pitchFamily="18" charset="0"/>
               </a:rPr>
-              <a:t>ROC AUC: 0.63</a:t>
-            </a:r>
-          </a:p>
-        </p:txBody>
-      </p:sp>
-      <p:sp>
-        <p:nvSpPr>
-          <p:cNvPr id="23" name="Rectangle 22">
-            <a:extLst>
-              <a:ext uri="{FF2B5EF4-FFF2-40B4-BE49-F238E27FC236}">
-                <a16:creationId xmlns:a16="http://schemas.microsoft.com/office/drawing/2014/main" id="{F5E48D38-FEEC-B744-9108-DA47BA2F2D74}"/>
-              </a:ext>
-            </a:extLst>
-          </p:cNvPr>
-          <p:cNvSpPr/>
-          <p:nvPr/>
-        </p:nvSpPr>
-        <p:spPr>
-          <a:xfrm>
-            <a:off x="8409019" y="5573950"/>
-            <a:ext cx="3657600" cy="458011"/>
-          </a:xfrm>
-          <a:prstGeom prst="rect">
-            <a:avLst/>
-          </a:prstGeom>
-          <a:solidFill>
-            <a:schemeClr val="bg2">
-              <a:lumMod val="50000"/>
-            </a:schemeClr>
-          </a:solidFill>
-          <a:ln>
-            <a:solidFill>
-              <a:schemeClr val="bg2"/>
-            </a:solidFill>
-          </a:ln>
-        </p:spPr>
-        <p:txBody>
-          <a:bodyPr wrap="square">
-            <a:spAutoFit/>
-          </a:bodyPr>
-          <a:lstStyle/>
-          <a:p>
-            <a:pPr algn="ctr">
-              <a:lnSpc>
-                <a:spcPct val="150000"/>
-              </a:lnSpc>
-            </a:pPr>
-            <a:r>
-              <a:rPr lang="en-US" dirty="0">
-                <a:solidFill>
-                  <a:schemeClr val="accent4">
-                    <a:lumMod val="40000"/>
-                    <a:lumOff val="60000"/>
-                  </a:schemeClr>
-                </a:solidFill>
-                <a:latin typeface="Times New Roman" panose="02020603050405020304" pitchFamily="18" charset="0"/>
-                <a:cs typeface="Times New Roman" panose="02020603050405020304" pitchFamily="18" charset="0"/>
-              </a:rPr>
-              <a:t>ROC AUC: 0.66</a:t>
-            </a:r>
+              <a:t>Tfidf Vectorizer</a:t>
+            </a:r>
+            <a:endParaRPr lang="en-US" sz="2000" dirty="0">
+              <a:solidFill>
+                <a:srgbClr val="002060"/>
+              </a:solidFill>
+            </a:endParaRPr>
           </a:p>
         </p:txBody>
       </p:sp>
     </p:spTree>
     <p:extLst>
       <p:ext uri="{BB962C8B-B14F-4D97-AF65-F5344CB8AC3E}">
-        <p14:creationId xmlns:p14="http://schemas.microsoft.com/office/powerpoint/2010/main" val="1174499118"/>
+        <p14:creationId xmlns:p14="http://schemas.microsoft.com/office/powerpoint/2010/main" val="2971551886"/>
       </p:ext>
     </p:extLst>
   </p:cSld>
@@ -7279,13 +9599,13 @@
         </p:nvSpPr>
         <p:spPr>
           <a:xfrm>
-            <a:off x="609600" y="437546"/>
+            <a:off x="609600" y="885018"/>
             <a:ext cx="9144000" cy="661091"/>
           </a:xfrm>
         </p:spPr>
         <p:txBody>
           <a:bodyPr>
-            <a:normAutofit/>
+            <a:normAutofit fontScale="90000"/>
           </a:bodyPr>
           <a:lstStyle/>
           <a:p>
@@ -7297,7 +9617,7 @@
                 </a:solidFill>
                 <a:latin typeface="Rockwell" panose="02060603020205020403" pitchFamily="18" charset="77"/>
               </a:rPr>
-              <a:t>Unsupervised Learning Algorithm</a:t>
+              <a:t>Analyze the Feasibility of Pretrained Sentiment Analyzer</a:t>
             </a:r>
           </a:p>
         </p:txBody>
@@ -7389,7 +9709,7 @@
           <p:cNvPr id="4" name="Picture 3">
             <a:extLst>
               <a:ext uri="{FF2B5EF4-FFF2-40B4-BE49-F238E27FC236}">
-                <a16:creationId xmlns:a16="http://schemas.microsoft.com/office/drawing/2014/main" id="{0A7AF83C-FFF2-2A41-B236-D2D91B803D3F}"/>
+                <a16:creationId xmlns:a16="http://schemas.microsoft.com/office/drawing/2014/main" id="{A22E65D3-E260-044F-BA24-C39BC846B684}"/>
               </a:ext>
             </a:extLst>
           </p:cNvPr>
@@ -7406,8 +9726,8 @@
         </p:blipFill>
         <p:spPr>
           <a:xfrm>
-            <a:off x="308043" y="1204143"/>
-            <a:ext cx="4114800" cy="2743200"/>
+            <a:off x="868194" y="4010900"/>
+            <a:ext cx="3657600" cy="1553322"/>
           </a:xfrm>
           <a:prstGeom prst="rect">
             <a:avLst/>
@@ -7419,7 +9739,7 @@
           <p:cNvPr id="7" name="Picture 6">
             <a:extLst>
               <a:ext uri="{FF2B5EF4-FFF2-40B4-BE49-F238E27FC236}">
-                <a16:creationId xmlns:a16="http://schemas.microsoft.com/office/drawing/2014/main" id="{18C1C282-0E48-BF4B-B878-5175BFEF3F28}"/>
+                <a16:creationId xmlns:a16="http://schemas.microsoft.com/office/drawing/2014/main" id="{6D43CE36-2288-F245-B290-DD29A810BC8D}"/>
               </a:ext>
             </a:extLst>
           </p:cNvPr>
@@ -7436,20 +9756,76 @@
         </p:blipFill>
         <p:spPr>
           <a:xfrm>
-            <a:off x="4675762" y="1191959"/>
-            <a:ext cx="4114800" cy="2743200"/>
+            <a:off x="868194" y="1514131"/>
+            <a:ext cx="3657600" cy="2438400"/>
           </a:xfrm>
           <a:prstGeom prst="rect">
             <a:avLst/>
           </a:prstGeom>
         </p:spPr>
       </p:pic>
+      <p:sp>
+        <p:nvSpPr>
+          <p:cNvPr id="10" name="Rectangle 9">
+            <a:extLst>
+              <a:ext uri="{FF2B5EF4-FFF2-40B4-BE49-F238E27FC236}">
+                <a16:creationId xmlns:a16="http://schemas.microsoft.com/office/drawing/2014/main" id="{BF265573-186C-D445-A3D5-EA1411739AB4}"/>
+              </a:ext>
+            </a:extLst>
+          </p:cNvPr>
+          <p:cNvSpPr/>
+          <p:nvPr/>
+        </p:nvSpPr>
+        <p:spPr>
+          <a:xfrm>
+            <a:off x="868194" y="6128436"/>
+            <a:ext cx="3657600" cy="661207"/>
+          </a:xfrm>
+          <a:prstGeom prst="rect">
+            <a:avLst/>
+          </a:prstGeom>
+          <a:solidFill>
+            <a:schemeClr val="bg1">
+              <a:lumMod val="50000"/>
+              <a:lumOff val="50000"/>
+            </a:schemeClr>
+          </a:solidFill>
+          <a:ln>
+            <a:solidFill>
+              <a:srgbClr val="941651"/>
+            </a:solidFill>
+          </a:ln>
+        </p:spPr>
+        <p:txBody>
+          <a:bodyPr wrap="square">
+            <a:spAutoFit/>
+          </a:bodyPr>
+          <a:lstStyle/>
+          <a:p>
+            <a:pPr algn="ctr">
+              <a:lnSpc>
+                <a:spcPct val="150000"/>
+              </a:lnSpc>
+            </a:pPr>
+            <a:r>
+              <a:rPr lang="en-US" sz="2800" dirty="0">
+                <a:solidFill>
+                  <a:srgbClr val="002060"/>
+                </a:solidFill>
+                <a:latin typeface="Times New Roman" panose="02020603050405020304" pitchFamily="18" charset="0"/>
+                <a:cs typeface="Times New Roman" panose="02020603050405020304" pitchFamily="18" charset="0"/>
+              </a:rPr>
+              <a:t>Textblob</a:t>
+            </a:r>
+          </a:p>
+        </p:txBody>
+      </p:sp>
       <p:pic>
         <p:nvPicPr>
-          <p:cNvPr id="10" name="Picture 9">
-            <a:extLst>
-              <a:ext uri="{FF2B5EF4-FFF2-40B4-BE49-F238E27FC236}">
-                <a16:creationId xmlns:a16="http://schemas.microsoft.com/office/drawing/2014/main" id="{BAB89DBD-0474-B246-A126-D25C6298655D}"/>
+          <p:cNvPr id="12" name="Picture 11">
+            <a:extLst>
+              <a:ext uri="{FF2B5EF4-FFF2-40B4-BE49-F238E27FC236}">
+                <a16:creationId xmlns:a16="http://schemas.microsoft.com/office/drawing/2014/main" id="{738B2749-F91C-B04F-BEAC-0547E83A95B7}"/>
               </a:ext>
             </a:extLst>
           </p:cNvPr>
@@ -7466,20 +9842,146 @@
         </p:blipFill>
         <p:spPr>
           <a:xfrm>
-            <a:off x="285112" y="4052849"/>
-            <a:ext cx="4114800" cy="1677962"/>
+            <a:off x="4664547" y="4020627"/>
+            <a:ext cx="3657600" cy="1543595"/>
           </a:xfrm>
           <a:prstGeom prst="rect">
             <a:avLst/>
           </a:prstGeom>
         </p:spPr>
       </p:pic>
+      <p:sp>
+        <p:nvSpPr>
+          <p:cNvPr id="13" name="Rectangle 12">
+            <a:extLst>
+              <a:ext uri="{FF2B5EF4-FFF2-40B4-BE49-F238E27FC236}">
+                <a16:creationId xmlns:a16="http://schemas.microsoft.com/office/drawing/2014/main" id="{2B7B95F8-E797-E44B-9DBD-5DB12863E93F}"/>
+              </a:ext>
+            </a:extLst>
+          </p:cNvPr>
+          <p:cNvSpPr/>
+          <p:nvPr/>
+        </p:nvSpPr>
+        <p:spPr>
+          <a:xfrm>
+            <a:off x="4664547" y="6133414"/>
+            <a:ext cx="3657600" cy="661207"/>
+          </a:xfrm>
+          <a:prstGeom prst="rect">
+            <a:avLst/>
+          </a:prstGeom>
+          <a:solidFill>
+            <a:schemeClr val="bg1">
+              <a:lumMod val="50000"/>
+              <a:lumOff val="50000"/>
+            </a:schemeClr>
+          </a:solidFill>
+          <a:ln>
+            <a:solidFill>
+              <a:srgbClr val="941651"/>
+            </a:solidFill>
+          </a:ln>
+        </p:spPr>
+        <p:txBody>
+          <a:bodyPr wrap="square">
+            <a:spAutoFit/>
+          </a:bodyPr>
+          <a:lstStyle/>
+          <a:p>
+            <a:pPr algn="ctr">
+              <a:lnSpc>
+                <a:spcPct val="150000"/>
+              </a:lnSpc>
+            </a:pPr>
+            <a:r>
+              <a:rPr lang="en-US" sz="2800" dirty="0">
+                <a:solidFill>
+                  <a:srgbClr val="002060"/>
+                </a:solidFill>
+                <a:latin typeface="Times New Roman" panose="02020603050405020304" pitchFamily="18" charset="0"/>
+                <a:cs typeface="Times New Roman" panose="02020603050405020304" pitchFamily="18" charset="0"/>
+              </a:rPr>
+              <a:t>Vader</a:t>
+            </a:r>
+            <a:endParaRPr lang="en-US" sz="2400" dirty="0">
+              <a:solidFill>
+                <a:srgbClr val="002060"/>
+              </a:solidFill>
+              <a:latin typeface="Times New Roman" panose="02020603050405020304" pitchFamily="18" charset="0"/>
+              <a:cs typeface="Times New Roman" panose="02020603050405020304" pitchFamily="18" charset="0"/>
+            </a:endParaRPr>
+          </a:p>
+        </p:txBody>
+      </p:sp>
+      <p:sp>
+        <p:nvSpPr>
+          <p:cNvPr id="14" name="Rectangle 13">
+            <a:extLst>
+              <a:ext uri="{FF2B5EF4-FFF2-40B4-BE49-F238E27FC236}">
+                <a16:creationId xmlns:a16="http://schemas.microsoft.com/office/drawing/2014/main" id="{4C9B3AA8-16C9-254D-97B4-98FA9EA965FB}"/>
+              </a:ext>
+            </a:extLst>
+          </p:cNvPr>
+          <p:cNvSpPr/>
+          <p:nvPr/>
+        </p:nvSpPr>
+        <p:spPr>
+          <a:xfrm>
+            <a:off x="8445366" y="6118904"/>
+            <a:ext cx="3657600" cy="661207"/>
+          </a:xfrm>
+          <a:prstGeom prst="rect">
+            <a:avLst/>
+          </a:prstGeom>
+          <a:solidFill>
+            <a:schemeClr val="bg1">
+              <a:lumMod val="50000"/>
+              <a:lumOff val="50000"/>
+            </a:schemeClr>
+          </a:solidFill>
+          <a:ln>
+            <a:solidFill>
+              <a:srgbClr val="941651"/>
+            </a:solidFill>
+          </a:ln>
+        </p:spPr>
+        <p:txBody>
+          <a:bodyPr wrap="square">
+            <a:spAutoFit/>
+          </a:bodyPr>
+          <a:lstStyle/>
+          <a:p>
+            <a:pPr algn="ctr">
+              <a:lnSpc>
+                <a:spcPct val="150000"/>
+              </a:lnSpc>
+            </a:pPr>
+            <a:r>
+              <a:rPr lang="en-US" sz="2800" dirty="0">
+                <a:solidFill>
+                  <a:srgbClr val="002060"/>
+                </a:solidFill>
+                <a:latin typeface="Times New Roman" panose="02020603050405020304" pitchFamily="18" charset="0"/>
+                <a:cs typeface="Times New Roman" panose="02020603050405020304" pitchFamily="18" charset="0"/>
+              </a:rPr>
+              <a:t>Flair</a:t>
+            </a:r>
+            <a:endParaRPr lang="en-US" sz="2400" dirty="0">
+              <a:solidFill>
+                <a:srgbClr val="002060"/>
+              </a:solidFill>
+              <a:latin typeface="Times New Roman" panose="02020603050405020304" pitchFamily="18" charset="0"/>
+              <a:cs typeface="Times New Roman" panose="02020603050405020304" pitchFamily="18" charset="0"/>
+            </a:endParaRPr>
+          </a:p>
+        </p:txBody>
+      </p:sp>
       <p:pic>
         <p:nvPicPr>
-          <p:cNvPr id="13" name="Picture 12">
-            <a:extLst>
-              <a:ext uri="{FF2B5EF4-FFF2-40B4-BE49-F238E27FC236}">
-                <a16:creationId xmlns:a16="http://schemas.microsoft.com/office/drawing/2014/main" id="{4BCC4D27-1237-F642-85D0-7592E91D4244}"/>
+          <p:cNvPr id="16" name="Picture 15">
+            <a:extLst>
+              <a:ext uri="{FF2B5EF4-FFF2-40B4-BE49-F238E27FC236}">
+                <a16:creationId xmlns:a16="http://schemas.microsoft.com/office/drawing/2014/main" id="{0034770C-9BF6-EF41-9BB6-D488B387C1F9}"/>
               </a:ext>
             </a:extLst>
           </p:cNvPr>
@@ -7496,20 +9998,80 @@
         </p:blipFill>
         <p:spPr>
           <a:xfrm>
-            <a:off x="4675762" y="4052849"/>
-            <a:ext cx="4114800" cy="1714500"/>
+            <a:off x="8399982" y="1525494"/>
+            <a:ext cx="3657600" cy="2438400"/>
           </a:xfrm>
           <a:prstGeom prst="rect">
             <a:avLst/>
           </a:prstGeom>
         </p:spPr>
       </p:pic>
-      <p:sp>
-        <p:nvSpPr>
-          <p:cNvPr id="14" name="Rectangle 13">
-            <a:extLst>
-              <a:ext uri="{FF2B5EF4-FFF2-40B4-BE49-F238E27FC236}">
-                <a16:creationId xmlns:a16="http://schemas.microsoft.com/office/drawing/2014/main" id="{97EDC038-8B00-EC4F-AEAA-91BF44CA63DC}"/>
+      <p:pic>
+        <p:nvPicPr>
+          <p:cNvPr id="18" name="Picture 17">
+            <a:extLst>
+              <a:ext uri="{FF2B5EF4-FFF2-40B4-BE49-F238E27FC236}">
+                <a16:creationId xmlns:a16="http://schemas.microsoft.com/office/drawing/2014/main" id="{02EE4A94-CB5E-DE4D-AEB2-FA9578449746}"/>
+              </a:ext>
+            </a:extLst>
+          </p:cNvPr>
+          <p:cNvPicPr>
+            <a:picLocks noChangeAspect="1"/>
+          </p:cNvPicPr>
+          <p:nvPr/>
+        </p:nvPicPr>
+        <p:blipFill>
+          <a:blip r:embed="rId6"/>
+          <a:stretch>
+            <a:fillRect/>
+          </a:stretch>
+        </p:blipFill>
+        <p:spPr>
+          <a:xfrm>
+            <a:off x="4664547" y="1520527"/>
+            <a:ext cx="3657600" cy="2438400"/>
+          </a:xfrm>
+          <a:prstGeom prst="rect">
+            <a:avLst/>
+          </a:prstGeom>
+        </p:spPr>
+      </p:pic>
+      <p:pic>
+        <p:nvPicPr>
+          <p:cNvPr id="20" name="Picture 19">
+            <a:extLst>
+              <a:ext uri="{FF2B5EF4-FFF2-40B4-BE49-F238E27FC236}">
+                <a16:creationId xmlns:a16="http://schemas.microsoft.com/office/drawing/2014/main" id="{6286425E-71A0-C143-B2DD-96CD556251CC}"/>
+              </a:ext>
+            </a:extLst>
+          </p:cNvPr>
+          <p:cNvPicPr>
+            <a:picLocks noChangeAspect="1"/>
+          </p:cNvPicPr>
+          <p:nvPr/>
+        </p:nvPicPr>
+        <p:blipFill>
+          <a:blip r:embed="rId7"/>
+          <a:stretch>
+            <a:fillRect/>
+          </a:stretch>
+        </p:blipFill>
+        <p:spPr>
+          <a:xfrm>
+            <a:off x="8409019" y="4020627"/>
+            <a:ext cx="3657600" cy="1553323"/>
+          </a:xfrm>
+          <a:prstGeom prst="rect">
+            <a:avLst/>
+          </a:prstGeom>
+        </p:spPr>
+      </p:pic>
+      <p:sp>
+        <p:nvSpPr>
+          <p:cNvPr id="21" name="Rectangle 20">
+            <a:extLst>
+              <a:ext uri="{FF2B5EF4-FFF2-40B4-BE49-F238E27FC236}">
+                <a16:creationId xmlns:a16="http://schemas.microsoft.com/office/drawing/2014/main" id="{2DE56AC4-CAAC-DA43-A45D-4EBE3E7A1C95}"/>
               </a:ext>
             </a:extLst>
           </p:cNvPr>
@@ -7518,8 +10080,8 @@
         </p:nvSpPr>
         <p:spPr>
           <a:xfrm>
-            <a:off x="285113" y="5869120"/>
-            <a:ext cx="4114799" cy="579967"/>
+            <a:off x="884406" y="5590170"/>
+            <a:ext cx="3657600" cy="458011"/>
           </a:xfrm>
           <a:prstGeom prst="rect">
             <a:avLst/>
@@ -7547,7 +10109,7 @@
               </a:lnSpc>
             </a:pPr>
             <a:r>
-              <a:rPr lang="en-US" sz="2400" dirty="0">
+              <a:rPr lang="en-US" dirty="0">
                 <a:solidFill>
                   <a:schemeClr val="accent4">
                     <a:lumMod val="40000"/>
@@ -7557,17 +10119,17 @@
                 <a:latin typeface="Times New Roman" panose="02020603050405020304" pitchFamily="18" charset="0"/>
                 <a:cs typeface="Times New Roman" panose="02020603050405020304" pitchFamily="18" charset="0"/>
               </a:rPr>
-              <a:t>ROC AUC: 0.33</a:t>
-            </a:r>
-          </a:p>
-        </p:txBody>
-      </p:sp>
-      <p:sp>
-        <p:nvSpPr>
-          <p:cNvPr id="15" name="Rectangle 14">
-            <a:extLst>
-              <a:ext uri="{FF2B5EF4-FFF2-40B4-BE49-F238E27FC236}">
-                <a16:creationId xmlns:a16="http://schemas.microsoft.com/office/drawing/2014/main" id="{8DE4EBAE-12C4-B04A-8B2C-4B5F4139134A}"/>
+              <a:t>ROC AUC: 0.72</a:t>
+            </a:r>
+          </a:p>
+        </p:txBody>
+      </p:sp>
+      <p:sp>
+        <p:nvSpPr>
+          <p:cNvPr id="22" name="Rectangle 21">
+            <a:extLst>
+              <a:ext uri="{FF2B5EF4-FFF2-40B4-BE49-F238E27FC236}">
+                <a16:creationId xmlns:a16="http://schemas.microsoft.com/office/drawing/2014/main" id="{500C5754-36B7-3E40-B482-5594BC32229A}"/>
               </a:ext>
             </a:extLst>
           </p:cNvPr>
@@ -7576,8 +10138,8 @@
         </p:nvSpPr>
         <p:spPr>
           <a:xfrm>
-            <a:off x="4675762" y="5869119"/>
-            <a:ext cx="4114799" cy="579967"/>
+            <a:off x="4664547" y="5583678"/>
+            <a:ext cx="3657600" cy="458011"/>
           </a:xfrm>
           <a:prstGeom prst="rect">
             <a:avLst/>
@@ -7605,7 +10167,7 @@
               </a:lnSpc>
             </a:pPr>
             <a:r>
-              <a:rPr lang="en-US" sz="2400" dirty="0">
+              <a:rPr lang="en-US" dirty="0">
                 <a:solidFill>
                   <a:schemeClr val="accent4">
                     <a:lumMod val="40000"/>
@@ -7615,17 +10177,17 @@
                 <a:latin typeface="Times New Roman" panose="02020603050405020304" pitchFamily="18" charset="0"/>
                 <a:cs typeface="Times New Roman" panose="02020603050405020304" pitchFamily="18" charset="0"/>
               </a:rPr>
-              <a:t>ROC AUC: 0.51</a:t>
-            </a:r>
-          </a:p>
-        </p:txBody>
-      </p:sp>
-      <p:sp>
-        <p:nvSpPr>
-          <p:cNvPr id="16" name="Rectangle 15">
-            <a:extLst>
-              <a:ext uri="{FF2B5EF4-FFF2-40B4-BE49-F238E27FC236}">
-                <a16:creationId xmlns:a16="http://schemas.microsoft.com/office/drawing/2014/main" id="{95793287-B9B4-B241-86AC-00DA94BEF9B3}"/>
+              <a:t>ROC AUC: 0.63</a:t>
+            </a:r>
+          </a:p>
+        </p:txBody>
+      </p:sp>
+      <p:sp>
+        <p:nvSpPr>
+          <p:cNvPr id="23" name="Rectangle 22">
+            <a:extLst>
+              <a:ext uri="{FF2B5EF4-FFF2-40B4-BE49-F238E27FC236}">
+                <a16:creationId xmlns:a16="http://schemas.microsoft.com/office/drawing/2014/main" id="{F5E48D38-FEEC-B744-9108-DA47BA2F2D74}"/>
               </a:ext>
             </a:extLst>
           </p:cNvPr>
@@ -7634,12 +10196,22 @@
         </p:nvSpPr>
         <p:spPr>
           <a:xfrm>
-            <a:off x="8939718" y="2114141"/>
-            <a:ext cx="3155005" cy="2795958"/>
+            <a:off x="8409019" y="5573950"/>
+            <a:ext cx="3657600" cy="458011"/>
           </a:xfrm>
           <a:prstGeom prst="rect">
             <a:avLst/>
           </a:prstGeom>
+          <a:solidFill>
+            <a:schemeClr val="bg2">
+              <a:lumMod val="50000"/>
+            </a:schemeClr>
+          </a:solidFill>
+          <a:ln>
+            <a:solidFill>
+              <a:schemeClr val="bg2"/>
+            </a:solidFill>
+          </a:ln>
         </p:spPr>
         <p:txBody>
           <a:bodyPr wrap="square">
@@ -7651,17 +10223,19 @@
               <a:lnSpc>
                 <a:spcPct val="150000"/>
               </a:lnSpc>
-              <a:buClr>
-                <a:srgbClr val="00B0F0"/>
-              </a:buClr>
-              <a:buSzPct val="80000"/>
             </a:pPr>
             <a:r>
-              <a:rPr lang="en-US" sz="2400" dirty="0">
+              <a:rPr lang="en-US" dirty="0">
+                <a:solidFill>
+                  <a:schemeClr val="accent4">
+                    <a:lumMod val="40000"/>
+                    <a:lumOff val="60000"/>
+                  </a:schemeClr>
+                </a:solidFill>
                 <a:latin typeface="Times New Roman" panose="02020603050405020304" pitchFamily="18" charset="0"/>
                 <a:cs typeface="Times New Roman" panose="02020603050405020304" pitchFamily="18" charset="0"/>
               </a:rPr>
-              <a:t>Pretrained Model Performance are inarguably better than the unsupervised learning algorithm.</a:t>
+              <a:t>ROC AUC: 0.66</a:t>
             </a:r>
           </a:p>
         </p:txBody>
@@ -7669,7 +10243,7 @@
     </p:spTree>
     <p:extLst>
       <p:ext uri="{BB962C8B-B14F-4D97-AF65-F5344CB8AC3E}">
-        <p14:creationId xmlns:p14="http://schemas.microsoft.com/office/powerpoint/2010/main" val="1522485720"/>
+        <p14:creationId xmlns:p14="http://schemas.microsoft.com/office/powerpoint/2010/main" val="1174499118"/>
       </p:ext>
     </p:extLst>
   </p:cSld>
